--- a/Presentazione.pptx
+++ b/Presentazione.pptx
@@ -12,6 +12,15 @@
     <p:sldId id="262" r:id="rId6"/>
     <p:sldId id="261" r:id="rId7"/>
     <p:sldId id="263" r:id="rId8"/>
+    <p:sldId id="264" r:id="rId9"/>
+    <p:sldId id="269" r:id="rId10"/>
+    <p:sldId id="266" r:id="rId11"/>
+    <p:sldId id="268" r:id="rId12"/>
+    <p:sldId id="267" r:id="rId13"/>
+    <p:sldId id="271" r:id="rId14"/>
+    <p:sldId id="270" r:id="rId15"/>
+    <p:sldId id="272" r:id="rId16"/>
+    <p:sldId id="273" r:id="rId17"/>
   </p:sldIdLst>
   <p:sldSz cx="12192000" cy="6858000"/>
   <p:notesSz cx="6858000" cy="9144000"/>
@@ -267,7 +276,7 @@
             <a:fld id="{AD74387E-97CE-4431-A938-776691C01B99}" type="datetime1">
               <a:rPr lang="it-IT" smtClean="0"/>
               <a:pPr lvl="0"/>
-              <a:t>17/05/2021</a:t>
+              <a:t>19/05/2021</a:t>
             </a:fld>
             <a:endParaRPr lang="it-IT"/>
           </a:p>
@@ -475,7 +484,7 @@
             <a:fld id="{805C0DC6-7813-4A67-8373-4ABFAC47C388}" type="datetime1">
               <a:rPr lang="it-IT" smtClean="0"/>
               <a:pPr lvl="0"/>
-              <a:t>17/05/2021</a:t>
+              <a:t>19/05/2021</a:t>
             </a:fld>
             <a:endParaRPr lang="it-IT"/>
           </a:p>
@@ -687,7 +696,7 @@
             <a:fld id="{0C777315-50A1-45E8-A4C4-6C11401F702A}" type="datetime1">
               <a:rPr lang="it-IT" smtClean="0"/>
               <a:pPr lvl="0"/>
-              <a:t>17/05/2021</a:t>
+              <a:t>19/05/2021</a:t>
             </a:fld>
             <a:endParaRPr lang="it-IT"/>
           </a:p>
@@ -889,7 +898,7 @@
             <a:fld id="{BE285C84-5284-44DD-BE75-528454D0120C}" type="datetime1">
               <a:rPr lang="it-IT" smtClean="0"/>
               <a:pPr lvl="0"/>
-              <a:t>17/05/2021</a:t>
+              <a:t>19/05/2021</a:t>
             </a:fld>
             <a:endParaRPr lang="it-IT"/>
           </a:p>
@@ -1169,7 +1178,7 @@
             <a:fld id="{1AC71CE6-FB6C-4B87-A966-F687647F12F7}" type="datetime1">
               <a:rPr lang="it-IT" smtClean="0"/>
               <a:pPr lvl="0"/>
-              <a:t>17/05/2021</a:t>
+              <a:t>19/05/2021</a:t>
             </a:fld>
             <a:endParaRPr lang="it-IT"/>
           </a:p>
@@ -1443,7 +1452,7 @@
             <a:fld id="{A8243CBF-885E-4FB7-9EFC-0C730A58BC85}" type="datetime1">
               <a:rPr lang="it-IT" smtClean="0"/>
               <a:pPr lvl="0"/>
-              <a:t>17/05/2021</a:t>
+              <a:t>19/05/2021</a:t>
             </a:fld>
             <a:endParaRPr lang="it-IT"/>
           </a:p>
@@ -1859,7 +1868,7 @@
             <a:fld id="{E51398B2-046A-4A6C-934D-20200A5E1FD8}" type="datetime1">
               <a:rPr lang="it-IT" smtClean="0"/>
               <a:pPr lvl="0"/>
-              <a:t>17/05/2021</a:t>
+              <a:t>19/05/2021</a:t>
             </a:fld>
             <a:endParaRPr lang="it-IT"/>
           </a:p>
@@ -2004,7 +2013,7 @@
             <a:fld id="{FBF20CF6-0698-4508-911A-6C13748187F3}" type="datetime1">
               <a:rPr lang="it-IT" smtClean="0"/>
               <a:pPr lvl="0"/>
-              <a:t>17/05/2021</a:t>
+              <a:t>19/05/2021</a:t>
             </a:fld>
             <a:endParaRPr lang="it-IT"/>
           </a:p>
@@ -2121,7 +2130,7 @@
             <a:fld id="{0C777315-50A1-45E8-A4C4-6C11401F702A}" type="datetime1">
               <a:rPr lang="it-IT" smtClean="0"/>
               <a:pPr lvl="0"/>
-              <a:t>17/05/2021</a:t>
+              <a:t>19/05/2021</a:t>
             </a:fld>
             <a:endParaRPr lang="it-IT"/>
           </a:p>
@@ -2436,7 +2445,7 @@
             <a:fld id="{A4F8D565-E2C0-44CB-88FF-3502FB0B2CC5}" type="datetime1">
               <a:rPr lang="it-IT" smtClean="0"/>
               <a:pPr lvl="0"/>
-              <a:t>17/05/2021</a:t>
+              <a:t>19/05/2021</a:t>
             </a:fld>
             <a:endParaRPr lang="it-IT"/>
           </a:p>
@@ -2728,7 +2737,7 @@
             <a:fld id="{0C777315-50A1-45E8-A4C4-6C11401F702A}" type="datetime1">
               <a:rPr lang="it-IT" smtClean="0"/>
               <a:pPr lvl="0"/>
-              <a:t>17/05/2021</a:t>
+              <a:t>19/05/2021</a:t>
             </a:fld>
             <a:endParaRPr lang="it-IT"/>
           </a:p>
@@ -2973,7 +2982,7 @@
             <a:fld id="{0C777315-50A1-45E8-A4C4-6C11401F702A}" type="datetime1">
               <a:rPr lang="it-IT" smtClean="0"/>
               <a:pPr lvl="0"/>
-              <a:t>17/05/2021</a:t>
+              <a:t>19/05/2021</a:t>
             </a:fld>
             <a:endParaRPr lang="it-IT"/>
           </a:p>
@@ -3589,6 +3598,4385 @@
         </p:spPr>
       </p:pic>
     </p:spTree>
+  </p:cSld>
+  <p:clrMapOvr>
+    <a:masterClrMapping/>
+  </p:clrMapOvr>
+</p:sld>
+</file>
+
+<file path=ppt/slides/slide10.xml><?xml version="1.0" encoding="utf-8"?>
+<p:sld xmlns:a="http://schemas.openxmlformats.org/drawingml/2006/main" xmlns:r="http://schemas.openxmlformats.org/officeDocument/2006/relationships" xmlns:p="http://schemas.openxmlformats.org/presentationml/2006/main">
+  <p:cSld>
+    <p:spTree>
+      <p:nvGrpSpPr>
+        <p:cNvPr id="1" name=""/>
+        <p:cNvGrpSpPr/>
+        <p:nvPr/>
+      </p:nvGrpSpPr>
+      <p:grpSpPr>
+        <a:xfrm>
+          <a:off x="0" y="0"/>
+          <a:ext cx="0" cy="0"/>
+          <a:chOff x="0" y="0"/>
+          <a:chExt cx="0" cy="0"/>
+        </a:xfrm>
+      </p:grpSpPr>
+      <p:sp>
+        <p:nvSpPr>
+          <p:cNvPr id="2" name="Titolo 1">
+            <a:extLst>
+              <a:ext uri="{FF2B5EF4-FFF2-40B4-BE49-F238E27FC236}">
+                <a16:creationId xmlns:a16="http://schemas.microsoft.com/office/drawing/2014/main" id="{35608F2D-55E7-4FA0-9657-3723C5DE68DF}"/>
+              </a:ext>
+            </a:extLst>
+          </p:cNvPr>
+          <p:cNvSpPr>
+            <a:spLocks noGrp="1"/>
+          </p:cNvSpPr>
+          <p:nvPr>
+            <p:ph type="title"/>
+          </p:nvPr>
+        </p:nvSpPr>
+        <p:spPr>
+          <a:xfrm>
+            <a:off x="838200" y="365125"/>
+            <a:ext cx="2677357" cy="1325563"/>
+          </a:xfrm>
+        </p:spPr>
+        <p:txBody>
+          <a:bodyPr/>
+          <a:lstStyle/>
+          <a:p>
+            <a:r>
+              <a:rPr lang="it-IT" sz="4000" b="1" dirty="0"/>
+              <a:t>Base</a:t>
+            </a:r>
+            <a:r>
+              <a:rPr lang="it-IT" b="1" dirty="0"/>
+              <a:t> </a:t>
+            </a:r>
+            <a:r>
+              <a:rPr lang="it-IT" sz="4000" b="1" dirty="0"/>
+              <a:t>case</a:t>
+            </a:r>
+            <a:r>
+              <a:rPr lang="it-IT" dirty="0"/>
+              <a:t>:</a:t>
+            </a:r>
+          </a:p>
+        </p:txBody>
+      </p:sp>
+      <p:sp>
+        <p:nvSpPr>
+          <p:cNvPr id="4" name="CasellaDiTesto 3">
+            <a:extLst>
+              <a:ext uri="{FF2B5EF4-FFF2-40B4-BE49-F238E27FC236}">
+                <a16:creationId xmlns:a16="http://schemas.microsoft.com/office/drawing/2014/main" id="{AB7B65C6-CD50-4F1C-911D-B0C33E5A3C50}"/>
+              </a:ext>
+            </a:extLst>
+          </p:cNvPr>
+          <p:cNvSpPr txBox="1"/>
+          <p:nvPr/>
+        </p:nvSpPr>
+        <p:spPr>
+          <a:xfrm>
+            <a:off x="838200" y="1535837"/>
+            <a:ext cx="3103485" cy="1200329"/>
+          </a:xfrm>
+          <a:prstGeom prst="rect">
+            <a:avLst/>
+          </a:prstGeom>
+          <a:noFill/>
+        </p:spPr>
+        <p:txBody>
+          <a:bodyPr wrap="square" rtlCol="0">
+            <a:spAutoFit/>
+          </a:bodyPr>
+          <a:lstStyle/>
+          <a:p>
+            <a:r>
+              <a:rPr lang="it-IT" dirty="0"/>
+              <a:t>No </a:t>
+            </a:r>
+            <a:r>
+              <a:rPr lang="it-IT" dirty="0" err="1"/>
+              <a:t>impatient</a:t>
+            </a:r>
+            <a:r>
+              <a:rPr lang="it-IT" dirty="0"/>
+              <a:t> customers, </a:t>
+            </a:r>
+            <a:r>
+              <a:rPr lang="it-IT" dirty="0" err="1"/>
+              <a:t>sufficient</a:t>
+            </a:r>
+            <a:r>
+              <a:rPr lang="it-IT" dirty="0"/>
+              <a:t> </a:t>
+            </a:r>
+            <a:r>
+              <a:rPr lang="it-IT" dirty="0" err="1"/>
+              <a:t>numer</a:t>
+            </a:r>
+            <a:r>
+              <a:rPr lang="it-IT" dirty="0"/>
+              <a:t> of </a:t>
+            </a:r>
+            <a:r>
+              <a:rPr lang="it-IT" dirty="0" err="1"/>
+              <a:t>operators</a:t>
+            </a:r>
+            <a:r>
+              <a:rPr lang="it-IT" dirty="0"/>
+              <a:t>, small </a:t>
+            </a:r>
+            <a:r>
+              <a:rPr lang="it-IT" dirty="0" err="1"/>
+              <a:t>ammount</a:t>
+            </a:r>
+            <a:r>
+              <a:rPr lang="it-IT" dirty="0"/>
+              <a:t> of customers, high </a:t>
+            </a:r>
+            <a:r>
+              <a:rPr lang="it-IT" dirty="0" err="1"/>
+              <a:t>battery</a:t>
+            </a:r>
+            <a:r>
+              <a:rPr lang="it-IT" dirty="0"/>
+              <a:t> life.</a:t>
+            </a:r>
+          </a:p>
+        </p:txBody>
+      </p:sp>
+      <p:graphicFrame>
+        <p:nvGraphicFramePr>
+          <p:cNvPr id="5" name="Tabella 5">
+            <a:extLst>
+              <a:ext uri="{FF2B5EF4-FFF2-40B4-BE49-F238E27FC236}">
+                <a16:creationId xmlns:a16="http://schemas.microsoft.com/office/drawing/2014/main" id="{EDF7A911-3682-4C86-B45C-088EFA14AF82}"/>
+              </a:ext>
+            </a:extLst>
+          </p:cNvPr>
+          <p:cNvGraphicFramePr>
+            <a:graphicFrameLocks noGrp="1"/>
+          </p:cNvGraphicFramePr>
+          <p:nvPr>
+            <p:extLst>
+              <p:ext uri="{D42A27DB-BD31-4B8C-83A1-F6EECF244321}">
+                <p14:modId xmlns:p14="http://schemas.microsoft.com/office/powerpoint/2010/main" val="1908500829"/>
+              </p:ext>
+            </p:extLst>
+          </p:nvPr>
+        </p:nvGraphicFramePr>
+        <p:xfrm>
+          <a:off x="1076503" y="3067190"/>
+          <a:ext cx="2626878" cy="3296909"/>
+        </p:xfrm>
+        <a:graphic>
+          <a:graphicData uri="http://schemas.openxmlformats.org/drawingml/2006/table">
+            <a:tbl>
+              <a:tblPr firstRow="1" bandRow="1">
+                <a:tableStyleId>{5C22544A-7EE6-4342-B048-85BDC9FD1C3A}</a:tableStyleId>
+              </a:tblPr>
+              <a:tblGrid>
+                <a:gridCol w="1909369">
+                  <a:extLst>
+                    <a:ext uri="{9D8B030D-6E8A-4147-A177-3AD203B41FA5}">
+                      <a16:colId xmlns:a16="http://schemas.microsoft.com/office/drawing/2014/main" val="3591313908"/>
+                    </a:ext>
+                  </a:extLst>
+                </a:gridCol>
+                <a:gridCol w="717509">
+                  <a:extLst>
+                    <a:ext uri="{9D8B030D-6E8A-4147-A177-3AD203B41FA5}">
+                      <a16:colId xmlns:a16="http://schemas.microsoft.com/office/drawing/2014/main" val="4099186437"/>
+                    </a:ext>
+                  </a:extLst>
+                </a:gridCol>
+              </a:tblGrid>
+              <a:tr h="299719">
+                <a:tc>
+                  <a:txBody>
+                    <a:bodyPr/>
+                    <a:lstStyle/>
+                    <a:p>
+                      <a:r>
+                        <a:rPr lang="it-IT" sz="1400"/>
+                        <a:t>VARIABLE NAME</a:t>
+                      </a:r>
+                      <a:endParaRPr lang="it-IT" sz="1400" dirty="0"/>
+                    </a:p>
+                  </a:txBody>
+                  <a:tcPr marL="73903" marR="73903" marT="36951" marB="36951"/>
+                </a:tc>
+                <a:tc>
+                  <a:txBody>
+                    <a:bodyPr/>
+                    <a:lstStyle/>
+                    <a:p>
+                      <a:r>
+                        <a:rPr lang="it-IT" sz="1400"/>
+                        <a:t>VALUE</a:t>
+                      </a:r>
+                      <a:endParaRPr lang="it-IT" sz="1400" dirty="0"/>
+                    </a:p>
+                  </a:txBody>
+                  <a:tcPr marL="73903" marR="73903" marT="36951" marB="36951"/>
+                </a:tc>
+                <a:extLst>
+                  <a:ext uri="{0D108BD9-81ED-4DB2-BD59-A6C34878D82A}">
+                    <a16:rowId xmlns:a16="http://schemas.microsoft.com/office/drawing/2014/main" val="1531261294"/>
+                  </a:ext>
+                </a:extLst>
+              </a:tr>
+              <a:tr h="299719">
+                <a:tc>
+                  <a:txBody>
+                    <a:bodyPr/>
+                    <a:lstStyle/>
+                    <a:p>
+                      <a:r>
+                        <a:rPr lang="it-IT" sz="1400"/>
+                        <a:t>CAR_USAGE_TIME</a:t>
+                      </a:r>
+                      <a:endParaRPr lang="it-IT" sz="1400" dirty="0"/>
+                    </a:p>
+                  </a:txBody>
+                  <a:tcPr marL="73903" marR="73903" marT="36951" marB="36951"/>
+                </a:tc>
+                <a:tc>
+                  <a:txBody>
+                    <a:bodyPr/>
+                    <a:lstStyle/>
+                    <a:p>
+                      <a:r>
+                        <a:rPr lang="it-IT" sz="1400"/>
+                        <a:t>(28,35)</a:t>
+                      </a:r>
+                      <a:endParaRPr lang="it-IT" sz="1400" dirty="0"/>
+                    </a:p>
+                  </a:txBody>
+                  <a:tcPr marL="73903" marR="73903" marT="36951" marB="36951"/>
+                </a:tc>
+                <a:extLst>
+                  <a:ext uri="{0D108BD9-81ED-4DB2-BD59-A6C34878D82A}">
+                    <a16:rowId xmlns:a16="http://schemas.microsoft.com/office/drawing/2014/main" val="612445165"/>
+                  </a:ext>
+                </a:extLst>
+              </a:tr>
+              <a:tr h="299719">
+                <a:tc>
+                  <a:txBody>
+                    <a:bodyPr/>
+                    <a:lstStyle/>
+                    <a:p>
+                      <a:r>
+                        <a:rPr lang="it-IT" sz="1400"/>
+                        <a:t>USER_SPAWN_TIME</a:t>
+                      </a:r>
+                      <a:endParaRPr lang="it-IT" sz="1400" dirty="0"/>
+                    </a:p>
+                  </a:txBody>
+                  <a:tcPr marL="73903" marR="73903" marT="36951" marB="36951"/>
+                </a:tc>
+                <a:tc>
+                  <a:txBody>
+                    <a:bodyPr/>
+                    <a:lstStyle/>
+                    <a:p>
+                      <a:r>
+                        <a:rPr lang="it-IT" sz="1400"/>
+                        <a:t>(1,2)</a:t>
+                      </a:r>
+                      <a:endParaRPr lang="it-IT" sz="1400" dirty="0"/>
+                    </a:p>
+                  </a:txBody>
+                  <a:tcPr marL="73903" marR="73903" marT="36951" marB="36951"/>
+                </a:tc>
+                <a:extLst>
+                  <a:ext uri="{0D108BD9-81ED-4DB2-BD59-A6C34878D82A}">
+                    <a16:rowId xmlns:a16="http://schemas.microsoft.com/office/drawing/2014/main" val="2753196774"/>
+                  </a:ext>
+                </a:extLst>
+              </a:tr>
+              <a:tr h="299719">
+                <a:tc>
+                  <a:txBody>
+                    <a:bodyPr/>
+                    <a:lstStyle/>
+                    <a:p>
+                      <a:r>
+                        <a:rPr lang="it-IT" sz="1400"/>
+                        <a:t>CARS_NUMBER</a:t>
+                      </a:r>
+                      <a:endParaRPr lang="it-IT" sz="1400" dirty="0"/>
+                    </a:p>
+                  </a:txBody>
+                  <a:tcPr marL="73903" marR="73903" marT="36951" marB="36951"/>
+                </a:tc>
+                <a:tc>
+                  <a:txBody>
+                    <a:bodyPr/>
+                    <a:lstStyle/>
+                    <a:p>
+                      <a:r>
+                        <a:rPr lang="it-IT" sz="1400"/>
+                        <a:t>20</a:t>
+                      </a:r>
+                      <a:endParaRPr lang="it-IT" sz="1400" dirty="0"/>
+                    </a:p>
+                  </a:txBody>
+                  <a:tcPr marL="73903" marR="73903" marT="36951" marB="36951"/>
+                </a:tc>
+                <a:extLst>
+                  <a:ext uri="{0D108BD9-81ED-4DB2-BD59-A6C34878D82A}">
+                    <a16:rowId xmlns:a16="http://schemas.microsoft.com/office/drawing/2014/main" val="613190031"/>
+                  </a:ext>
+                </a:extLst>
+              </a:tr>
+              <a:tr h="299719">
+                <a:tc>
+                  <a:txBody>
+                    <a:bodyPr/>
+                    <a:lstStyle/>
+                    <a:p>
+                      <a:r>
+                        <a:rPr lang="it-IT" sz="1400"/>
+                        <a:t>MAX_NUMB_USERS</a:t>
+                      </a:r>
+                      <a:endParaRPr lang="it-IT" sz="1400" dirty="0"/>
+                    </a:p>
+                  </a:txBody>
+                  <a:tcPr marL="73903" marR="73903" marT="36951" marB="36951"/>
+                </a:tc>
+                <a:tc>
+                  <a:txBody>
+                    <a:bodyPr/>
+                    <a:lstStyle/>
+                    <a:p>
+                      <a:r>
+                        <a:rPr lang="it-IT" sz="1400" dirty="0"/>
+                        <a:t>50</a:t>
+                      </a:r>
+                    </a:p>
+                  </a:txBody>
+                  <a:tcPr marL="73903" marR="73903" marT="36951" marB="36951"/>
+                </a:tc>
+                <a:extLst>
+                  <a:ext uri="{0D108BD9-81ED-4DB2-BD59-A6C34878D82A}">
+                    <a16:rowId xmlns:a16="http://schemas.microsoft.com/office/drawing/2014/main" val="3796194626"/>
+                  </a:ext>
+                </a:extLst>
+              </a:tr>
+              <a:tr h="299719">
+                <a:tc>
+                  <a:txBody>
+                    <a:bodyPr/>
+                    <a:lstStyle/>
+                    <a:p>
+                      <a:r>
+                        <a:rPr lang="it-IT" sz="1400"/>
+                        <a:t>MIN_PATIENCE</a:t>
+                      </a:r>
+                      <a:endParaRPr lang="it-IT" sz="1400" dirty="0"/>
+                    </a:p>
+                  </a:txBody>
+                  <a:tcPr marL="73903" marR="73903" marT="36951" marB="36951"/>
+                </a:tc>
+                <a:tc>
+                  <a:txBody>
+                    <a:bodyPr/>
+                    <a:lstStyle/>
+                    <a:p>
+                      <a:r>
+                        <a:rPr lang="it-IT" sz="1400" dirty="0"/>
+                        <a:t>None</a:t>
+                      </a:r>
+                    </a:p>
+                  </a:txBody>
+                  <a:tcPr marL="73903" marR="73903" marT="36951" marB="36951"/>
+                </a:tc>
+                <a:extLst>
+                  <a:ext uri="{0D108BD9-81ED-4DB2-BD59-A6C34878D82A}">
+                    <a16:rowId xmlns:a16="http://schemas.microsoft.com/office/drawing/2014/main" val="3323455888"/>
+                  </a:ext>
+                </a:extLst>
+              </a:tr>
+              <a:tr h="299719">
+                <a:tc>
+                  <a:txBody>
+                    <a:bodyPr/>
+                    <a:lstStyle/>
+                    <a:p>
+                      <a:r>
+                        <a:rPr lang="it-IT" sz="1400"/>
+                        <a:t>MAX_PATIENCE</a:t>
+                      </a:r>
+                      <a:endParaRPr lang="it-IT" sz="1400" dirty="0"/>
+                    </a:p>
+                  </a:txBody>
+                  <a:tcPr marL="73903" marR="73903" marT="36951" marB="36951"/>
+                </a:tc>
+                <a:tc>
+                  <a:txBody>
+                    <a:bodyPr/>
+                    <a:lstStyle/>
+                    <a:p>
+                      <a:r>
+                        <a:rPr lang="it-IT" sz="1400" dirty="0"/>
+                        <a:t>None</a:t>
+                      </a:r>
+                    </a:p>
+                  </a:txBody>
+                  <a:tcPr marL="73903" marR="73903" marT="36951" marB="36951"/>
+                </a:tc>
+                <a:extLst>
+                  <a:ext uri="{0D108BD9-81ED-4DB2-BD59-A6C34878D82A}">
+                    <a16:rowId xmlns:a16="http://schemas.microsoft.com/office/drawing/2014/main" val="3060501633"/>
+                  </a:ext>
+                </a:extLst>
+              </a:tr>
+              <a:tr h="299719">
+                <a:tc>
+                  <a:txBody>
+                    <a:bodyPr/>
+                    <a:lstStyle/>
+                    <a:p>
+                      <a:r>
+                        <a:rPr lang="it-IT" sz="1400" dirty="0"/>
+                        <a:t>AUTO_AUTONOMY</a:t>
+                      </a:r>
+                    </a:p>
+                  </a:txBody>
+                  <a:tcPr marL="73903" marR="73903" marT="36951" marB="36951"/>
+                </a:tc>
+                <a:tc>
+                  <a:txBody>
+                    <a:bodyPr/>
+                    <a:lstStyle/>
+                    <a:p>
+                      <a:r>
+                        <a:rPr lang="it-IT" sz="1400"/>
+                        <a:t>200</a:t>
+                      </a:r>
+                      <a:endParaRPr lang="it-IT" sz="1400" dirty="0"/>
+                    </a:p>
+                  </a:txBody>
+                  <a:tcPr marL="73903" marR="73903" marT="36951" marB="36951"/>
+                </a:tc>
+                <a:extLst>
+                  <a:ext uri="{0D108BD9-81ED-4DB2-BD59-A6C34878D82A}">
+                    <a16:rowId xmlns:a16="http://schemas.microsoft.com/office/drawing/2014/main" val="3807646652"/>
+                  </a:ext>
+                </a:extLst>
+              </a:tr>
+              <a:tr h="299719">
+                <a:tc>
+                  <a:txBody>
+                    <a:bodyPr/>
+                    <a:lstStyle/>
+                    <a:p>
+                      <a:r>
+                        <a:rPr lang="it-IT" sz="1400"/>
+                        <a:t>CHARGE_TIME</a:t>
+                      </a:r>
+                      <a:endParaRPr lang="it-IT" sz="1400" dirty="0"/>
+                    </a:p>
+                  </a:txBody>
+                  <a:tcPr marL="73903" marR="73903" marT="36951" marB="36951"/>
+                </a:tc>
+                <a:tc>
+                  <a:txBody>
+                    <a:bodyPr/>
+                    <a:lstStyle/>
+                    <a:p>
+                      <a:r>
+                        <a:rPr lang="it-IT" sz="1400"/>
+                        <a:t>60</a:t>
+                      </a:r>
+                      <a:endParaRPr lang="it-IT" sz="1400" dirty="0"/>
+                    </a:p>
+                  </a:txBody>
+                  <a:tcPr marL="73903" marR="73903" marT="36951" marB="36951"/>
+                </a:tc>
+                <a:extLst>
+                  <a:ext uri="{0D108BD9-81ED-4DB2-BD59-A6C34878D82A}">
+                    <a16:rowId xmlns:a16="http://schemas.microsoft.com/office/drawing/2014/main" val="3480994760"/>
+                  </a:ext>
+                </a:extLst>
+              </a:tr>
+              <a:tr h="299719">
+                <a:tc>
+                  <a:txBody>
+                    <a:bodyPr/>
+                    <a:lstStyle/>
+                    <a:p>
+                      <a:r>
+                        <a:rPr lang="it-IT" sz="1400"/>
+                        <a:t>OPERATORS_NUMBER</a:t>
+                      </a:r>
+                      <a:endParaRPr lang="it-IT" sz="1400" dirty="0"/>
+                    </a:p>
+                  </a:txBody>
+                  <a:tcPr marL="73903" marR="73903" marT="36951" marB="36951"/>
+                </a:tc>
+                <a:tc>
+                  <a:txBody>
+                    <a:bodyPr/>
+                    <a:lstStyle/>
+                    <a:p>
+                      <a:r>
+                        <a:rPr lang="it-IT" sz="1400"/>
+                        <a:t>20</a:t>
+                      </a:r>
+                      <a:endParaRPr lang="it-IT" sz="1400" dirty="0"/>
+                    </a:p>
+                  </a:txBody>
+                  <a:tcPr marL="73903" marR="73903" marT="36951" marB="36951"/>
+                </a:tc>
+                <a:extLst>
+                  <a:ext uri="{0D108BD9-81ED-4DB2-BD59-A6C34878D82A}">
+                    <a16:rowId xmlns:a16="http://schemas.microsoft.com/office/drawing/2014/main" val="241709987"/>
+                  </a:ext>
+                </a:extLst>
+              </a:tr>
+              <a:tr h="299719">
+                <a:tc>
+                  <a:txBody>
+                    <a:bodyPr/>
+                    <a:lstStyle/>
+                    <a:p>
+                      <a:r>
+                        <a:rPr lang="it-IT" sz="1400"/>
+                        <a:t>RUN_UNTIL</a:t>
+                      </a:r>
+                      <a:endParaRPr lang="it-IT" sz="1400" dirty="0"/>
+                    </a:p>
+                  </a:txBody>
+                  <a:tcPr marL="73903" marR="73903" marT="36951" marB="36951"/>
+                </a:tc>
+                <a:tc>
+                  <a:txBody>
+                    <a:bodyPr/>
+                    <a:lstStyle/>
+                    <a:p>
+                      <a:r>
+                        <a:rPr lang="it-IT" sz="1400" dirty="0"/>
+                        <a:t>-1</a:t>
+                      </a:r>
+                    </a:p>
+                  </a:txBody>
+                  <a:tcPr marL="73903" marR="73903" marT="36951" marB="36951"/>
+                </a:tc>
+                <a:extLst>
+                  <a:ext uri="{0D108BD9-81ED-4DB2-BD59-A6C34878D82A}">
+                    <a16:rowId xmlns:a16="http://schemas.microsoft.com/office/drawing/2014/main" val="2671885314"/>
+                  </a:ext>
+                </a:extLst>
+              </a:tr>
+            </a:tbl>
+          </a:graphicData>
+        </a:graphic>
+      </p:graphicFrame>
+      <p:pic>
+        <p:nvPicPr>
+          <p:cNvPr id="7" name="Immagine 6">
+            <a:extLst>
+              <a:ext uri="{FF2B5EF4-FFF2-40B4-BE49-F238E27FC236}">
+                <a16:creationId xmlns:a16="http://schemas.microsoft.com/office/drawing/2014/main" id="{154857F6-5919-49A7-B8F8-0BF3C778F8FE}"/>
+              </a:ext>
+            </a:extLst>
+          </p:cNvPr>
+          <p:cNvPicPr>
+            <a:picLocks noChangeAspect="1"/>
+          </p:cNvPicPr>
+          <p:nvPr/>
+        </p:nvPicPr>
+        <p:blipFill>
+          <a:blip r:embed="rId2"/>
+          <a:stretch>
+            <a:fillRect/>
+          </a:stretch>
+        </p:blipFill>
+        <p:spPr>
+          <a:xfrm>
+            <a:off x="5440621" y="365125"/>
+            <a:ext cx="6096000" cy="4572000"/>
+          </a:xfrm>
+          <a:prstGeom prst="rect">
+            <a:avLst/>
+          </a:prstGeom>
+        </p:spPr>
+      </p:pic>
+      <p:sp>
+        <p:nvSpPr>
+          <p:cNvPr id="8" name="CasellaDiTesto 7">
+            <a:extLst>
+              <a:ext uri="{FF2B5EF4-FFF2-40B4-BE49-F238E27FC236}">
+                <a16:creationId xmlns:a16="http://schemas.microsoft.com/office/drawing/2014/main" id="{451F2F5E-618A-4FC4-B073-7830D1811144}"/>
+              </a:ext>
+            </a:extLst>
+          </p:cNvPr>
+          <p:cNvSpPr txBox="1"/>
+          <p:nvPr/>
+        </p:nvSpPr>
+        <p:spPr>
+          <a:xfrm>
+            <a:off x="5033184" y="5285800"/>
+            <a:ext cx="6503437" cy="646331"/>
+          </a:xfrm>
+          <a:prstGeom prst="rect">
+            <a:avLst/>
+          </a:prstGeom>
+          <a:noFill/>
+        </p:spPr>
+        <p:txBody>
+          <a:bodyPr wrap="square" rtlCol="0">
+            <a:spAutoFit/>
+          </a:bodyPr>
+          <a:lstStyle/>
+          <a:p>
+            <a:r>
+              <a:rPr lang="it-IT" dirty="0" err="1"/>
+              <a:t>We</a:t>
+            </a:r>
+            <a:r>
+              <a:rPr lang="it-IT" dirty="0"/>
+              <a:t> can </a:t>
+            </a:r>
+            <a:r>
+              <a:rPr lang="it-IT" dirty="0" err="1"/>
+              <a:t>see</a:t>
+            </a:r>
+            <a:r>
+              <a:rPr lang="it-IT" dirty="0"/>
+              <a:t> </a:t>
+            </a:r>
+            <a:r>
+              <a:rPr lang="it-IT" dirty="0" err="1"/>
+              <a:t>that</a:t>
+            </a:r>
+            <a:r>
+              <a:rPr lang="it-IT" dirty="0"/>
+              <a:t> </a:t>
+            </a:r>
+            <a:r>
+              <a:rPr lang="it-IT" dirty="0" err="1"/>
+              <a:t>all</a:t>
+            </a:r>
+            <a:r>
+              <a:rPr lang="it-IT" dirty="0"/>
+              <a:t> the customers </a:t>
+            </a:r>
+            <a:r>
+              <a:rPr lang="it-IT" dirty="0" err="1"/>
+              <a:t>was</a:t>
+            </a:r>
+            <a:r>
+              <a:rPr lang="it-IT" dirty="0"/>
+              <a:t> </a:t>
+            </a:r>
+            <a:r>
+              <a:rPr lang="it-IT" dirty="0" err="1"/>
+              <a:t>serverd</a:t>
+            </a:r>
+            <a:r>
+              <a:rPr lang="it-IT" dirty="0"/>
+              <a:t>, small </a:t>
+            </a:r>
+            <a:r>
+              <a:rPr lang="it-IT" dirty="0" err="1"/>
+              <a:t>waiting</a:t>
+            </a:r>
+            <a:r>
+              <a:rPr lang="it-IT" dirty="0"/>
+              <a:t> </a:t>
+            </a:r>
+            <a:r>
+              <a:rPr lang="it-IT" dirty="0" err="1"/>
+              <a:t>queue</a:t>
+            </a:r>
+            <a:r>
+              <a:rPr lang="it-IT" dirty="0"/>
+              <a:t> and </a:t>
+            </a:r>
+            <a:r>
+              <a:rPr lang="en-US" dirty="0"/>
+              <a:t>no car battery was charged for this simulation</a:t>
+            </a:r>
+            <a:r>
+              <a:rPr lang="it-IT" dirty="0"/>
+              <a:t>.</a:t>
+            </a:r>
+          </a:p>
+        </p:txBody>
+      </p:sp>
+    </p:spTree>
+    <p:extLst>
+      <p:ext uri="{BB962C8B-B14F-4D97-AF65-F5344CB8AC3E}">
+        <p14:creationId xmlns:p14="http://schemas.microsoft.com/office/powerpoint/2010/main" val="1658249809"/>
+      </p:ext>
+    </p:extLst>
+  </p:cSld>
+  <p:clrMapOvr>
+    <a:masterClrMapping/>
+  </p:clrMapOvr>
+</p:sld>
+</file>
+
+<file path=ppt/slides/slide11.xml><?xml version="1.0" encoding="utf-8"?>
+<p:sld xmlns:a="http://schemas.openxmlformats.org/drawingml/2006/main" xmlns:r="http://schemas.openxmlformats.org/officeDocument/2006/relationships" xmlns:p="http://schemas.openxmlformats.org/presentationml/2006/main">
+  <p:cSld>
+    <p:spTree>
+      <p:nvGrpSpPr>
+        <p:cNvPr id="1" name=""/>
+        <p:cNvGrpSpPr/>
+        <p:nvPr/>
+      </p:nvGrpSpPr>
+      <p:grpSpPr>
+        <a:xfrm>
+          <a:off x="0" y="0"/>
+          <a:ext cx="0" cy="0"/>
+          <a:chOff x="0" y="0"/>
+          <a:chExt cx="0" cy="0"/>
+        </a:xfrm>
+      </p:grpSpPr>
+      <p:sp>
+        <p:nvSpPr>
+          <p:cNvPr id="2" name="Titolo 1">
+            <a:extLst>
+              <a:ext uri="{FF2B5EF4-FFF2-40B4-BE49-F238E27FC236}">
+                <a16:creationId xmlns:a16="http://schemas.microsoft.com/office/drawing/2014/main" id="{35608F2D-55E7-4FA0-9657-3723C5DE68DF}"/>
+              </a:ext>
+            </a:extLst>
+          </p:cNvPr>
+          <p:cNvSpPr>
+            <a:spLocks noGrp="1"/>
+          </p:cNvSpPr>
+          <p:nvPr>
+            <p:ph type="title"/>
+          </p:nvPr>
+        </p:nvSpPr>
+        <p:spPr>
+          <a:xfrm>
+            <a:off x="838200" y="365125"/>
+            <a:ext cx="4275338" cy="1325563"/>
+          </a:xfrm>
+        </p:spPr>
+        <p:txBody>
+          <a:bodyPr/>
+          <a:lstStyle/>
+          <a:p>
+            <a:r>
+              <a:rPr lang="it-IT" sz="4000" b="1" dirty="0"/>
+              <a:t>More customers</a:t>
+            </a:r>
+            <a:r>
+              <a:rPr lang="it-IT" dirty="0"/>
+              <a:t>:</a:t>
+            </a:r>
+          </a:p>
+        </p:txBody>
+      </p:sp>
+      <p:sp>
+        <p:nvSpPr>
+          <p:cNvPr id="4" name="CasellaDiTesto 3">
+            <a:extLst>
+              <a:ext uri="{FF2B5EF4-FFF2-40B4-BE49-F238E27FC236}">
+                <a16:creationId xmlns:a16="http://schemas.microsoft.com/office/drawing/2014/main" id="{AB7B65C6-CD50-4F1C-911D-B0C33E5A3C50}"/>
+              </a:ext>
+            </a:extLst>
+          </p:cNvPr>
+          <p:cNvSpPr txBox="1"/>
+          <p:nvPr/>
+        </p:nvSpPr>
+        <p:spPr>
+          <a:xfrm>
+            <a:off x="838200" y="1535837"/>
+            <a:ext cx="3103485" cy="923330"/>
+          </a:xfrm>
+          <a:prstGeom prst="rect">
+            <a:avLst/>
+          </a:prstGeom>
+          <a:noFill/>
+        </p:spPr>
+        <p:txBody>
+          <a:bodyPr wrap="square" rtlCol="0">
+            <a:spAutoFit/>
+          </a:bodyPr>
+          <a:lstStyle/>
+          <a:p>
+            <a:pPr algn="just"/>
+            <a:r>
+              <a:rPr lang="it-IT" dirty="0"/>
+              <a:t>By </a:t>
+            </a:r>
+            <a:r>
+              <a:rPr lang="it-IT" dirty="0" err="1"/>
+              <a:t>adding</a:t>
+            </a:r>
+            <a:r>
+              <a:rPr lang="it-IT" dirty="0"/>
+              <a:t> more customers to the </a:t>
+            </a:r>
+            <a:r>
+              <a:rPr lang="it-IT" dirty="0" err="1"/>
+              <a:t>previous</a:t>
+            </a:r>
+            <a:r>
+              <a:rPr lang="it-IT" dirty="0"/>
+              <a:t> </a:t>
+            </a:r>
+            <a:r>
+              <a:rPr lang="it-IT" dirty="0" err="1"/>
+              <a:t>simulation</a:t>
+            </a:r>
+            <a:r>
+              <a:rPr lang="it-IT" dirty="0"/>
+              <a:t> </a:t>
+            </a:r>
+            <a:r>
+              <a:rPr lang="it-IT" dirty="0" err="1"/>
+              <a:t>we</a:t>
+            </a:r>
+            <a:r>
+              <a:rPr lang="it-IT" dirty="0"/>
+              <a:t> can </a:t>
+            </a:r>
+            <a:r>
+              <a:rPr lang="it-IT" dirty="0" err="1"/>
+              <a:t>see</a:t>
+            </a:r>
+            <a:r>
+              <a:rPr lang="it-IT" dirty="0"/>
+              <a:t> </a:t>
+            </a:r>
+            <a:r>
+              <a:rPr lang="it-IT" dirty="0" err="1"/>
+              <a:t>this</a:t>
+            </a:r>
+            <a:r>
+              <a:rPr lang="it-IT" dirty="0"/>
+              <a:t> </a:t>
+            </a:r>
+            <a:r>
+              <a:rPr lang="it-IT" dirty="0" err="1"/>
+              <a:t>behaviour</a:t>
+            </a:r>
+            <a:r>
+              <a:rPr lang="it-IT" dirty="0"/>
+              <a:t>.</a:t>
+            </a:r>
+          </a:p>
+        </p:txBody>
+      </p:sp>
+      <p:graphicFrame>
+        <p:nvGraphicFramePr>
+          <p:cNvPr id="5" name="Tabella 5">
+            <a:extLst>
+              <a:ext uri="{FF2B5EF4-FFF2-40B4-BE49-F238E27FC236}">
+                <a16:creationId xmlns:a16="http://schemas.microsoft.com/office/drawing/2014/main" id="{EDF7A911-3682-4C86-B45C-088EFA14AF82}"/>
+              </a:ext>
+            </a:extLst>
+          </p:cNvPr>
+          <p:cNvGraphicFramePr>
+            <a:graphicFrameLocks noGrp="1"/>
+          </p:cNvGraphicFramePr>
+          <p:nvPr>
+            <p:extLst>
+              <p:ext uri="{D42A27DB-BD31-4B8C-83A1-F6EECF244321}">
+                <p14:modId xmlns:p14="http://schemas.microsoft.com/office/powerpoint/2010/main" val="43729274"/>
+              </p:ext>
+            </p:extLst>
+          </p:nvPr>
+        </p:nvGraphicFramePr>
+        <p:xfrm>
+          <a:off x="1076503" y="3067190"/>
+          <a:ext cx="2626878" cy="3296909"/>
+        </p:xfrm>
+        <a:graphic>
+          <a:graphicData uri="http://schemas.openxmlformats.org/drawingml/2006/table">
+            <a:tbl>
+              <a:tblPr firstRow="1" bandRow="1">
+                <a:tableStyleId>{5C22544A-7EE6-4342-B048-85BDC9FD1C3A}</a:tableStyleId>
+              </a:tblPr>
+              <a:tblGrid>
+                <a:gridCol w="1909369">
+                  <a:extLst>
+                    <a:ext uri="{9D8B030D-6E8A-4147-A177-3AD203B41FA5}">
+                      <a16:colId xmlns:a16="http://schemas.microsoft.com/office/drawing/2014/main" val="3591313908"/>
+                    </a:ext>
+                  </a:extLst>
+                </a:gridCol>
+                <a:gridCol w="717509">
+                  <a:extLst>
+                    <a:ext uri="{9D8B030D-6E8A-4147-A177-3AD203B41FA5}">
+                      <a16:colId xmlns:a16="http://schemas.microsoft.com/office/drawing/2014/main" val="4099186437"/>
+                    </a:ext>
+                  </a:extLst>
+                </a:gridCol>
+              </a:tblGrid>
+              <a:tr h="299719">
+                <a:tc>
+                  <a:txBody>
+                    <a:bodyPr/>
+                    <a:lstStyle/>
+                    <a:p>
+                      <a:r>
+                        <a:rPr lang="it-IT" sz="1400"/>
+                        <a:t>VARIABLE NAME</a:t>
+                      </a:r>
+                      <a:endParaRPr lang="it-IT" sz="1400" dirty="0"/>
+                    </a:p>
+                  </a:txBody>
+                  <a:tcPr marL="73903" marR="73903" marT="36951" marB="36951"/>
+                </a:tc>
+                <a:tc>
+                  <a:txBody>
+                    <a:bodyPr/>
+                    <a:lstStyle/>
+                    <a:p>
+                      <a:r>
+                        <a:rPr lang="it-IT" sz="1400"/>
+                        <a:t>VALUE</a:t>
+                      </a:r>
+                      <a:endParaRPr lang="it-IT" sz="1400" dirty="0"/>
+                    </a:p>
+                  </a:txBody>
+                  <a:tcPr marL="73903" marR="73903" marT="36951" marB="36951"/>
+                </a:tc>
+                <a:extLst>
+                  <a:ext uri="{0D108BD9-81ED-4DB2-BD59-A6C34878D82A}">
+                    <a16:rowId xmlns:a16="http://schemas.microsoft.com/office/drawing/2014/main" val="1531261294"/>
+                  </a:ext>
+                </a:extLst>
+              </a:tr>
+              <a:tr h="299719">
+                <a:tc>
+                  <a:txBody>
+                    <a:bodyPr/>
+                    <a:lstStyle/>
+                    <a:p>
+                      <a:r>
+                        <a:rPr lang="it-IT" sz="1400"/>
+                        <a:t>CAR_USAGE_TIME</a:t>
+                      </a:r>
+                      <a:endParaRPr lang="it-IT" sz="1400" dirty="0"/>
+                    </a:p>
+                  </a:txBody>
+                  <a:tcPr marL="73903" marR="73903" marT="36951" marB="36951"/>
+                </a:tc>
+                <a:tc>
+                  <a:txBody>
+                    <a:bodyPr/>
+                    <a:lstStyle/>
+                    <a:p>
+                      <a:r>
+                        <a:rPr lang="it-IT" sz="1400"/>
+                        <a:t>(28,35)</a:t>
+                      </a:r>
+                      <a:endParaRPr lang="it-IT" sz="1400" dirty="0"/>
+                    </a:p>
+                  </a:txBody>
+                  <a:tcPr marL="73903" marR="73903" marT="36951" marB="36951"/>
+                </a:tc>
+                <a:extLst>
+                  <a:ext uri="{0D108BD9-81ED-4DB2-BD59-A6C34878D82A}">
+                    <a16:rowId xmlns:a16="http://schemas.microsoft.com/office/drawing/2014/main" val="612445165"/>
+                  </a:ext>
+                </a:extLst>
+              </a:tr>
+              <a:tr h="299719">
+                <a:tc>
+                  <a:txBody>
+                    <a:bodyPr/>
+                    <a:lstStyle/>
+                    <a:p>
+                      <a:r>
+                        <a:rPr lang="it-IT" sz="1400"/>
+                        <a:t>USER_SPAWN_TIME</a:t>
+                      </a:r>
+                      <a:endParaRPr lang="it-IT" sz="1400" dirty="0"/>
+                    </a:p>
+                  </a:txBody>
+                  <a:tcPr marL="73903" marR="73903" marT="36951" marB="36951"/>
+                </a:tc>
+                <a:tc>
+                  <a:txBody>
+                    <a:bodyPr/>
+                    <a:lstStyle/>
+                    <a:p>
+                      <a:r>
+                        <a:rPr lang="it-IT" sz="1400"/>
+                        <a:t>(1,2)</a:t>
+                      </a:r>
+                      <a:endParaRPr lang="it-IT" sz="1400" dirty="0"/>
+                    </a:p>
+                  </a:txBody>
+                  <a:tcPr marL="73903" marR="73903" marT="36951" marB="36951"/>
+                </a:tc>
+                <a:extLst>
+                  <a:ext uri="{0D108BD9-81ED-4DB2-BD59-A6C34878D82A}">
+                    <a16:rowId xmlns:a16="http://schemas.microsoft.com/office/drawing/2014/main" val="2753196774"/>
+                  </a:ext>
+                </a:extLst>
+              </a:tr>
+              <a:tr h="299719">
+                <a:tc>
+                  <a:txBody>
+                    <a:bodyPr/>
+                    <a:lstStyle/>
+                    <a:p>
+                      <a:r>
+                        <a:rPr lang="it-IT" sz="1400"/>
+                        <a:t>CARS_NUMBER</a:t>
+                      </a:r>
+                      <a:endParaRPr lang="it-IT" sz="1400" dirty="0"/>
+                    </a:p>
+                  </a:txBody>
+                  <a:tcPr marL="73903" marR="73903" marT="36951" marB="36951"/>
+                </a:tc>
+                <a:tc>
+                  <a:txBody>
+                    <a:bodyPr/>
+                    <a:lstStyle/>
+                    <a:p>
+                      <a:r>
+                        <a:rPr lang="it-IT" sz="1400"/>
+                        <a:t>20</a:t>
+                      </a:r>
+                      <a:endParaRPr lang="it-IT" sz="1400" dirty="0"/>
+                    </a:p>
+                  </a:txBody>
+                  <a:tcPr marL="73903" marR="73903" marT="36951" marB="36951"/>
+                </a:tc>
+                <a:extLst>
+                  <a:ext uri="{0D108BD9-81ED-4DB2-BD59-A6C34878D82A}">
+                    <a16:rowId xmlns:a16="http://schemas.microsoft.com/office/drawing/2014/main" val="613190031"/>
+                  </a:ext>
+                </a:extLst>
+              </a:tr>
+              <a:tr h="299719">
+                <a:tc>
+                  <a:txBody>
+                    <a:bodyPr/>
+                    <a:lstStyle/>
+                    <a:p>
+                      <a:r>
+                        <a:rPr lang="it-IT" sz="1400"/>
+                        <a:t>MAX_NUMB_USERS</a:t>
+                      </a:r>
+                      <a:endParaRPr lang="it-IT" sz="1400" dirty="0"/>
+                    </a:p>
+                  </a:txBody>
+                  <a:tcPr marL="73903" marR="73903" marT="36951" marB="36951"/>
+                </a:tc>
+                <a:tc>
+                  <a:txBody>
+                    <a:bodyPr/>
+                    <a:lstStyle/>
+                    <a:p>
+                      <a:r>
+                        <a:rPr lang="it-IT" sz="1400" b="1" dirty="0"/>
+                        <a:t>200</a:t>
+                      </a:r>
+                    </a:p>
+                  </a:txBody>
+                  <a:tcPr marL="73903" marR="73903" marT="36951" marB="36951"/>
+                </a:tc>
+                <a:extLst>
+                  <a:ext uri="{0D108BD9-81ED-4DB2-BD59-A6C34878D82A}">
+                    <a16:rowId xmlns:a16="http://schemas.microsoft.com/office/drawing/2014/main" val="3796194626"/>
+                  </a:ext>
+                </a:extLst>
+              </a:tr>
+              <a:tr h="299719">
+                <a:tc>
+                  <a:txBody>
+                    <a:bodyPr/>
+                    <a:lstStyle/>
+                    <a:p>
+                      <a:r>
+                        <a:rPr lang="it-IT" sz="1400"/>
+                        <a:t>MIN_PATIENCE</a:t>
+                      </a:r>
+                      <a:endParaRPr lang="it-IT" sz="1400" dirty="0"/>
+                    </a:p>
+                  </a:txBody>
+                  <a:tcPr marL="73903" marR="73903" marT="36951" marB="36951"/>
+                </a:tc>
+                <a:tc>
+                  <a:txBody>
+                    <a:bodyPr/>
+                    <a:lstStyle/>
+                    <a:p>
+                      <a:r>
+                        <a:rPr lang="it-IT" sz="1400" dirty="0"/>
+                        <a:t>-1</a:t>
+                      </a:r>
+                    </a:p>
+                  </a:txBody>
+                  <a:tcPr marL="73903" marR="73903" marT="36951" marB="36951"/>
+                </a:tc>
+                <a:extLst>
+                  <a:ext uri="{0D108BD9-81ED-4DB2-BD59-A6C34878D82A}">
+                    <a16:rowId xmlns:a16="http://schemas.microsoft.com/office/drawing/2014/main" val="3323455888"/>
+                  </a:ext>
+                </a:extLst>
+              </a:tr>
+              <a:tr h="299719">
+                <a:tc>
+                  <a:txBody>
+                    <a:bodyPr/>
+                    <a:lstStyle/>
+                    <a:p>
+                      <a:r>
+                        <a:rPr lang="it-IT" sz="1400"/>
+                        <a:t>MAX_PATIENCE</a:t>
+                      </a:r>
+                      <a:endParaRPr lang="it-IT" sz="1400" dirty="0"/>
+                    </a:p>
+                  </a:txBody>
+                  <a:tcPr marL="73903" marR="73903" marT="36951" marB="36951"/>
+                </a:tc>
+                <a:tc>
+                  <a:txBody>
+                    <a:bodyPr/>
+                    <a:lstStyle/>
+                    <a:p>
+                      <a:r>
+                        <a:rPr lang="it-IT" sz="1400" dirty="0"/>
+                        <a:t>18</a:t>
+                      </a:r>
+                    </a:p>
+                  </a:txBody>
+                  <a:tcPr marL="73903" marR="73903" marT="36951" marB="36951"/>
+                </a:tc>
+                <a:extLst>
+                  <a:ext uri="{0D108BD9-81ED-4DB2-BD59-A6C34878D82A}">
+                    <a16:rowId xmlns:a16="http://schemas.microsoft.com/office/drawing/2014/main" val="3060501633"/>
+                  </a:ext>
+                </a:extLst>
+              </a:tr>
+              <a:tr h="299719">
+                <a:tc>
+                  <a:txBody>
+                    <a:bodyPr/>
+                    <a:lstStyle/>
+                    <a:p>
+                      <a:r>
+                        <a:rPr lang="it-IT" sz="1400" dirty="0"/>
+                        <a:t>AUTO_AUTONOMY</a:t>
+                      </a:r>
+                    </a:p>
+                  </a:txBody>
+                  <a:tcPr marL="73903" marR="73903" marT="36951" marB="36951"/>
+                </a:tc>
+                <a:tc>
+                  <a:txBody>
+                    <a:bodyPr/>
+                    <a:lstStyle/>
+                    <a:p>
+                      <a:r>
+                        <a:rPr lang="it-IT" sz="1400"/>
+                        <a:t>200</a:t>
+                      </a:r>
+                      <a:endParaRPr lang="it-IT" sz="1400" dirty="0"/>
+                    </a:p>
+                  </a:txBody>
+                  <a:tcPr marL="73903" marR="73903" marT="36951" marB="36951"/>
+                </a:tc>
+                <a:extLst>
+                  <a:ext uri="{0D108BD9-81ED-4DB2-BD59-A6C34878D82A}">
+                    <a16:rowId xmlns:a16="http://schemas.microsoft.com/office/drawing/2014/main" val="3807646652"/>
+                  </a:ext>
+                </a:extLst>
+              </a:tr>
+              <a:tr h="299719">
+                <a:tc>
+                  <a:txBody>
+                    <a:bodyPr/>
+                    <a:lstStyle/>
+                    <a:p>
+                      <a:r>
+                        <a:rPr lang="it-IT" sz="1400"/>
+                        <a:t>CHARGE_TIME</a:t>
+                      </a:r>
+                      <a:endParaRPr lang="it-IT" sz="1400" dirty="0"/>
+                    </a:p>
+                  </a:txBody>
+                  <a:tcPr marL="73903" marR="73903" marT="36951" marB="36951"/>
+                </a:tc>
+                <a:tc>
+                  <a:txBody>
+                    <a:bodyPr/>
+                    <a:lstStyle/>
+                    <a:p>
+                      <a:r>
+                        <a:rPr lang="it-IT" sz="1400"/>
+                        <a:t>60</a:t>
+                      </a:r>
+                      <a:endParaRPr lang="it-IT" sz="1400" dirty="0"/>
+                    </a:p>
+                  </a:txBody>
+                  <a:tcPr marL="73903" marR="73903" marT="36951" marB="36951"/>
+                </a:tc>
+                <a:extLst>
+                  <a:ext uri="{0D108BD9-81ED-4DB2-BD59-A6C34878D82A}">
+                    <a16:rowId xmlns:a16="http://schemas.microsoft.com/office/drawing/2014/main" val="3480994760"/>
+                  </a:ext>
+                </a:extLst>
+              </a:tr>
+              <a:tr h="299719">
+                <a:tc>
+                  <a:txBody>
+                    <a:bodyPr/>
+                    <a:lstStyle/>
+                    <a:p>
+                      <a:r>
+                        <a:rPr lang="it-IT" sz="1400"/>
+                        <a:t>OPERATORS_NUMBER</a:t>
+                      </a:r>
+                      <a:endParaRPr lang="it-IT" sz="1400" dirty="0"/>
+                    </a:p>
+                  </a:txBody>
+                  <a:tcPr marL="73903" marR="73903" marT="36951" marB="36951"/>
+                </a:tc>
+                <a:tc>
+                  <a:txBody>
+                    <a:bodyPr/>
+                    <a:lstStyle/>
+                    <a:p>
+                      <a:r>
+                        <a:rPr lang="it-IT" sz="1400"/>
+                        <a:t>20</a:t>
+                      </a:r>
+                      <a:endParaRPr lang="it-IT" sz="1400" dirty="0"/>
+                    </a:p>
+                  </a:txBody>
+                  <a:tcPr marL="73903" marR="73903" marT="36951" marB="36951"/>
+                </a:tc>
+                <a:extLst>
+                  <a:ext uri="{0D108BD9-81ED-4DB2-BD59-A6C34878D82A}">
+                    <a16:rowId xmlns:a16="http://schemas.microsoft.com/office/drawing/2014/main" val="241709987"/>
+                  </a:ext>
+                </a:extLst>
+              </a:tr>
+              <a:tr h="299719">
+                <a:tc>
+                  <a:txBody>
+                    <a:bodyPr/>
+                    <a:lstStyle/>
+                    <a:p>
+                      <a:r>
+                        <a:rPr lang="it-IT" sz="1400"/>
+                        <a:t>RUN_UNTIL</a:t>
+                      </a:r>
+                      <a:endParaRPr lang="it-IT" sz="1400" dirty="0"/>
+                    </a:p>
+                  </a:txBody>
+                  <a:tcPr marL="73903" marR="73903" marT="36951" marB="36951"/>
+                </a:tc>
+                <a:tc>
+                  <a:txBody>
+                    <a:bodyPr/>
+                    <a:lstStyle/>
+                    <a:p>
+                      <a:r>
+                        <a:rPr lang="it-IT" sz="1400" dirty="0"/>
+                        <a:t>-1</a:t>
+                      </a:r>
+                    </a:p>
+                  </a:txBody>
+                  <a:tcPr marL="73903" marR="73903" marT="36951" marB="36951"/>
+                </a:tc>
+                <a:extLst>
+                  <a:ext uri="{0D108BD9-81ED-4DB2-BD59-A6C34878D82A}">
+                    <a16:rowId xmlns:a16="http://schemas.microsoft.com/office/drawing/2014/main" val="2671885314"/>
+                  </a:ext>
+                </a:extLst>
+              </a:tr>
+            </a:tbl>
+          </a:graphicData>
+        </a:graphic>
+      </p:graphicFrame>
+      <p:sp>
+        <p:nvSpPr>
+          <p:cNvPr id="8" name="CasellaDiTesto 7">
+            <a:extLst>
+              <a:ext uri="{FF2B5EF4-FFF2-40B4-BE49-F238E27FC236}">
+                <a16:creationId xmlns:a16="http://schemas.microsoft.com/office/drawing/2014/main" id="{451F2F5E-618A-4FC4-B073-7830D1811144}"/>
+              </a:ext>
+            </a:extLst>
+          </p:cNvPr>
+          <p:cNvSpPr txBox="1"/>
+          <p:nvPr/>
+        </p:nvSpPr>
+        <p:spPr>
+          <a:xfrm>
+            <a:off x="5033184" y="5170391"/>
+            <a:ext cx="6503437" cy="646331"/>
+          </a:xfrm>
+          <a:prstGeom prst="rect">
+            <a:avLst/>
+          </a:prstGeom>
+          <a:noFill/>
+        </p:spPr>
+        <p:txBody>
+          <a:bodyPr wrap="square" rtlCol="0">
+            <a:spAutoFit/>
+          </a:bodyPr>
+          <a:lstStyle/>
+          <a:p>
+            <a:r>
+              <a:rPr lang="it-IT" dirty="0"/>
+              <a:t>In </a:t>
+            </a:r>
+            <a:r>
+              <a:rPr lang="en-US" dirty="0"/>
+              <a:t>this case we can see that the waiting queue is much higher especially at the point where the cars start to be reloaded.</a:t>
+            </a:r>
+            <a:endParaRPr lang="it-IT" dirty="0"/>
+          </a:p>
+        </p:txBody>
+      </p:sp>
+      <p:pic>
+        <p:nvPicPr>
+          <p:cNvPr id="6" name="Immagine 5">
+            <a:extLst>
+              <a:ext uri="{FF2B5EF4-FFF2-40B4-BE49-F238E27FC236}">
+                <a16:creationId xmlns:a16="http://schemas.microsoft.com/office/drawing/2014/main" id="{D2D7F2B6-A306-4F7D-BFE4-934065E6B0AA}"/>
+              </a:ext>
+            </a:extLst>
+          </p:cNvPr>
+          <p:cNvPicPr>
+            <a:picLocks noChangeAspect="1"/>
+          </p:cNvPicPr>
+          <p:nvPr/>
+        </p:nvPicPr>
+        <p:blipFill>
+          <a:blip r:embed="rId2"/>
+          <a:stretch>
+            <a:fillRect/>
+          </a:stretch>
+        </p:blipFill>
+        <p:spPr>
+          <a:xfrm>
+            <a:off x="5257800" y="365125"/>
+            <a:ext cx="6096000" cy="4572000"/>
+          </a:xfrm>
+          <a:prstGeom prst="rect">
+            <a:avLst/>
+          </a:prstGeom>
+        </p:spPr>
+      </p:pic>
+    </p:spTree>
+    <p:extLst>
+      <p:ext uri="{BB962C8B-B14F-4D97-AF65-F5344CB8AC3E}">
+        <p14:creationId xmlns:p14="http://schemas.microsoft.com/office/powerpoint/2010/main" val="724982466"/>
+      </p:ext>
+    </p:extLst>
+  </p:cSld>
+  <p:clrMapOvr>
+    <a:masterClrMapping/>
+  </p:clrMapOvr>
+</p:sld>
+</file>
+
+<file path=ppt/slides/slide12.xml><?xml version="1.0" encoding="utf-8"?>
+<p:sld xmlns:a="http://schemas.openxmlformats.org/drawingml/2006/main" xmlns:r="http://schemas.openxmlformats.org/officeDocument/2006/relationships" xmlns:p="http://schemas.openxmlformats.org/presentationml/2006/main">
+  <p:cSld>
+    <p:spTree>
+      <p:nvGrpSpPr>
+        <p:cNvPr id="1" name=""/>
+        <p:cNvGrpSpPr/>
+        <p:nvPr/>
+      </p:nvGrpSpPr>
+      <p:grpSpPr>
+        <a:xfrm>
+          <a:off x="0" y="0"/>
+          <a:ext cx="0" cy="0"/>
+          <a:chOff x="0" y="0"/>
+          <a:chExt cx="0" cy="0"/>
+        </a:xfrm>
+      </p:grpSpPr>
+      <p:sp>
+        <p:nvSpPr>
+          <p:cNvPr id="2" name="Titolo 1">
+            <a:extLst>
+              <a:ext uri="{FF2B5EF4-FFF2-40B4-BE49-F238E27FC236}">
+                <a16:creationId xmlns:a16="http://schemas.microsoft.com/office/drawing/2014/main" id="{63C2B5C1-C61B-4D32-ADB8-7AD70C0FDF64}"/>
+              </a:ext>
+            </a:extLst>
+          </p:cNvPr>
+          <p:cNvSpPr>
+            <a:spLocks noGrp="1"/>
+          </p:cNvSpPr>
+          <p:nvPr>
+            <p:ph type="title"/>
+          </p:nvPr>
+        </p:nvSpPr>
+        <p:spPr>
+          <a:xfrm>
+            <a:off x="838200" y="365125"/>
+            <a:ext cx="4870142" cy="1294999"/>
+          </a:xfrm>
+        </p:spPr>
+        <p:txBody>
+          <a:bodyPr/>
+          <a:lstStyle/>
+          <a:p>
+            <a:r>
+              <a:rPr lang="it-IT" sz="4000" b="1" dirty="0"/>
+              <a:t>With user </a:t>
+            </a:r>
+            <a:r>
+              <a:rPr lang="it-IT" sz="4000" b="1" dirty="0" err="1"/>
+              <a:t>patience</a:t>
+            </a:r>
+            <a:r>
+              <a:rPr lang="it-IT" sz="4000" b="1" dirty="0"/>
+              <a:t> </a:t>
+            </a:r>
+            <a:r>
+              <a:rPr lang="it-IT" dirty="0"/>
+              <a:t>:</a:t>
+            </a:r>
+          </a:p>
+        </p:txBody>
+      </p:sp>
+      <p:graphicFrame>
+        <p:nvGraphicFramePr>
+          <p:cNvPr id="3" name="Tabella 5">
+            <a:extLst>
+              <a:ext uri="{FF2B5EF4-FFF2-40B4-BE49-F238E27FC236}">
+                <a16:creationId xmlns:a16="http://schemas.microsoft.com/office/drawing/2014/main" id="{82EBFB0C-FC72-40AE-BF44-350937D1D74B}"/>
+              </a:ext>
+            </a:extLst>
+          </p:cNvPr>
+          <p:cNvGraphicFramePr>
+            <a:graphicFrameLocks noGrp="1"/>
+          </p:cNvGraphicFramePr>
+          <p:nvPr>
+            <p:extLst>
+              <p:ext uri="{D42A27DB-BD31-4B8C-83A1-F6EECF244321}">
+                <p14:modId xmlns:p14="http://schemas.microsoft.com/office/powerpoint/2010/main" val="755406413"/>
+              </p:ext>
+            </p:extLst>
+          </p:nvPr>
+        </p:nvGraphicFramePr>
+        <p:xfrm>
+          <a:off x="857566" y="2854743"/>
+          <a:ext cx="2626878" cy="3296909"/>
+        </p:xfrm>
+        <a:graphic>
+          <a:graphicData uri="http://schemas.openxmlformats.org/drawingml/2006/table">
+            <a:tbl>
+              <a:tblPr firstRow="1" bandRow="1">
+                <a:tableStyleId>{5C22544A-7EE6-4342-B048-85BDC9FD1C3A}</a:tableStyleId>
+              </a:tblPr>
+              <a:tblGrid>
+                <a:gridCol w="1909369">
+                  <a:extLst>
+                    <a:ext uri="{9D8B030D-6E8A-4147-A177-3AD203B41FA5}">
+                      <a16:colId xmlns:a16="http://schemas.microsoft.com/office/drawing/2014/main" val="3591313908"/>
+                    </a:ext>
+                  </a:extLst>
+                </a:gridCol>
+                <a:gridCol w="717509">
+                  <a:extLst>
+                    <a:ext uri="{9D8B030D-6E8A-4147-A177-3AD203B41FA5}">
+                      <a16:colId xmlns:a16="http://schemas.microsoft.com/office/drawing/2014/main" val="4099186437"/>
+                    </a:ext>
+                  </a:extLst>
+                </a:gridCol>
+              </a:tblGrid>
+              <a:tr h="299719">
+                <a:tc>
+                  <a:txBody>
+                    <a:bodyPr/>
+                    <a:lstStyle/>
+                    <a:p>
+                      <a:r>
+                        <a:rPr lang="it-IT" sz="1400"/>
+                        <a:t>VARIABLE NAME</a:t>
+                      </a:r>
+                      <a:endParaRPr lang="it-IT" sz="1400" dirty="0"/>
+                    </a:p>
+                  </a:txBody>
+                  <a:tcPr marL="73903" marR="73903" marT="36951" marB="36951"/>
+                </a:tc>
+                <a:tc>
+                  <a:txBody>
+                    <a:bodyPr/>
+                    <a:lstStyle/>
+                    <a:p>
+                      <a:r>
+                        <a:rPr lang="it-IT" sz="1400"/>
+                        <a:t>VALUE</a:t>
+                      </a:r>
+                      <a:endParaRPr lang="it-IT" sz="1400" dirty="0"/>
+                    </a:p>
+                  </a:txBody>
+                  <a:tcPr marL="73903" marR="73903" marT="36951" marB="36951"/>
+                </a:tc>
+                <a:extLst>
+                  <a:ext uri="{0D108BD9-81ED-4DB2-BD59-A6C34878D82A}">
+                    <a16:rowId xmlns:a16="http://schemas.microsoft.com/office/drawing/2014/main" val="1531261294"/>
+                  </a:ext>
+                </a:extLst>
+              </a:tr>
+              <a:tr h="299719">
+                <a:tc>
+                  <a:txBody>
+                    <a:bodyPr/>
+                    <a:lstStyle/>
+                    <a:p>
+                      <a:r>
+                        <a:rPr lang="it-IT" sz="1400"/>
+                        <a:t>CAR_USAGE_TIME</a:t>
+                      </a:r>
+                      <a:endParaRPr lang="it-IT" sz="1400" dirty="0"/>
+                    </a:p>
+                  </a:txBody>
+                  <a:tcPr marL="73903" marR="73903" marT="36951" marB="36951"/>
+                </a:tc>
+                <a:tc>
+                  <a:txBody>
+                    <a:bodyPr/>
+                    <a:lstStyle/>
+                    <a:p>
+                      <a:r>
+                        <a:rPr lang="it-IT" sz="1400"/>
+                        <a:t>(28,35)</a:t>
+                      </a:r>
+                      <a:endParaRPr lang="it-IT" sz="1400" dirty="0"/>
+                    </a:p>
+                  </a:txBody>
+                  <a:tcPr marL="73903" marR="73903" marT="36951" marB="36951"/>
+                </a:tc>
+                <a:extLst>
+                  <a:ext uri="{0D108BD9-81ED-4DB2-BD59-A6C34878D82A}">
+                    <a16:rowId xmlns:a16="http://schemas.microsoft.com/office/drawing/2014/main" val="612445165"/>
+                  </a:ext>
+                </a:extLst>
+              </a:tr>
+              <a:tr h="299719">
+                <a:tc>
+                  <a:txBody>
+                    <a:bodyPr/>
+                    <a:lstStyle/>
+                    <a:p>
+                      <a:r>
+                        <a:rPr lang="it-IT" sz="1400"/>
+                        <a:t>USER_SPAWN_TIME</a:t>
+                      </a:r>
+                      <a:endParaRPr lang="it-IT" sz="1400" dirty="0"/>
+                    </a:p>
+                  </a:txBody>
+                  <a:tcPr marL="73903" marR="73903" marT="36951" marB="36951"/>
+                </a:tc>
+                <a:tc>
+                  <a:txBody>
+                    <a:bodyPr/>
+                    <a:lstStyle/>
+                    <a:p>
+                      <a:r>
+                        <a:rPr lang="it-IT" sz="1400"/>
+                        <a:t>(1,2)</a:t>
+                      </a:r>
+                      <a:endParaRPr lang="it-IT" sz="1400" dirty="0"/>
+                    </a:p>
+                  </a:txBody>
+                  <a:tcPr marL="73903" marR="73903" marT="36951" marB="36951"/>
+                </a:tc>
+                <a:extLst>
+                  <a:ext uri="{0D108BD9-81ED-4DB2-BD59-A6C34878D82A}">
+                    <a16:rowId xmlns:a16="http://schemas.microsoft.com/office/drawing/2014/main" val="2753196774"/>
+                  </a:ext>
+                </a:extLst>
+              </a:tr>
+              <a:tr h="299719">
+                <a:tc>
+                  <a:txBody>
+                    <a:bodyPr/>
+                    <a:lstStyle/>
+                    <a:p>
+                      <a:r>
+                        <a:rPr lang="it-IT" sz="1400"/>
+                        <a:t>CARS_NUMBER</a:t>
+                      </a:r>
+                      <a:endParaRPr lang="it-IT" sz="1400" dirty="0"/>
+                    </a:p>
+                  </a:txBody>
+                  <a:tcPr marL="73903" marR="73903" marT="36951" marB="36951"/>
+                </a:tc>
+                <a:tc>
+                  <a:txBody>
+                    <a:bodyPr/>
+                    <a:lstStyle/>
+                    <a:p>
+                      <a:r>
+                        <a:rPr lang="it-IT" sz="1400"/>
+                        <a:t>20</a:t>
+                      </a:r>
+                      <a:endParaRPr lang="it-IT" sz="1400" dirty="0"/>
+                    </a:p>
+                  </a:txBody>
+                  <a:tcPr marL="73903" marR="73903" marT="36951" marB="36951"/>
+                </a:tc>
+                <a:extLst>
+                  <a:ext uri="{0D108BD9-81ED-4DB2-BD59-A6C34878D82A}">
+                    <a16:rowId xmlns:a16="http://schemas.microsoft.com/office/drawing/2014/main" val="613190031"/>
+                  </a:ext>
+                </a:extLst>
+              </a:tr>
+              <a:tr h="299719">
+                <a:tc>
+                  <a:txBody>
+                    <a:bodyPr/>
+                    <a:lstStyle/>
+                    <a:p>
+                      <a:r>
+                        <a:rPr lang="it-IT" sz="1400"/>
+                        <a:t>MAX_NUMB_USERS</a:t>
+                      </a:r>
+                      <a:endParaRPr lang="it-IT" sz="1400" dirty="0"/>
+                    </a:p>
+                  </a:txBody>
+                  <a:tcPr marL="73903" marR="73903" marT="36951" marB="36951"/>
+                </a:tc>
+                <a:tc>
+                  <a:txBody>
+                    <a:bodyPr/>
+                    <a:lstStyle/>
+                    <a:p>
+                      <a:r>
+                        <a:rPr lang="it-IT" sz="1400" b="0" dirty="0"/>
+                        <a:t>200</a:t>
+                      </a:r>
+                    </a:p>
+                  </a:txBody>
+                  <a:tcPr marL="73903" marR="73903" marT="36951" marB="36951"/>
+                </a:tc>
+                <a:extLst>
+                  <a:ext uri="{0D108BD9-81ED-4DB2-BD59-A6C34878D82A}">
+                    <a16:rowId xmlns:a16="http://schemas.microsoft.com/office/drawing/2014/main" val="3796194626"/>
+                  </a:ext>
+                </a:extLst>
+              </a:tr>
+              <a:tr h="299719">
+                <a:tc>
+                  <a:txBody>
+                    <a:bodyPr/>
+                    <a:lstStyle/>
+                    <a:p>
+                      <a:r>
+                        <a:rPr lang="it-IT" sz="1400"/>
+                        <a:t>MIN_PATIENCE</a:t>
+                      </a:r>
+                      <a:endParaRPr lang="it-IT" sz="1400" dirty="0"/>
+                    </a:p>
+                  </a:txBody>
+                  <a:tcPr marL="73903" marR="73903" marT="36951" marB="36951"/>
+                </a:tc>
+                <a:tc>
+                  <a:txBody>
+                    <a:bodyPr/>
+                    <a:lstStyle/>
+                    <a:p>
+                      <a:r>
+                        <a:rPr lang="it-IT" sz="1400" b="1" dirty="0"/>
+                        <a:t>5</a:t>
+                      </a:r>
+                    </a:p>
+                  </a:txBody>
+                  <a:tcPr marL="73903" marR="73903" marT="36951" marB="36951"/>
+                </a:tc>
+                <a:extLst>
+                  <a:ext uri="{0D108BD9-81ED-4DB2-BD59-A6C34878D82A}">
+                    <a16:rowId xmlns:a16="http://schemas.microsoft.com/office/drawing/2014/main" val="3323455888"/>
+                  </a:ext>
+                </a:extLst>
+              </a:tr>
+              <a:tr h="299719">
+                <a:tc>
+                  <a:txBody>
+                    <a:bodyPr/>
+                    <a:lstStyle/>
+                    <a:p>
+                      <a:r>
+                        <a:rPr lang="it-IT" sz="1400"/>
+                        <a:t>MAX_PATIENCE</a:t>
+                      </a:r>
+                      <a:endParaRPr lang="it-IT" sz="1400" dirty="0"/>
+                    </a:p>
+                  </a:txBody>
+                  <a:tcPr marL="73903" marR="73903" marT="36951" marB="36951"/>
+                </a:tc>
+                <a:tc>
+                  <a:txBody>
+                    <a:bodyPr/>
+                    <a:lstStyle/>
+                    <a:p>
+                      <a:r>
+                        <a:rPr lang="it-IT" sz="1400" b="1" dirty="0"/>
+                        <a:t>18</a:t>
+                      </a:r>
+                    </a:p>
+                  </a:txBody>
+                  <a:tcPr marL="73903" marR="73903" marT="36951" marB="36951"/>
+                </a:tc>
+                <a:extLst>
+                  <a:ext uri="{0D108BD9-81ED-4DB2-BD59-A6C34878D82A}">
+                    <a16:rowId xmlns:a16="http://schemas.microsoft.com/office/drawing/2014/main" val="3060501633"/>
+                  </a:ext>
+                </a:extLst>
+              </a:tr>
+              <a:tr h="299719">
+                <a:tc>
+                  <a:txBody>
+                    <a:bodyPr/>
+                    <a:lstStyle/>
+                    <a:p>
+                      <a:r>
+                        <a:rPr lang="it-IT" sz="1400" dirty="0"/>
+                        <a:t>AUTO_AUTONOMY</a:t>
+                      </a:r>
+                    </a:p>
+                  </a:txBody>
+                  <a:tcPr marL="73903" marR="73903" marT="36951" marB="36951"/>
+                </a:tc>
+                <a:tc>
+                  <a:txBody>
+                    <a:bodyPr/>
+                    <a:lstStyle/>
+                    <a:p>
+                      <a:r>
+                        <a:rPr lang="it-IT" sz="1400"/>
+                        <a:t>200</a:t>
+                      </a:r>
+                      <a:endParaRPr lang="it-IT" sz="1400" dirty="0"/>
+                    </a:p>
+                  </a:txBody>
+                  <a:tcPr marL="73903" marR="73903" marT="36951" marB="36951"/>
+                </a:tc>
+                <a:extLst>
+                  <a:ext uri="{0D108BD9-81ED-4DB2-BD59-A6C34878D82A}">
+                    <a16:rowId xmlns:a16="http://schemas.microsoft.com/office/drawing/2014/main" val="3807646652"/>
+                  </a:ext>
+                </a:extLst>
+              </a:tr>
+              <a:tr h="299719">
+                <a:tc>
+                  <a:txBody>
+                    <a:bodyPr/>
+                    <a:lstStyle/>
+                    <a:p>
+                      <a:r>
+                        <a:rPr lang="it-IT" sz="1400"/>
+                        <a:t>CHARGE_TIME</a:t>
+                      </a:r>
+                      <a:endParaRPr lang="it-IT" sz="1400" dirty="0"/>
+                    </a:p>
+                  </a:txBody>
+                  <a:tcPr marL="73903" marR="73903" marT="36951" marB="36951"/>
+                </a:tc>
+                <a:tc>
+                  <a:txBody>
+                    <a:bodyPr/>
+                    <a:lstStyle/>
+                    <a:p>
+                      <a:r>
+                        <a:rPr lang="it-IT" sz="1400"/>
+                        <a:t>60</a:t>
+                      </a:r>
+                      <a:endParaRPr lang="it-IT" sz="1400" dirty="0"/>
+                    </a:p>
+                  </a:txBody>
+                  <a:tcPr marL="73903" marR="73903" marT="36951" marB="36951"/>
+                </a:tc>
+                <a:extLst>
+                  <a:ext uri="{0D108BD9-81ED-4DB2-BD59-A6C34878D82A}">
+                    <a16:rowId xmlns:a16="http://schemas.microsoft.com/office/drawing/2014/main" val="3480994760"/>
+                  </a:ext>
+                </a:extLst>
+              </a:tr>
+              <a:tr h="299719">
+                <a:tc>
+                  <a:txBody>
+                    <a:bodyPr/>
+                    <a:lstStyle/>
+                    <a:p>
+                      <a:r>
+                        <a:rPr lang="it-IT" sz="1400"/>
+                        <a:t>OPERATORS_NUMBER</a:t>
+                      </a:r>
+                      <a:endParaRPr lang="it-IT" sz="1400" dirty="0"/>
+                    </a:p>
+                  </a:txBody>
+                  <a:tcPr marL="73903" marR="73903" marT="36951" marB="36951"/>
+                </a:tc>
+                <a:tc>
+                  <a:txBody>
+                    <a:bodyPr/>
+                    <a:lstStyle/>
+                    <a:p>
+                      <a:r>
+                        <a:rPr lang="it-IT" sz="1400"/>
+                        <a:t>20</a:t>
+                      </a:r>
+                      <a:endParaRPr lang="it-IT" sz="1400" dirty="0"/>
+                    </a:p>
+                  </a:txBody>
+                  <a:tcPr marL="73903" marR="73903" marT="36951" marB="36951"/>
+                </a:tc>
+                <a:extLst>
+                  <a:ext uri="{0D108BD9-81ED-4DB2-BD59-A6C34878D82A}">
+                    <a16:rowId xmlns:a16="http://schemas.microsoft.com/office/drawing/2014/main" val="241709987"/>
+                  </a:ext>
+                </a:extLst>
+              </a:tr>
+              <a:tr h="299719">
+                <a:tc>
+                  <a:txBody>
+                    <a:bodyPr/>
+                    <a:lstStyle/>
+                    <a:p>
+                      <a:r>
+                        <a:rPr lang="it-IT" sz="1400"/>
+                        <a:t>RUN_UNTIL</a:t>
+                      </a:r>
+                      <a:endParaRPr lang="it-IT" sz="1400" dirty="0"/>
+                    </a:p>
+                  </a:txBody>
+                  <a:tcPr marL="73903" marR="73903" marT="36951" marB="36951"/>
+                </a:tc>
+                <a:tc>
+                  <a:txBody>
+                    <a:bodyPr/>
+                    <a:lstStyle/>
+                    <a:p>
+                      <a:r>
+                        <a:rPr lang="it-IT" sz="1400" dirty="0"/>
+                        <a:t>-1</a:t>
+                      </a:r>
+                    </a:p>
+                  </a:txBody>
+                  <a:tcPr marL="73903" marR="73903" marT="36951" marB="36951"/>
+                </a:tc>
+                <a:extLst>
+                  <a:ext uri="{0D108BD9-81ED-4DB2-BD59-A6C34878D82A}">
+                    <a16:rowId xmlns:a16="http://schemas.microsoft.com/office/drawing/2014/main" val="2671885314"/>
+                  </a:ext>
+                </a:extLst>
+              </a:tr>
+            </a:tbl>
+          </a:graphicData>
+        </a:graphic>
+      </p:graphicFrame>
+      <p:pic>
+        <p:nvPicPr>
+          <p:cNvPr id="5" name="Immagine 4">
+            <a:extLst>
+              <a:ext uri="{FF2B5EF4-FFF2-40B4-BE49-F238E27FC236}">
+                <a16:creationId xmlns:a16="http://schemas.microsoft.com/office/drawing/2014/main" id="{57A1686B-A797-45E0-9EB0-2D4B9C1B1C87}"/>
+              </a:ext>
+            </a:extLst>
+          </p:cNvPr>
+          <p:cNvPicPr>
+            <a:picLocks noChangeAspect="1"/>
+          </p:cNvPicPr>
+          <p:nvPr/>
+        </p:nvPicPr>
+        <p:blipFill>
+          <a:blip r:embed="rId2"/>
+          <a:stretch>
+            <a:fillRect/>
+          </a:stretch>
+        </p:blipFill>
+        <p:spPr>
+          <a:xfrm>
+            <a:off x="5538276" y="813497"/>
+            <a:ext cx="6096000" cy="4572000"/>
+          </a:xfrm>
+          <a:prstGeom prst="rect">
+            <a:avLst/>
+          </a:prstGeom>
+        </p:spPr>
+      </p:pic>
+      <p:sp>
+        <p:nvSpPr>
+          <p:cNvPr id="6" name="CasellaDiTesto 5">
+            <a:extLst>
+              <a:ext uri="{FF2B5EF4-FFF2-40B4-BE49-F238E27FC236}">
+                <a16:creationId xmlns:a16="http://schemas.microsoft.com/office/drawing/2014/main" id="{649E29BF-6A2A-40E0-A041-F70C8AB59290}"/>
+              </a:ext>
+            </a:extLst>
+          </p:cNvPr>
+          <p:cNvSpPr txBox="1"/>
+          <p:nvPr/>
+        </p:nvSpPr>
+        <p:spPr>
+          <a:xfrm>
+            <a:off x="4864963" y="5495278"/>
+            <a:ext cx="6365289" cy="646331"/>
+          </a:xfrm>
+          <a:prstGeom prst="rect">
+            <a:avLst/>
+          </a:prstGeom>
+          <a:noFill/>
+        </p:spPr>
+        <p:txBody>
+          <a:bodyPr wrap="square" rtlCol="0">
+            <a:spAutoFit/>
+          </a:bodyPr>
+          <a:lstStyle/>
+          <a:p>
+            <a:r>
+              <a:rPr lang="en-US" dirty="0"/>
+              <a:t>We can see that users start getting impatient by the time most of the cars are charging.</a:t>
+            </a:r>
+            <a:endParaRPr lang="it-IT" dirty="0"/>
+          </a:p>
+        </p:txBody>
+      </p:sp>
+      <p:sp>
+        <p:nvSpPr>
+          <p:cNvPr id="7" name="CasellaDiTesto 6">
+            <a:extLst>
+              <a:ext uri="{FF2B5EF4-FFF2-40B4-BE49-F238E27FC236}">
+                <a16:creationId xmlns:a16="http://schemas.microsoft.com/office/drawing/2014/main" id="{C25D38F4-FE83-4C3D-A7BB-72D4507A98A6}"/>
+              </a:ext>
+            </a:extLst>
+          </p:cNvPr>
+          <p:cNvSpPr txBox="1"/>
+          <p:nvPr/>
+        </p:nvSpPr>
+        <p:spPr>
+          <a:xfrm>
+            <a:off x="857566" y="1438183"/>
+            <a:ext cx="4433525" cy="923330"/>
+          </a:xfrm>
+          <a:prstGeom prst="rect">
+            <a:avLst/>
+          </a:prstGeom>
+          <a:noFill/>
+        </p:spPr>
+        <p:txBody>
+          <a:bodyPr wrap="square" rtlCol="0">
+            <a:spAutoFit/>
+          </a:bodyPr>
+          <a:lstStyle/>
+          <a:p>
+            <a:r>
+              <a:rPr lang="it-IT" dirty="0"/>
+              <a:t>Here a customer can </a:t>
+            </a:r>
+            <a:r>
+              <a:rPr lang="it-IT" dirty="0" err="1"/>
+              <a:t>wati</a:t>
+            </a:r>
+            <a:r>
+              <a:rPr lang="it-IT" dirty="0"/>
+              <a:t> </a:t>
+            </a:r>
+            <a:r>
+              <a:rPr lang="it-IT" dirty="0" err="1"/>
+              <a:t>at</a:t>
+            </a:r>
+            <a:r>
+              <a:rPr lang="it-IT" dirty="0"/>
+              <a:t> maximum </a:t>
+            </a:r>
+            <a:r>
+              <a:rPr lang="it-IT" dirty="0" err="1"/>
+              <a:t>between</a:t>
+            </a:r>
+            <a:r>
+              <a:rPr lang="it-IT" dirty="0"/>
+              <a:t> a range of 5 minutes up to 18 minutes to </a:t>
+            </a:r>
+            <a:r>
+              <a:rPr lang="it-IT" dirty="0" err="1"/>
+              <a:t>rent</a:t>
+            </a:r>
+            <a:r>
+              <a:rPr lang="it-IT" dirty="0"/>
+              <a:t> a car.</a:t>
+            </a:r>
+          </a:p>
+        </p:txBody>
+      </p:sp>
+    </p:spTree>
+    <p:extLst>
+      <p:ext uri="{BB962C8B-B14F-4D97-AF65-F5344CB8AC3E}">
+        <p14:creationId xmlns:p14="http://schemas.microsoft.com/office/powerpoint/2010/main" val="969761061"/>
+      </p:ext>
+    </p:extLst>
+  </p:cSld>
+  <p:clrMapOvr>
+    <a:masterClrMapping/>
+  </p:clrMapOvr>
+</p:sld>
+</file>
+
+<file path=ppt/slides/slide13.xml><?xml version="1.0" encoding="utf-8"?>
+<p:sld xmlns:a="http://schemas.openxmlformats.org/drawingml/2006/main" xmlns:r="http://schemas.openxmlformats.org/officeDocument/2006/relationships" xmlns:p="http://schemas.openxmlformats.org/presentationml/2006/main">
+  <p:cSld>
+    <p:spTree>
+      <p:nvGrpSpPr>
+        <p:cNvPr id="1" name=""/>
+        <p:cNvGrpSpPr/>
+        <p:nvPr/>
+      </p:nvGrpSpPr>
+      <p:grpSpPr>
+        <a:xfrm>
+          <a:off x="0" y="0"/>
+          <a:ext cx="0" cy="0"/>
+          <a:chOff x="0" y="0"/>
+          <a:chExt cx="0" cy="0"/>
+        </a:xfrm>
+      </p:grpSpPr>
+      <p:sp>
+        <p:nvSpPr>
+          <p:cNvPr id="2" name="Titolo 1">
+            <a:extLst>
+              <a:ext uri="{FF2B5EF4-FFF2-40B4-BE49-F238E27FC236}">
+                <a16:creationId xmlns:a16="http://schemas.microsoft.com/office/drawing/2014/main" id="{48396209-94C2-43BE-B608-FBB302DE7F2C}"/>
+              </a:ext>
+            </a:extLst>
+          </p:cNvPr>
+          <p:cNvSpPr>
+            <a:spLocks noGrp="1"/>
+          </p:cNvSpPr>
+          <p:nvPr>
+            <p:ph type="title"/>
+          </p:nvPr>
+        </p:nvSpPr>
+        <p:spPr/>
+        <p:txBody>
+          <a:bodyPr/>
+          <a:lstStyle/>
+          <a:p>
+            <a:r>
+              <a:rPr lang="it-IT" sz="4000" b="1" dirty="0" err="1"/>
+              <a:t>Operators</a:t>
+            </a:r>
+            <a:r>
+              <a:rPr lang="it-IT" sz="4000" b="1" dirty="0"/>
+              <a:t> </a:t>
+            </a:r>
+            <a:r>
+              <a:rPr lang="it-IT" sz="4000" b="1" dirty="0" err="1"/>
+              <a:t>number</a:t>
+            </a:r>
+            <a:r>
+              <a:rPr lang="it-IT" dirty="0"/>
+              <a:t>:</a:t>
+            </a:r>
+          </a:p>
+        </p:txBody>
+      </p:sp>
+      <p:graphicFrame>
+        <p:nvGraphicFramePr>
+          <p:cNvPr id="4" name="Tabella 5">
+            <a:extLst>
+              <a:ext uri="{FF2B5EF4-FFF2-40B4-BE49-F238E27FC236}">
+                <a16:creationId xmlns:a16="http://schemas.microsoft.com/office/drawing/2014/main" id="{0D4F78DB-0B05-4438-9D5E-B6A6D2A98881}"/>
+              </a:ext>
+            </a:extLst>
+          </p:cNvPr>
+          <p:cNvGraphicFramePr>
+            <a:graphicFrameLocks noGrp="1"/>
+          </p:cNvGraphicFramePr>
+          <p:nvPr>
+            <p:extLst>
+              <p:ext uri="{D42A27DB-BD31-4B8C-83A1-F6EECF244321}">
+                <p14:modId xmlns:p14="http://schemas.microsoft.com/office/powerpoint/2010/main" val="329745212"/>
+              </p:ext>
+            </p:extLst>
+          </p:nvPr>
+        </p:nvGraphicFramePr>
+        <p:xfrm>
+          <a:off x="838200" y="2858986"/>
+          <a:ext cx="2626878" cy="3296909"/>
+        </p:xfrm>
+        <a:graphic>
+          <a:graphicData uri="http://schemas.openxmlformats.org/drawingml/2006/table">
+            <a:tbl>
+              <a:tblPr firstRow="1" bandRow="1">
+                <a:tableStyleId>{5C22544A-7EE6-4342-B048-85BDC9FD1C3A}</a:tableStyleId>
+              </a:tblPr>
+              <a:tblGrid>
+                <a:gridCol w="1909369">
+                  <a:extLst>
+                    <a:ext uri="{9D8B030D-6E8A-4147-A177-3AD203B41FA5}">
+                      <a16:colId xmlns:a16="http://schemas.microsoft.com/office/drawing/2014/main" val="3591313908"/>
+                    </a:ext>
+                  </a:extLst>
+                </a:gridCol>
+                <a:gridCol w="717509">
+                  <a:extLst>
+                    <a:ext uri="{9D8B030D-6E8A-4147-A177-3AD203B41FA5}">
+                      <a16:colId xmlns:a16="http://schemas.microsoft.com/office/drawing/2014/main" val="4099186437"/>
+                    </a:ext>
+                  </a:extLst>
+                </a:gridCol>
+              </a:tblGrid>
+              <a:tr h="299719">
+                <a:tc>
+                  <a:txBody>
+                    <a:bodyPr/>
+                    <a:lstStyle/>
+                    <a:p>
+                      <a:r>
+                        <a:rPr lang="it-IT" sz="1400"/>
+                        <a:t>VARIABLE NAME</a:t>
+                      </a:r>
+                      <a:endParaRPr lang="it-IT" sz="1400" dirty="0"/>
+                    </a:p>
+                  </a:txBody>
+                  <a:tcPr marL="73903" marR="73903" marT="36951" marB="36951"/>
+                </a:tc>
+                <a:tc>
+                  <a:txBody>
+                    <a:bodyPr/>
+                    <a:lstStyle/>
+                    <a:p>
+                      <a:r>
+                        <a:rPr lang="it-IT" sz="1400" dirty="0"/>
+                        <a:t>VALUE</a:t>
+                      </a:r>
+                    </a:p>
+                  </a:txBody>
+                  <a:tcPr marL="73903" marR="73903" marT="36951" marB="36951"/>
+                </a:tc>
+                <a:extLst>
+                  <a:ext uri="{0D108BD9-81ED-4DB2-BD59-A6C34878D82A}">
+                    <a16:rowId xmlns:a16="http://schemas.microsoft.com/office/drawing/2014/main" val="1531261294"/>
+                  </a:ext>
+                </a:extLst>
+              </a:tr>
+              <a:tr h="299719">
+                <a:tc>
+                  <a:txBody>
+                    <a:bodyPr/>
+                    <a:lstStyle/>
+                    <a:p>
+                      <a:r>
+                        <a:rPr lang="it-IT" sz="1400"/>
+                        <a:t>CAR_USAGE_TIME</a:t>
+                      </a:r>
+                      <a:endParaRPr lang="it-IT" sz="1400" dirty="0"/>
+                    </a:p>
+                  </a:txBody>
+                  <a:tcPr marL="73903" marR="73903" marT="36951" marB="36951"/>
+                </a:tc>
+                <a:tc>
+                  <a:txBody>
+                    <a:bodyPr/>
+                    <a:lstStyle/>
+                    <a:p>
+                      <a:r>
+                        <a:rPr lang="it-IT" sz="1400"/>
+                        <a:t>(28,35)</a:t>
+                      </a:r>
+                      <a:endParaRPr lang="it-IT" sz="1400" dirty="0"/>
+                    </a:p>
+                  </a:txBody>
+                  <a:tcPr marL="73903" marR="73903" marT="36951" marB="36951"/>
+                </a:tc>
+                <a:extLst>
+                  <a:ext uri="{0D108BD9-81ED-4DB2-BD59-A6C34878D82A}">
+                    <a16:rowId xmlns:a16="http://schemas.microsoft.com/office/drawing/2014/main" val="612445165"/>
+                  </a:ext>
+                </a:extLst>
+              </a:tr>
+              <a:tr h="299719">
+                <a:tc>
+                  <a:txBody>
+                    <a:bodyPr/>
+                    <a:lstStyle/>
+                    <a:p>
+                      <a:r>
+                        <a:rPr lang="it-IT" sz="1400"/>
+                        <a:t>USER_SPAWN_TIME</a:t>
+                      </a:r>
+                      <a:endParaRPr lang="it-IT" sz="1400" dirty="0"/>
+                    </a:p>
+                  </a:txBody>
+                  <a:tcPr marL="73903" marR="73903" marT="36951" marB="36951"/>
+                </a:tc>
+                <a:tc>
+                  <a:txBody>
+                    <a:bodyPr/>
+                    <a:lstStyle/>
+                    <a:p>
+                      <a:r>
+                        <a:rPr lang="it-IT" sz="1400"/>
+                        <a:t>(1,2)</a:t>
+                      </a:r>
+                      <a:endParaRPr lang="it-IT" sz="1400" dirty="0"/>
+                    </a:p>
+                  </a:txBody>
+                  <a:tcPr marL="73903" marR="73903" marT="36951" marB="36951"/>
+                </a:tc>
+                <a:extLst>
+                  <a:ext uri="{0D108BD9-81ED-4DB2-BD59-A6C34878D82A}">
+                    <a16:rowId xmlns:a16="http://schemas.microsoft.com/office/drawing/2014/main" val="2753196774"/>
+                  </a:ext>
+                </a:extLst>
+              </a:tr>
+              <a:tr h="299719">
+                <a:tc>
+                  <a:txBody>
+                    <a:bodyPr/>
+                    <a:lstStyle/>
+                    <a:p>
+                      <a:r>
+                        <a:rPr lang="it-IT" sz="1400"/>
+                        <a:t>CARS_NUMBER</a:t>
+                      </a:r>
+                      <a:endParaRPr lang="it-IT" sz="1400" dirty="0"/>
+                    </a:p>
+                  </a:txBody>
+                  <a:tcPr marL="73903" marR="73903" marT="36951" marB="36951"/>
+                </a:tc>
+                <a:tc>
+                  <a:txBody>
+                    <a:bodyPr/>
+                    <a:lstStyle/>
+                    <a:p>
+                      <a:r>
+                        <a:rPr lang="it-IT" sz="1400" b="1" dirty="0"/>
+                        <a:t>30</a:t>
+                      </a:r>
+                    </a:p>
+                  </a:txBody>
+                  <a:tcPr marL="73903" marR="73903" marT="36951" marB="36951"/>
+                </a:tc>
+                <a:extLst>
+                  <a:ext uri="{0D108BD9-81ED-4DB2-BD59-A6C34878D82A}">
+                    <a16:rowId xmlns:a16="http://schemas.microsoft.com/office/drawing/2014/main" val="613190031"/>
+                  </a:ext>
+                </a:extLst>
+              </a:tr>
+              <a:tr h="299719">
+                <a:tc>
+                  <a:txBody>
+                    <a:bodyPr/>
+                    <a:lstStyle/>
+                    <a:p>
+                      <a:r>
+                        <a:rPr lang="it-IT" sz="1400"/>
+                        <a:t>MAX_NUMB_USERS</a:t>
+                      </a:r>
+                      <a:endParaRPr lang="it-IT" sz="1400" dirty="0"/>
+                    </a:p>
+                  </a:txBody>
+                  <a:tcPr marL="73903" marR="73903" marT="36951" marB="36951"/>
+                </a:tc>
+                <a:tc>
+                  <a:txBody>
+                    <a:bodyPr/>
+                    <a:lstStyle/>
+                    <a:p>
+                      <a:r>
+                        <a:rPr lang="it-IT" sz="1400" b="1" dirty="0"/>
+                        <a:t>300</a:t>
+                      </a:r>
+                    </a:p>
+                  </a:txBody>
+                  <a:tcPr marL="73903" marR="73903" marT="36951" marB="36951"/>
+                </a:tc>
+                <a:extLst>
+                  <a:ext uri="{0D108BD9-81ED-4DB2-BD59-A6C34878D82A}">
+                    <a16:rowId xmlns:a16="http://schemas.microsoft.com/office/drawing/2014/main" val="3796194626"/>
+                  </a:ext>
+                </a:extLst>
+              </a:tr>
+              <a:tr h="299719">
+                <a:tc>
+                  <a:txBody>
+                    <a:bodyPr/>
+                    <a:lstStyle/>
+                    <a:p>
+                      <a:r>
+                        <a:rPr lang="it-IT" sz="1400"/>
+                        <a:t>MIN_PATIENCE</a:t>
+                      </a:r>
+                      <a:endParaRPr lang="it-IT" sz="1400" dirty="0"/>
+                    </a:p>
+                  </a:txBody>
+                  <a:tcPr marL="73903" marR="73903" marT="36951" marB="36951"/>
+                </a:tc>
+                <a:tc>
+                  <a:txBody>
+                    <a:bodyPr/>
+                    <a:lstStyle/>
+                    <a:p>
+                      <a:r>
+                        <a:rPr lang="it-IT" sz="1400" b="0" dirty="0"/>
+                        <a:t>-1</a:t>
+                      </a:r>
+                    </a:p>
+                  </a:txBody>
+                  <a:tcPr marL="73903" marR="73903" marT="36951" marB="36951"/>
+                </a:tc>
+                <a:extLst>
+                  <a:ext uri="{0D108BD9-81ED-4DB2-BD59-A6C34878D82A}">
+                    <a16:rowId xmlns:a16="http://schemas.microsoft.com/office/drawing/2014/main" val="3323455888"/>
+                  </a:ext>
+                </a:extLst>
+              </a:tr>
+              <a:tr h="299719">
+                <a:tc>
+                  <a:txBody>
+                    <a:bodyPr/>
+                    <a:lstStyle/>
+                    <a:p>
+                      <a:r>
+                        <a:rPr lang="it-IT" sz="1400"/>
+                        <a:t>MAX_PATIENCE</a:t>
+                      </a:r>
+                      <a:endParaRPr lang="it-IT" sz="1400" dirty="0"/>
+                    </a:p>
+                  </a:txBody>
+                  <a:tcPr marL="73903" marR="73903" marT="36951" marB="36951"/>
+                </a:tc>
+                <a:tc>
+                  <a:txBody>
+                    <a:bodyPr/>
+                    <a:lstStyle/>
+                    <a:p>
+                      <a:r>
+                        <a:rPr lang="it-IT" sz="1400" b="0" dirty="0"/>
+                        <a:t>18</a:t>
+                      </a:r>
+                    </a:p>
+                  </a:txBody>
+                  <a:tcPr marL="73903" marR="73903" marT="36951" marB="36951"/>
+                </a:tc>
+                <a:extLst>
+                  <a:ext uri="{0D108BD9-81ED-4DB2-BD59-A6C34878D82A}">
+                    <a16:rowId xmlns:a16="http://schemas.microsoft.com/office/drawing/2014/main" val="3060501633"/>
+                  </a:ext>
+                </a:extLst>
+              </a:tr>
+              <a:tr h="299719">
+                <a:tc>
+                  <a:txBody>
+                    <a:bodyPr/>
+                    <a:lstStyle/>
+                    <a:p>
+                      <a:r>
+                        <a:rPr lang="it-IT" sz="1400" dirty="0"/>
+                        <a:t>AUTO_AUTONOMY</a:t>
+                      </a:r>
+                    </a:p>
+                  </a:txBody>
+                  <a:tcPr marL="73903" marR="73903" marT="36951" marB="36951"/>
+                </a:tc>
+                <a:tc>
+                  <a:txBody>
+                    <a:bodyPr/>
+                    <a:lstStyle/>
+                    <a:p>
+                      <a:r>
+                        <a:rPr lang="it-IT" sz="1400" b="1" dirty="0"/>
+                        <a:t>100</a:t>
+                      </a:r>
+                    </a:p>
+                  </a:txBody>
+                  <a:tcPr marL="73903" marR="73903" marT="36951" marB="36951"/>
+                </a:tc>
+                <a:extLst>
+                  <a:ext uri="{0D108BD9-81ED-4DB2-BD59-A6C34878D82A}">
+                    <a16:rowId xmlns:a16="http://schemas.microsoft.com/office/drawing/2014/main" val="3807646652"/>
+                  </a:ext>
+                </a:extLst>
+              </a:tr>
+              <a:tr h="299719">
+                <a:tc>
+                  <a:txBody>
+                    <a:bodyPr/>
+                    <a:lstStyle/>
+                    <a:p>
+                      <a:r>
+                        <a:rPr lang="it-IT" sz="1400"/>
+                        <a:t>CHARGE_TIME</a:t>
+                      </a:r>
+                      <a:endParaRPr lang="it-IT" sz="1400" dirty="0"/>
+                    </a:p>
+                  </a:txBody>
+                  <a:tcPr marL="73903" marR="73903" marT="36951" marB="36951"/>
+                </a:tc>
+                <a:tc>
+                  <a:txBody>
+                    <a:bodyPr/>
+                    <a:lstStyle/>
+                    <a:p>
+                      <a:r>
+                        <a:rPr lang="it-IT" sz="1400"/>
+                        <a:t>60</a:t>
+                      </a:r>
+                      <a:endParaRPr lang="it-IT" sz="1400" dirty="0"/>
+                    </a:p>
+                  </a:txBody>
+                  <a:tcPr marL="73903" marR="73903" marT="36951" marB="36951"/>
+                </a:tc>
+                <a:extLst>
+                  <a:ext uri="{0D108BD9-81ED-4DB2-BD59-A6C34878D82A}">
+                    <a16:rowId xmlns:a16="http://schemas.microsoft.com/office/drawing/2014/main" val="3480994760"/>
+                  </a:ext>
+                </a:extLst>
+              </a:tr>
+              <a:tr h="299719">
+                <a:tc>
+                  <a:txBody>
+                    <a:bodyPr/>
+                    <a:lstStyle/>
+                    <a:p>
+                      <a:r>
+                        <a:rPr lang="it-IT" sz="1400"/>
+                        <a:t>OPERATORS_NUMBER</a:t>
+                      </a:r>
+                      <a:endParaRPr lang="it-IT" sz="1400" dirty="0"/>
+                    </a:p>
+                  </a:txBody>
+                  <a:tcPr marL="73903" marR="73903" marT="36951" marB="36951"/>
+                </a:tc>
+                <a:tc>
+                  <a:txBody>
+                    <a:bodyPr/>
+                    <a:lstStyle/>
+                    <a:p>
+                      <a:r>
+                        <a:rPr lang="it-IT" sz="1400" b="1" dirty="0"/>
+                        <a:t>30</a:t>
+                      </a:r>
+                    </a:p>
+                  </a:txBody>
+                  <a:tcPr marL="73903" marR="73903" marT="36951" marB="36951"/>
+                </a:tc>
+                <a:extLst>
+                  <a:ext uri="{0D108BD9-81ED-4DB2-BD59-A6C34878D82A}">
+                    <a16:rowId xmlns:a16="http://schemas.microsoft.com/office/drawing/2014/main" val="241709987"/>
+                  </a:ext>
+                </a:extLst>
+              </a:tr>
+              <a:tr h="299719">
+                <a:tc>
+                  <a:txBody>
+                    <a:bodyPr/>
+                    <a:lstStyle/>
+                    <a:p>
+                      <a:r>
+                        <a:rPr lang="it-IT" sz="1400"/>
+                        <a:t>RUN_UNTIL</a:t>
+                      </a:r>
+                      <a:endParaRPr lang="it-IT" sz="1400" dirty="0"/>
+                    </a:p>
+                  </a:txBody>
+                  <a:tcPr marL="73903" marR="73903" marT="36951" marB="36951"/>
+                </a:tc>
+                <a:tc>
+                  <a:txBody>
+                    <a:bodyPr/>
+                    <a:lstStyle/>
+                    <a:p>
+                      <a:r>
+                        <a:rPr lang="it-IT" sz="1400" b="1" dirty="0"/>
+                        <a:t>600</a:t>
+                      </a:r>
+                    </a:p>
+                  </a:txBody>
+                  <a:tcPr marL="73903" marR="73903" marT="36951" marB="36951"/>
+                </a:tc>
+                <a:extLst>
+                  <a:ext uri="{0D108BD9-81ED-4DB2-BD59-A6C34878D82A}">
+                    <a16:rowId xmlns:a16="http://schemas.microsoft.com/office/drawing/2014/main" val="2671885314"/>
+                  </a:ext>
+                </a:extLst>
+              </a:tr>
+            </a:tbl>
+          </a:graphicData>
+        </a:graphic>
+      </p:graphicFrame>
+      <p:pic>
+        <p:nvPicPr>
+          <p:cNvPr id="5" name="Immagine 4">
+            <a:extLst>
+              <a:ext uri="{FF2B5EF4-FFF2-40B4-BE49-F238E27FC236}">
+                <a16:creationId xmlns:a16="http://schemas.microsoft.com/office/drawing/2014/main" id="{34D3C511-5AA5-42E6-96EB-1E2CD9CCAC66}"/>
+              </a:ext>
+            </a:extLst>
+          </p:cNvPr>
+          <p:cNvPicPr>
+            <a:picLocks noChangeAspect="1"/>
+          </p:cNvPicPr>
+          <p:nvPr/>
+        </p:nvPicPr>
+        <p:blipFill>
+          <a:blip r:embed="rId2"/>
+          <a:stretch>
+            <a:fillRect/>
+          </a:stretch>
+        </p:blipFill>
+        <p:spPr>
+          <a:xfrm>
+            <a:off x="5588493" y="792135"/>
+            <a:ext cx="6096000" cy="4572000"/>
+          </a:xfrm>
+          <a:prstGeom prst="rect">
+            <a:avLst/>
+          </a:prstGeom>
+        </p:spPr>
+      </p:pic>
+      <p:sp>
+        <p:nvSpPr>
+          <p:cNvPr id="7" name="CasellaDiTesto 6">
+            <a:extLst>
+              <a:ext uri="{FF2B5EF4-FFF2-40B4-BE49-F238E27FC236}">
+                <a16:creationId xmlns:a16="http://schemas.microsoft.com/office/drawing/2014/main" id="{32234155-8303-4A20-A6E2-52C0AD2D5062}"/>
+              </a:ext>
+            </a:extLst>
+          </p:cNvPr>
+          <p:cNvSpPr txBox="1"/>
+          <p:nvPr/>
+        </p:nvSpPr>
+        <p:spPr>
+          <a:xfrm>
+            <a:off x="838200" y="1509204"/>
+            <a:ext cx="4159928" cy="646331"/>
+          </a:xfrm>
+          <a:prstGeom prst="rect">
+            <a:avLst/>
+          </a:prstGeom>
+          <a:noFill/>
+        </p:spPr>
+        <p:txBody>
+          <a:bodyPr wrap="square" rtlCol="0">
+            <a:spAutoFit/>
+          </a:bodyPr>
+          <a:lstStyle/>
+          <a:p>
+            <a:r>
+              <a:rPr lang="it-IT" dirty="0"/>
+              <a:t>Here </a:t>
+            </a:r>
+            <a:r>
+              <a:rPr lang="it-IT" dirty="0" err="1"/>
+              <a:t>we</a:t>
+            </a:r>
+            <a:r>
+              <a:rPr lang="it-IT" dirty="0"/>
+              <a:t> put the </a:t>
+            </a:r>
+            <a:r>
+              <a:rPr lang="it-IT" dirty="0" err="1"/>
+              <a:t>number</a:t>
+            </a:r>
+            <a:r>
+              <a:rPr lang="it-IT" dirty="0"/>
+              <a:t> of </a:t>
+            </a:r>
+            <a:r>
+              <a:rPr lang="it-IT" dirty="0" err="1"/>
+              <a:t>operators</a:t>
+            </a:r>
+            <a:r>
+              <a:rPr lang="it-IT" dirty="0"/>
+              <a:t> the </a:t>
+            </a:r>
+            <a:r>
+              <a:rPr lang="it-IT" dirty="0" err="1"/>
+              <a:t>same</a:t>
+            </a:r>
+            <a:r>
+              <a:rPr lang="it-IT" dirty="0"/>
+              <a:t> </a:t>
+            </a:r>
+            <a:r>
+              <a:rPr lang="it-IT" dirty="0" err="1"/>
+              <a:t>as</a:t>
+            </a:r>
+            <a:r>
+              <a:rPr lang="it-IT" dirty="0"/>
+              <a:t> the </a:t>
+            </a:r>
+            <a:r>
+              <a:rPr lang="it-IT" dirty="0" err="1"/>
+              <a:t>number</a:t>
+            </a:r>
+            <a:r>
+              <a:rPr lang="it-IT" dirty="0"/>
+              <a:t> of the cars.</a:t>
+            </a:r>
+          </a:p>
+        </p:txBody>
+      </p:sp>
+      <p:sp>
+        <p:nvSpPr>
+          <p:cNvPr id="8" name="CasellaDiTesto 7">
+            <a:extLst>
+              <a:ext uri="{FF2B5EF4-FFF2-40B4-BE49-F238E27FC236}">
+                <a16:creationId xmlns:a16="http://schemas.microsoft.com/office/drawing/2014/main" id="{392111C6-4144-4887-B7EB-44AFCB90F55B}"/>
+              </a:ext>
+            </a:extLst>
+          </p:cNvPr>
+          <p:cNvSpPr txBox="1"/>
+          <p:nvPr/>
+        </p:nvSpPr>
+        <p:spPr>
+          <a:xfrm>
+            <a:off x="5127964" y="5557421"/>
+            <a:ext cx="6315353" cy="923330"/>
+          </a:xfrm>
+          <a:prstGeom prst="rect">
+            <a:avLst/>
+          </a:prstGeom>
+          <a:noFill/>
+        </p:spPr>
+        <p:txBody>
+          <a:bodyPr wrap="square" rtlCol="0">
+            <a:spAutoFit/>
+          </a:bodyPr>
+          <a:lstStyle/>
+          <a:p>
+            <a:r>
+              <a:rPr lang="it-IT" dirty="0" err="1"/>
+              <a:t>We</a:t>
+            </a:r>
+            <a:r>
+              <a:rPr lang="it-IT" dirty="0"/>
+              <a:t> can </a:t>
+            </a:r>
+            <a:r>
+              <a:rPr lang="it-IT" dirty="0" err="1"/>
+              <a:t>see</a:t>
+            </a:r>
+            <a:r>
+              <a:rPr lang="it-IT" dirty="0"/>
+              <a:t> the </a:t>
+            </a:r>
+            <a:r>
+              <a:rPr lang="it-IT" dirty="0" err="1"/>
+              <a:t>alternating</a:t>
+            </a:r>
+            <a:r>
+              <a:rPr lang="it-IT" dirty="0"/>
+              <a:t> </a:t>
+            </a:r>
+            <a:r>
+              <a:rPr lang="it-IT" dirty="0" err="1"/>
+              <a:t>between</a:t>
+            </a:r>
+            <a:r>
+              <a:rPr lang="it-IT" dirty="0"/>
+              <a:t> car in use and car in </a:t>
+            </a:r>
+            <a:r>
+              <a:rPr lang="it-IT" dirty="0" err="1"/>
+              <a:t>charge</a:t>
+            </a:r>
+            <a:r>
+              <a:rPr lang="it-IT" dirty="0"/>
+              <a:t>. </a:t>
+            </a:r>
+          </a:p>
+          <a:p>
+            <a:r>
+              <a:rPr lang="en-US" dirty="0"/>
+              <a:t>This leads to a smaller waiting queue, but peaks when all the cars are charging</a:t>
+            </a:r>
+            <a:r>
+              <a:rPr lang="it-IT" dirty="0"/>
+              <a:t>.</a:t>
+            </a:r>
+          </a:p>
+        </p:txBody>
+      </p:sp>
+    </p:spTree>
+    <p:extLst>
+      <p:ext uri="{BB962C8B-B14F-4D97-AF65-F5344CB8AC3E}">
+        <p14:creationId xmlns:p14="http://schemas.microsoft.com/office/powerpoint/2010/main" val="3410668787"/>
+      </p:ext>
+    </p:extLst>
+  </p:cSld>
+  <p:clrMapOvr>
+    <a:masterClrMapping/>
+  </p:clrMapOvr>
+</p:sld>
+</file>
+
+<file path=ppt/slides/slide14.xml><?xml version="1.0" encoding="utf-8"?>
+<p:sld xmlns:a="http://schemas.openxmlformats.org/drawingml/2006/main" xmlns:r="http://schemas.openxmlformats.org/officeDocument/2006/relationships" xmlns:p="http://schemas.openxmlformats.org/presentationml/2006/main">
+  <p:cSld>
+    <p:spTree>
+      <p:nvGrpSpPr>
+        <p:cNvPr id="1" name=""/>
+        <p:cNvGrpSpPr/>
+        <p:nvPr/>
+      </p:nvGrpSpPr>
+      <p:grpSpPr>
+        <a:xfrm>
+          <a:off x="0" y="0"/>
+          <a:ext cx="0" cy="0"/>
+          <a:chOff x="0" y="0"/>
+          <a:chExt cx="0" cy="0"/>
+        </a:xfrm>
+      </p:grpSpPr>
+      <p:pic>
+        <p:nvPicPr>
+          <p:cNvPr id="9" name="Immagine 8">
+            <a:extLst>
+              <a:ext uri="{FF2B5EF4-FFF2-40B4-BE49-F238E27FC236}">
+                <a16:creationId xmlns:a16="http://schemas.microsoft.com/office/drawing/2014/main" id="{6A3BC107-5066-4C35-8A97-C4822828E190}"/>
+              </a:ext>
+            </a:extLst>
+          </p:cNvPr>
+          <p:cNvPicPr>
+            <a:picLocks noChangeAspect="1"/>
+          </p:cNvPicPr>
+          <p:nvPr/>
+        </p:nvPicPr>
+        <p:blipFill>
+          <a:blip r:embed="rId2"/>
+          <a:stretch>
+            <a:fillRect/>
+          </a:stretch>
+        </p:blipFill>
+        <p:spPr>
+          <a:xfrm>
+            <a:off x="6084166" y="967144"/>
+            <a:ext cx="5269634" cy="3952226"/>
+          </a:xfrm>
+          <a:prstGeom prst="rect">
+            <a:avLst/>
+          </a:prstGeom>
+        </p:spPr>
+      </p:pic>
+      <p:sp>
+        <p:nvSpPr>
+          <p:cNvPr id="2" name="Titolo 1">
+            <a:extLst>
+              <a:ext uri="{FF2B5EF4-FFF2-40B4-BE49-F238E27FC236}">
+                <a16:creationId xmlns:a16="http://schemas.microsoft.com/office/drawing/2014/main" id="{48396209-94C2-43BE-B608-FBB302DE7F2C}"/>
+              </a:ext>
+            </a:extLst>
+          </p:cNvPr>
+          <p:cNvSpPr>
+            <a:spLocks noGrp="1"/>
+          </p:cNvSpPr>
+          <p:nvPr>
+            <p:ph type="title"/>
+          </p:nvPr>
+        </p:nvSpPr>
+        <p:spPr>
+          <a:xfrm>
+            <a:off x="669524" y="365125"/>
+            <a:ext cx="6894250" cy="1042618"/>
+          </a:xfrm>
+        </p:spPr>
+        <p:txBody>
+          <a:bodyPr>
+            <a:normAutofit/>
+          </a:bodyPr>
+          <a:lstStyle/>
+          <a:p>
+            <a:r>
+              <a:rPr lang="it-IT" sz="4000" b="1" dirty="0"/>
+              <a:t>By </a:t>
+            </a:r>
+            <a:r>
+              <a:rPr lang="it-IT" sz="4000" b="1" dirty="0" err="1"/>
+              <a:t>decreasing</a:t>
+            </a:r>
+            <a:r>
+              <a:rPr lang="it-IT" sz="4000" b="1" dirty="0"/>
+              <a:t> the </a:t>
+            </a:r>
+            <a:r>
+              <a:rPr lang="it-IT" sz="4000" b="1" dirty="0" err="1"/>
+              <a:t>operators</a:t>
+            </a:r>
+            <a:r>
+              <a:rPr lang="it-IT" sz="4000" b="1" dirty="0"/>
+              <a:t> :</a:t>
+            </a:r>
+          </a:p>
+        </p:txBody>
+      </p:sp>
+      <p:sp>
+        <p:nvSpPr>
+          <p:cNvPr id="10" name="CasellaDiTesto 9">
+            <a:extLst>
+              <a:ext uri="{FF2B5EF4-FFF2-40B4-BE49-F238E27FC236}">
+                <a16:creationId xmlns:a16="http://schemas.microsoft.com/office/drawing/2014/main" id="{06C0047F-F409-4952-90F3-E934FFEA4AED}"/>
+              </a:ext>
+            </a:extLst>
+          </p:cNvPr>
+          <p:cNvSpPr txBox="1"/>
+          <p:nvPr/>
+        </p:nvSpPr>
+        <p:spPr>
+          <a:xfrm>
+            <a:off x="4048216" y="5128654"/>
+            <a:ext cx="7723573" cy="1754326"/>
+          </a:xfrm>
+          <a:prstGeom prst="rect">
+            <a:avLst/>
+          </a:prstGeom>
+          <a:noFill/>
+        </p:spPr>
+        <p:txBody>
+          <a:bodyPr wrap="square" rtlCol="0">
+            <a:spAutoFit/>
+          </a:bodyPr>
+          <a:lstStyle/>
+          <a:p>
+            <a:r>
+              <a:rPr lang="en-US" dirty="0"/>
+              <a:t>By decreasing the number of operators in this case to 10. We can see that the cars in use tend to stabilize at 20 instead of 30, this because the 10 operators cannot load more than 10 cars at a time and therefore the usable cars will be </a:t>
+            </a:r>
+            <a:r>
+              <a:rPr lang="it-IT" sz="1800" dirty="0"/>
+              <a:t>CARS_NUMBER - OPERATORS_NUMBER.</a:t>
+            </a:r>
+          </a:p>
+          <a:p>
+            <a:endParaRPr lang="it-IT" sz="1800" dirty="0"/>
+          </a:p>
+          <a:p>
+            <a:endParaRPr lang="it-IT" dirty="0"/>
+          </a:p>
+        </p:txBody>
+      </p:sp>
+      <p:graphicFrame>
+        <p:nvGraphicFramePr>
+          <p:cNvPr id="11" name="Tabella 5">
+            <a:extLst>
+              <a:ext uri="{FF2B5EF4-FFF2-40B4-BE49-F238E27FC236}">
+                <a16:creationId xmlns:a16="http://schemas.microsoft.com/office/drawing/2014/main" id="{011A5188-F802-4AED-B295-FB7AE9E62AC5}"/>
+              </a:ext>
+            </a:extLst>
+          </p:cNvPr>
+          <p:cNvGraphicFramePr>
+            <a:graphicFrameLocks noGrp="1"/>
+          </p:cNvGraphicFramePr>
+          <p:nvPr>
+            <p:extLst>
+              <p:ext uri="{D42A27DB-BD31-4B8C-83A1-F6EECF244321}">
+                <p14:modId xmlns:p14="http://schemas.microsoft.com/office/powerpoint/2010/main" val="2289710664"/>
+              </p:ext>
+            </p:extLst>
+          </p:nvPr>
+        </p:nvGraphicFramePr>
+        <p:xfrm>
+          <a:off x="838200" y="1831745"/>
+          <a:ext cx="2626878" cy="3296909"/>
+        </p:xfrm>
+        <a:graphic>
+          <a:graphicData uri="http://schemas.openxmlformats.org/drawingml/2006/table">
+            <a:tbl>
+              <a:tblPr firstRow="1" bandRow="1">
+                <a:tableStyleId>{5C22544A-7EE6-4342-B048-85BDC9FD1C3A}</a:tableStyleId>
+              </a:tblPr>
+              <a:tblGrid>
+                <a:gridCol w="1909369">
+                  <a:extLst>
+                    <a:ext uri="{9D8B030D-6E8A-4147-A177-3AD203B41FA5}">
+                      <a16:colId xmlns:a16="http://schemas.microsoft.com/office/drawing/2014/main" val="3591313908"/>
+                    </a:ext>
+                  </a:extLst>
+                </a:gridCol>
+                <a:gridCol w="717509">
+                  <a:extLst>
+                    <a:ext uri="{9D8B030D-6E8A-4147-A177-3AD203B41FA5}">
+                      <a16:colId xmlns:a16="http://schemas.microsoft.com/office/drawing/2014/main" val="4099186437"/>
+                    </a:ext>
+                  </a:extLst>
+                </a:gridCol>
+              </a:tblGrid>
+              <a:tr h="299719">
+                <a:tc>
+                  <a:txBody>
+                    <a:bodyPr/>
+                    <a:lstStyle/>
+                    <a:p>
+                      <a:r>
+                        <a:rPr lang="it-IT" sz="1400"/>
+                        <a:t>VARIABLE NAME</a:t>
+                      </a:r>
+                      <a:endParaRPr lang="it-IT" sz="1400" dirty="0"/>
+                    </a:p>
+                  </a:txBody>
+                  <a:tcPr marL="73903" marR="73903" marT="36951" marB="36951"/>
+                </a:tc>
+                <a:tc>
+                  <a:txBody>
+                    <a:bodyPr/>
+                    <a:lstStyle/>
+                    <a:p>
+                      <a:r>
+                        <a:rPr lang="it-IT" sz="1400" dirty="0"/>
+                        <a:t>VALUE</a:t>
+                      </a:r>
+                    </a:p>
+                  </a:txBody>
+                  <a:tcPr marL="73903" marR="73903" marT="36951" marB="36951"/>
+                </a:tc>
+                <a:extLst>
+                  <a:ext uri="{0D108BD9-81ED-4DB2-BD59-A6C34878D82A}">
+                    <a16:rowId xmlns:a16="http://schemas.microsoft.com/office/drawing/2014/main" val="1531261294"/>
+                  </a:ext>
+                </a:extLst>
+              </a:tr>
+              <a:tr h="299719">
+                <a:tc>
+                  <a:txBody>
+                    <a:bodyPr/>
+                    <a:lstStyle/>
+                    <a:p>
+                      <a:r>
+                        <a:rPr lang="it-IT" sz="1400"/>
+                        <a:t>CAR_USAGE_TIME</a:t>
+                      </a:r>
+                      <a:endParaRPr lang="it-IT" sz="1400" dirty="0"/>
+                    </a:p>
+                  </a:txBody>
+                  <a:tcPr marL="73903" marR="73903" marT="36951" marB="36951"/>
+                </a:tc>
+                <a:tc>
+                  <a:txBody>
+                    <a:bodyPr/>
+                    <a:lstStyle/>
+                    <a:p>
+                      <a:r>
+                        <a:rPr lang="it-IT" sz="1400"/>
+                        <a:t>(28,35)</a:t>
+                      </a:r>
+                      <a:endParaRPr lang="it-IT" sz="1400" dirty="0"/>
+                    </a:p>
+                  </a:txBody>
+                  <a:tcPr marL="73903" marR="73903" marT="36951" marB="36951"/>
+                </a:tc>
+                <a:extLst>
+                  <a:ext uri="{0D108BD9-81ED-4DB2-BD59-A6C34878D82A}">
+                    <a16:rowId xmlns:a16="http://schemas.microsoft.com/office/drawing/2014/main" val="612445165"/>
+                  </a:ext>
+                </a:extLst>
+              </a:tr>
+              <a:tr h="299719">
+                <a:tc>
+                  <a:txBody>
+                    <a:bodyPr/>
+                    <a:lstStyle/>
+                    <a:p>
+                      <a:r>
+                        <a:rPr lang="it-IT" sz="1400" dirty="0"/>
+                        <a:t>USER_SPAWN_TIME</a:t>
+                      </a:r>
+                    </a:p>
+                  </a:txBody>
+                  <a:tcPr marL="73903" marR="73903" marT="36951" marB="36951"/>
+                </a:tc>
+                <a:tc>
+                  <a:txBody>
+                    <a:bodyPr/>
+                    <a:lstStyle/>
+                    <a:p>
+                      <a:r>
+                        <a:rPr lang="it-IT" sz="1400"/>
+                        <a:t>(1,2)</a:t>
+                      </a:r>
+                      <a:endParaRPr lang="it-IT" sz="1400" dirty="0"/>
+                    </a:p>
+                  </a:txBody>
+                  <a:tcPr marL="73903" marR="73903" marT="36951" marB="36951"/>
+                </a:tc>
+                <a:extLst>
+                  <a:ext uri="{0D108BD9-81ED-4DB2-BD59-A6C34878D82A}">
+                    <a16:rowId xmlns:a16="http://schemas.microsoft.com/office/drawing/2014/main" val="2753196774"/>
+                  </a:ext>
+                </a:extLst>
+              </a:tr>
+              <a:tr h="299719">
+                <a:tc>
+                  <a:txBody>
+                    <a:bodyPr/>
+                    <a:lstStyle/>
+                    <a:p>
+                      <a:r>
+                        <a:rPr lang="it-IT" sz="1400"/>
+                        <a:t>CARS_NUMBER</a:t>
+                      </a:r>
+                      <a:endParaRPr lang="it-IT" sz="1400" dirty="0"/>
+                    </a:p>
+                  </a:txBody>
+                  <a:tcPr marL="73903" marR="73903" marT="36951" marB="36951"/>
+                </a:tc>
+                <a:tc>
+                  <a:txBody>
+                    <a:bodyPr/>
+                    <a:lstStyle/>
+                    <a:p>
+                      <a:r>
+                        <a:rPr lang="it-IT" sz="1400" b="0" dirty="0"/>
+                        <a:t>30</a:t>
+                      </a:r>
+                    </a:p>
+                  </a:txBody>
+                  <a:tcPr marL="73903" marR="73903" marT="36951" marB="36951"/>
+                </a:tc>
+                <a:extLst>
+                  <a:ext uri="{0D108BD9-81ED-4DB2-BD59-A6C34878D82A}">
+                    <a16:rowId xmlns:a16="http://schemas.microsoft.com/office/drawing/2014/main" val="613190031"/>
+                  </a:ext>
+                </a:extLst>
+              </a:tr>
+              <a:tr h="299719">
+                <a:tc>
+                  <a:txBody>
+                    <a:bodyPr/>
+                    <a:lstStyle/>
+                    <a:p>
+                      <a:r>
+                        <a:rPr lang="it-IT" sz="1400"/>
+                        <a:t>MAX_NUMB_USERS</a:t>
+                      </a:r>
+                      <a:endParaRPr lang="it-IT" sz="1400" dirty="0"/>
+                    </a:p>
+                  </a:txBody>
+                  <a:tcPr marL="73903" marR="73903" marT="36951" marB="36951"/>
+                </a:tc>
+                <a:tc>
+                  <a:txBody>
+                    <a:bodyPr/>
+                    <a:lstStyle/>
+                    <a:p>
+                      <a:r>
+                        <a:rPr lang="it-IT" sz="1400" b="0" dirty="0"/>
+                        <a:t>300</a:t>
+                      </a:r>
+                    </a:p>
+                  </a:txBody>
+                  <a:tcPr marL="73903" marR="73903" marT="36951" marB="36951"/>
+                </a:tc>
+                <a:extLst>
+                  <a:ext uri="{0D108BD9-81ED-4DB2-BD59-A6C34878D82A}">
+                    <a16:rowId xmlns:a16="http://schemas.microsoft.com/office/drawing/2014/main" val="3796194626"/>
+                  </a:ext>
+                </a:extLst>
+              </a:tr>
+              <a:tr h="299719">
+                <a:tc>
+                  <a:txBody>
+                    <a:bodyPr/>
+                    <a:lstStyle/>
+                    <a:p>
+                      <a:r>
+                        <a:rPr lang="it-IT" sz="1400"/>
+                        <a:t>MIN_PATIENCE</a:t>
+                      </a:r>
+                      <a:endParaRPr lang="it-IT" sz="1400" dirty="0"/>
+                    </a:p>
+                  </a:txBody>
+                  <a:tcPr marL="73903" marR="73903" marT="36951" marB="36951"/>
+                </a:tc>
+                <a:tc>
+                  <a:txBody>
+                    <a:bodyPr/>
+                    <a:lstStyle/>
+                    <a:p>
+                      <a:r>
+                        <a:rPr lang="it-IT" sz="1400" b="0" dirty="0"/>
+                        <a:t>-1</a:t>
+                      </a:r>
+                    </a:p>
+                  </a:txBody>
+                  <a:tcPr marL="73903" marR="73903" marT="36951" marB="36951"/>
+                </a:tc>
+                <a:extLst>
+                  <a:ext uri="{0D108BD9-81ED-4DB2-BD59-A6C34878D82A}">
+                    <a16:rowId xmlns:a16="http://schemas.microsoft.com/office/drawing/2014/main" val="3323455888"/>
+                  </a:ext>
+                </a:extLst>
+              </a:tr>
+              <a:tr h="299719">
+                <a:tc>
+                  <a:txBody>
+                    <a:bodyPr/>
+                    <a:lstStyle/>
+                    <a:p>
+                      <a:r>
+                        <a:rPr lang="it-IT" sz="1400"/>
+                        <a:t>MAX_PATIENCE</a:t>
+                      </a:r>
+                      <a:endParaRPr lang="it-IT" sz="1400" dirty="0"/>
+                    </a:p>
+                  </a:txBody>
+                  <a:tcPr marL="73903" marR="73903" marT="36951" marB="36951"/>
+                </a:tc>
+                <a:tc>
+                  <a:txBody>
+                    <a:bodyPr/>
+                    <a:lstStyle/>
+                    <a:p>
+                      <a:r>
+                        <a:rPr lang="it-IT" sz="1400" b="0" dirty="0"/>
+                        <a:t>18</a:t>
+                      </a:r>
+                    </a:p>
+                  </a:txBody>
+                  <a:tcPr marL="73903" marR="73903" marT="36951" marB="36951"/>
+                </a:tc>
+                <a:extLst>
+                  <a:ext uri="{0D108BD9-81ED-4DB2-BD59-A6C34878D82A}">
+                    <a16:rowId xmlns:a16="http://schemas.microsoft.com/office/drawing/2014/main" val="3060501633"/>
+                  </a:ext>
+                </a:extLst>
+              </a:tr>
+              <a:tr h="299719">
+                <a:tc>
+                  <a:txBody>
+                    <a:bodyPr/>
+                    <a:lstStyle/>
+                    <a:p>
+                      <a:r>
+                        <a:rPr lang="it-IT" sz="1400" dirty="0"/>
+                        <a:t>AUTO_AUTONOMY</a:t>
+                      </a:r>
+                    </a:p>
+                  </a:txBody>
+                  <a:tcPr marL="73903" marR="73903" marT="36951" marB="36951"/>
+                </a:tc>
+                <a:tc>
+                  <a:txBody>
+                    <a:bodyPr/>
+                    <a:lstStyle/>
+                    <a:p>
+                      <a:r>
+                        <a:rPr lang="it-IT" sz="1400" b="0" dirty="0"/>
+                        <a:t>100</a:t>
+                      </a:r>
+                    </a:p>
+                  </a:txBody>
+                  <a:tcPr marL="73903" marR="73903" marT="36951" marB="36951"/>
+                </a:tc>
+                <a:extLst>
+                  <a:ext uri="{0D108BD9-81ED-4DB2-BD59-A6C34878D82A}">
+                    <a16:rowId xmlns:a16="http://schemas.microsoft.com/office/drawing/2014/main" val="3807646652"/>
+                  </a:ext>
+                </a:extLst>
+              </a:tr>
+              <a:tr h="299719">
+                <a:tc>
+                  <a:txBody>
+                    <a:bodyPr/>
+                    <a:lstStyle/>
+                    <a:p>
+                      <a:r>
+                        <a:rPr lang="it-IT" sz="1400"/>
+                        <a:t>CHARGE_TIME</a:t>
+                      </a:r>
+                      <a:endParaRPr lang="it-IT" sz="1400" dirty="0"/>
+                    </a:p>
+                  </a:txBody>
+                  <a:tcPr marL="73903" marR="73903" marT="36951" marB="36951"/>
+                </a:tc>
+                <a:tc>
+                  <a:txBody>
+                    <a:bodyPr/>
+                    <a:lstStyle/>
+                    <a:p>
+                      <a:r>
+                        <a:rPr lang="it-IT" sz="1400"/>
+                        <a:t>60</a:t>
+                      </a:r>
+                      <a:endParaRPr lang="it-IT" sz="1400" dirty="0"/>
+                    </a:p>
+                  </a:txBody>
+                  <a:tcPr marL="73903" marR="73903" marT="36951" marB="36951"/>
+                </a:tc>
+                <a:extLst>
+                  <a:ext uri="{0D108BD9-81ED-4DB2-BD59-A6C34878D82A}">
+                    <a16:rowId xmlns:a16="http://schemas.microsoft.com/office/drawing/2014/main" val="3480994760"/>
+                  </a:ext>
+                </a:extLst>
+              </a:tr>
+              <a:tr h="299719">
+                <a:tc>
+                  <a:txBody>
+                    <a:bodyPr/>
+                    <a:lstStyle/>
+                    <a:p>
+                      <a:r>
+                        <a:rPr lang="it-IT" sz="1400"/>
+                        <a:t>OPERATORS_NUMBER</a:t>
+                      </a:r>
+                      <a:endParaRPr lang="it-IT" sz="1400" dirty="0"/>
+                    </a:p>
+                  </a:txBody>
+                  <a:tcPr marL="73903" marR="73903" marT="36951" marB="36951"/>
+                </a:tc>
+                <a:tc>
+                  <a:txBody>
+                    <a:bodyPr/>
+                    <a:lstStyle/>
+                    <a:p>
+                      <a:r>
+                        <a:rPr lang="it-IT" sz="1400" b="1" dirty="0"/>
+                        <a:t>10</a:t>
+                      </a:r>
+                    </a:p>
+                  </a:txBody>
+                  <a:tcPr marL="73903" marR="73903" marT="36951" marB="36951"/>
+                </a:tc>
+                <a:extLst>
+                  <a:ext uri="{0D108BD9-81ED-4DB2-BD59-A6C34878D82A}">
+                    <a16:rowId xmlns:a16="http://schemas.microsoft.com/office/drawing/2014/main" val="241709987"/>
+                  </a:ext>
+                </a:extLst>
+              </a:tr>
+              <a:tr h="299719">
+                <a:tc>
+                  <a:txBody>
+                    <a:bodyPr/>
+                    <a:lstStyle/>
+                    <a:p>
+                      <a:r>
+                        <a:rPr lang="it-IT" sz="1400"/>
+                        <a:t>RUN_UNTIL</a:t>
+                      </a:r>
+                      <a:endParaRPr lang="it-IT" sz="1400" dirty="0"/>
+                    </a:p>
+                  </a:txBody>
+                  <a:tcPr marL="73903" marR="73903" marT="36951" marB="36951"/>
+                </a:tc>
+                <a:tc>
+                  <a:txBody>
+                    <a:bodyPr/>
+                    <a:lstStyle/>
+                    <a:p>
+                      <a:r>
+                        <a:rPr lang="it-IT" sz="1400" b="0" dirty="0"/>
+                        <a:t>600</a:t>
+                      </a:r>
+                    </a:p>
+                  </a:txBody>
+                  <a:tcPr marL="73903" marR="73903" marT="36951" marB="36951"/>
+                </a:tc>
+                <a:extLst>
+                  <a:ext uri="{0D108BD9-81ED-4DB2-BD59-A6C34878D82A}">
+                    <a16:rowId xmlns:a16="http://schemas.microsoft.com/office/drawing/2014/main" val="2671885314"/>
+                  </a:ext>
+                </a:extLst>
+              </a:tr>
+            </a:tbl>
+          </a:graphicData>
+        </a:graphic>
+      </p:graphicFrame>
+    </p:spTree>
+    <p:extLst>
+      <p:ext uri="{BB962C8B-B14F-4D97-AF65-F5344CB8AC3E}">
+        <p14:creationId xmlns:p14="http://schemas.microsoft.com/office/powerpoint/2010/main" val="3128692390"/>
+      </p:ext>
+    </p:extLst>
+  </p:cSld>
+  <p:clrMapOvr>
+    <a:masterClrMapping/>
+  </p:clrMapOvr>
+</p:sld>
+</file>
+
+<file path=ppt/slides/slide15.xml><?xml version="1.0" encoding="utf-8"?>
+<p:sld xmlns:a="http://schemas.openxmlformats.org/drawingml/2006/main" xmlns:r="http://schemas.openxmlformats.org/officeDocument/2006/relationships" xmlns:p="http://schemas.openxmlformats.org/presentationml/2006/main">
+  <p:cSld>
+    <p:spTree>
+      <p:nvGrpSpPr>
+        <p:cNvPr id="1" name=""/>
+        <p:cNvGrpSpPr/>
+        <p:nvPr/>
+      </p:nvGrpSpPr>
+      <p:grpSpPr>
+        <a:xfrm>
+          <a:off x="0" y="0"/>
+          <a:ext cx="0" cy="0"/>
+          <a:chOff x="0" y="0"/>
+          <a:chExt cx="0" cy="0"/>
+        </a:xfrm>
+      </p:grpSpPr>
+      <p:pic>
+        <p:nvPicPr>
+          <p:cNvPr id="4" name="Immagine 3">
+            <a:extLst>
+              <a:ext uri="{FF2B5EF4-FFF2-40B4-BE49-F238E27FC236}">
+                <a16:creationId xmlns:a16="http://schemas.microsoft.com/office/drawing/2014/main" id="{5AF901A0-4F2A-427B-8BDD-A52A89C73FDE}"/>
+              </a:ext>
+            </a:extLst>
+          </p:cNvPr>
+          <p:cNvPicPr>
+            <a:picLocks noChangeAspect="1"/>
+          </p:cNvPicPr>
+          <p:nvPr/>
+        </p:nvPicPr>
+        <p:blipFill>
+          <a:blip r:embed="rId2"/>
+          <a:stretch>
+            <a:fillRect/>
+          </a:stretch>
+        </p:blipFill>
+        <p:spPr>
+          <a:xfrm>
+            <a:off x="5687601" y="886434"/>
+            <a:ext cx="5620833" cy="4215625"/>
+          </a:xfrm>
+          <a:prstGeom prst="rect">
+            <a:avLst/>
+          </a:prstGeom>
+        </p:spPr>
+      </p:pic>
+      <p:sp>
+        <p:nvSpPr>
+          <p:cNvPr id="2" name="Titolo 1">
+            <a:extLst>
+              <a:ext uri="{FF2B5EF4-FFF2-40B4-BE49-F238E27FC236}">
+                <a16:creationId xmlns:a16="http://schemas.microsoft.com/office/drawing/2014/main" id="{48396209-94C2-43BE-B608-FBB302DE7F2C}"/>
+              </a:ext>
+            </a:extLst>
+          </p:cNvPr>
+          <p:cNvSpPr>
+            <a:spLocks noGrp="1"/>
+          </p:cNvSpPr>
+          <p:nvPr>
+            <p:ph type="title"/>
+          </p:nvPr>
+        </p:nvSpPr>
+        <p:spPr>
+          <a:xfrm>
+            <a:off x="669524" y="365125"/>
+            <a:ext cx="6894250" cy="1042618"/>
+          </a:xfrm>
+        </p:spPr>
+        <p:txBody>
+          <a:bodyPr>
+            <a:normAutofit fontScale="90000"/>
+          </a:bodyPr>
+          <a:lstStyle/>
+          <a:p>
+            <a:r>
+              <a:rPr lang="it-IT" b="1" dirty="0"/>
+              <a:t>By </a:t>
+            </a:r>
+            <a:r>
+              <a:rPr lang="it-IT" b="1" dirty="0" err="1"/>
+              <a:t>decreasing</a:t>
+            </a:r>
+            <a:r>
+              <a:rPr lang="it-IT" b="1" dirty="0"/>
+              <a:t> the </a:t>
+            </a:r>
+            <a:r>
+              <a:rPr lang="it-IT" b="1" dirty="0" err="1"/>
+              <a:t>charge</a:t>
+            </a:r>
+            <a:r>
+              <a:rPr lang="it-IT" b="1" dirty="0"/>
+              <a:t> time </a:t>
+            </a:r>
+            <a:r>
+              <a:rPr lang="it-IT" dirty="0"/>
+              <a:t>:</a:t>
+            </a:r>
+          </a:p>
+        </p:txBody>
+      </p:sp>
+      <p:sp>
+        <p:nvSpPr>
+          <p:cNvPr id="10" name="CasellaDiTesto 9">
+            <a:extLst>
+              <a:ext uri="{FF2B5EF4-FFF2-40B4-BE49-F238E27FC236}">
+                <a16:creationId xmlns:a16="http://schemas.microsoft.com/office/drawing/2014/main" id="{06C0047F-F409-4952-90F3-E934FFEA4AED}"/>
+              </a:ext>
+            </a:extLst>
+          </p:cNvPr>
+          <p:cNvSpPr txBox="1"/>
+          <p:nvPr/>
+        </p:nvSpPr>
+        <p:spPr>
+          <a:xfrm>
+            <a:off x="4048216" y="5128654"/>
+            <a:ext cx="7723573" cy="646331"/>
+          </a:xfrm>
+          <a:prstGeom prst="rect">
+            <a:avLst/>
+          </a:prstGeom>
+          <a:noFill/>
+        </p:spPr>
+        <p:txBody>
+          <a:bodyPr wrap="square" rtlCol="0">
+            <a:spAutoFit/>
+          </a:bodyPr>
+          <a:lstStyle/>
+          <a:p>
+            <a:r>
+              <a:rPr lang="en-US" dirty="0"/>
+              <a:t>By decreasing the charge time, we can see that the operators work for less time and the waiting queue is almost null and all users receive their cars.</a:t>
+            </a:r>
+            <a:endParaRPr lang="it-IT" dirty="0"/>
+          </a:p>
+        </p:txBody>
+      </p:sp>
+      <p:graphicFrame>
+        <p:nvGraphicFramePr>
+          <p:cNvPr id="11" name="Tabella 5">
+            <a:extLst>
+              <a:ext uri="{FF2B5EF4-FFF2-40B4-BE49-F238E27FC236}">
+                <a16:creationId xmlns:a16="http://schemas.microsoft.com/office/drawing/2014/main" id="{011A5188-F802-4AED-B295-FB7AE9E62AC5}"/>
+              </a:ext>
+            </a:extLst>
+          </p:cNvPr>
+          <p:cNvGraphicFramePr>
+            <a:graphicFrameLocks noGrp="1"/>
+          </p:cNvGraphicFramePr>
+          <p:nvPr>
+            <p:extLst>
+              <p:ext uri="{D42A27DB-BD31-4B8C-83A1-F6EECF244321}">
+                <p14:modId xmlns:p14="http://schemas.microsoft.com/office/powerpoint/2010/main" val="442394217"/>
+              </p:ext>
+            </p:extLst>
+          </p:nvPr>
+        </p:nvGraphicFramePr>
+        <p:xfrm>
+          <a:off x="838200" y="1831745"/>
+          <a:ext cx="2626878" cy="3296909"/>
+        </p:xfrm>
+        <a:graphic>
+          <a:graphicData uri="http://schemas.openxmlformats.org/drawingml/2006/table">
+            <a:tbl>
+              <a:tblPr firstRow="1" bandRow="1">
+                <a:tableStyleId>{5C22544A-7EE6-4342-B048-85BDC9FD1C3A}</a:tableStyleId>
+              </a:tblPr>
+              <a:tblGrid>
+                <a:gridCol w="1909369">
+                  <a:extLst>
+                    <a:ext uri="{9D8B030D-6E8A-4147-A177-3AD203B41FA5}">
+                      <a16:colId xmlns:a16="http://schemas.microsoft.com/office/drawing/2014/main" val="3591313908"/>
+                    </a:ext>
+                  </a:extLst>
+                </a:gridCol>
+                <a:gridCol w="717509">
+                  <a:extLst>
+                    <a:ext uri="{9D8B030D-6E8A-4147-A177-3AD203B41FA5}">
+                      <a16:colId xmlns:a16="http://schemas.microsoft.com/office/drawing/2014/main" val="4099186437"/>
+                    </a:ext>
+                  </a:extLst>
+                </a:gridCol>
+              </a:tblGrid>
+              <a:tr h="299719">
+                <a:tc>
+                  <a:txBody>
+                    <a:bodyPr/>
+                    <a:lstStyle/>
+                    <a:p>
+                      <a:r>
+                        <a:rPr lang="it-IT" sz="1400"/>
+                        <a:t>VARIABLE NAME</a:t>
+                      </a:r>
+                      <a:endParaRPr lang="it-IT" sz="1400" dirty="0"/>
+                    </a:p>
+                  </a:txBody>
+                  <a:tcPr marL="73903" marR="73903" marT="36951" marB="36951"/>
+                </a:tc>
+                <a:tc>
+                  <a:txBody>
+                    <a:bodyPr/>
+                    <a:lstStyle/>
+                    <a:p>
+                      <a:r>
+                        <a:rPr lang="it-IT" sz="1400" dirty="0"/>
+                        <a:t>VALUE</a:t>
+                      </a:r>
+                    </a:p>
+                  </a:txBody>
+                  <a:tcPr marL="73903" marR="73903" marT="36951" marB="36951"/>
+                </a:tc>
+                <a:extLst>
+                  <a:ext uri="{0D108BD9-81ED-4DB2-BD59-A6C34878D82A}">
+                    <a16:rowId xmlns:a16="http://schemas.microsoft.com/office/drawing/2014/main" val="1531261294"/>
+                  </a:ext>
+                </a:extLst>
+              </a:tr>
+              <a:tr h="299719">
+                <a:tc>
+                  <a:txBody>
+                    <a:bodyPr/>
+                    <a:lstStyle/>
+                    <a:p>
+                      <a:r>
+                        <a:rPr lang="it-IT" sz="1400"/>
+                        <a:t>CAR_USAGE_TIME</a:t>
+                      </a:r>
+                      <a:endParaRPr lang="it-IT" sz="1400" dirty="0"/>
+                    </a:p>
+                  </a:txBody>
+                  <a:tcPr marL="73903" marR="73903" marT="36951" marB="36951"/>
+                </a:tc>
+                <a:tc>
+                  <a:txBody>
+                    <a:bodyPr/>
+                    <a:lstStyle/>
+                    <a:p>
+                      <a:r>
+                        <a:rPr lang="it-IT" sz="1400"/>
+                        <a:t>(28,35)</a:t>
+                      </a:r>
+                      <a:endParaRPr lang="it-IT" sz="1400" dirty="0"/>
+                    </a:p>
+                  </a:txBody>
+                  <a:tcPr marL="73903" marR="73903" marT="36951" marB="36951"/>
+                </a:tc>
+                <a:extLst>
+                  <a:ext uri="{0D108BD9-81ED-4DB2-BD59-A6C34878D82A}">
+                    <a16:rowId xmlns:a16="http://schemas.microsoft.com/office/drawing/2014/main" val="612445165"/>
+                  </a:ext>
+                </a:extLst>
+              </a:tr>
+              <a:tr h="299719">
+                <a:tc>
+                  <a:txBody>
+                    <a:bodyPr/>
+                    <a:lstStyle/>
+                    <a:p>
+                      <a:r>
+                        <a:rPr lang="it-IT" sz="1400" dirty="0"/>
+                        <a:t>USER_SPAWN_TIME</a:t>
+                      </a:r>
+                    </a:p>
+                  </a:txBody>
+                  <a:tcPr marL="73903" marR="73903" marT="36951" marB="36951"/>
+                </a:tc>
+                <a:tc>
+                  <a:txBody>
+                    <a:bodyPr/>
+                    <a:lstStyle/>
+                    <a:p>
+                      <a:r>
+                        <a:rPr lang="it-IT" sz="1400"/>
+                        <a:t>(1,2)</a:t>
+                      </a:r>
+                      <a:endParaRPr lang="it-IT" sz="1400" dirty="0"/>
+                    </a:p>
+                  </a:txBody>
+                  <a:tcPr marL="73903" marR="73903" marT="36951" marB="36951"/>
+                </a:tc>
+                <a:extLst>
+                  <a:ext uri="{0D108BD9-81ED-4DB2-BD59-A6C34878D82A}">
+                    <a16:rowId xmlns:a16="http://schemas.microsoft.com/office/drawing/2014/main" val="2753196774"/>
+                  </a:ext>
+                </a:extLst>
+              </a:tr>
+              <a:tr h="299719">
+                <a:tc>
+                  <a:txBody>
+                    <a:bodyPr/>
+                    <a:lstStyle/>
+                    <a:p>
+                      <a:r>
+                        <a:rPr lang="it-IT" sz="1400"/>
+                        <a:t>CARS_NUMBER</a:t>
+                      </a:r>
+                      <a:endParaRPr lang="it-IT" sz="1400" dirty="0"/>
+                    </a:p>
+                  </a:txBody>
+                  <a:tcPr marL="73903" marR="73903" marT="36951" marB="36951"/>
+                </a:tc>
+                <a:tc>
+                  <a:txBody>
+                    <a:bodyPr/>
+                    <a:lstStyle/>
+                    <a:p>
+                      <a:r>
+                        <a:rPr lang="it-IT" sz="1400" b="0" dirty="0"/>
+                        <a:t>30</a:t>
+                      </a:r>
+                    </a:p>
+                  </a:txBody>
+                  <a:tcPr marL="73903" marR="73903" marT="36951" marB="36951"/>
+                </a:tc>
+                <a:extLst>
+                  <a:ext uri="{0D108BD9-81ED-4DB2-BD59-A6C34878D82A}">
+                    <a16:rowId xmlns:a16="http://schemas.microsoft.com/office/drawing/2014/main" val="613190031"/>
+                  </a:ext>
+                </a:extLst>
+              </a:tr>
+              <a:tr h="299719">
+                <a:tc>
+                  <a:txBody>
+                    <a:bodyPr/>
+                    <a:lstStyle/>
+                    <a:p>
+                      <a:r>
+                        <a:rPr lang="it-IT" sz="1400"/>
+                        <a:t>MAX_NUMB_USERS</a:t>
+                      </a:r>
+                      <a:endParaRPr lang="it-IT" sz="1400" dirty="0"/>
+                    </a:p>
+                  </a:txBody>
+                  <a:tcPr marL="73903" marR="73903" marT="36951" marB="36951"/>
+                </a:tc>
+                <a:tc>
+                  <a:txBody>
+                    <a:bodyPr/>
+                    <a:lstStyle/>
+                    <a:p>
+                      <a:r>
+                        <a:rPr lang="it-IT" sz="1400" b="0" dirty="0"/>
+                        <a:t>300</a:t>
+                      </a:r>
+                    </a:p>
+                  </a:txBody>
+                  <a:tcPr marL="73903" marR="73903" marT="36951" marB="36951"/>
+                </a:tc>
+                <a:extLst>
+                  <a:ext uri="{0D108BD9-81ED-4DB2-BD59-A6C34878D82A}">
+                    <a16:rowId xmlns:a16="http://schemas.microsoft.com/office/drawing/2014/main" val="3796194626"/>
+                  </a:ext>
+                </a:extLst>
+              </a:tr>
+              <a:tr h="299719">
+                <a:tc>
+                  <a:txBody>
+                    <a:bodyPr/>
+                    <a:lstStyle/>
+                    <a:p>
+                      <a:r>
+                        <a:rPr lang="it-IT" sz="1400"/>
+                        <a:t>MIN_PATIENCE</a:t>
+                      </a:r>
+                      <a:endParaRPr lang="it-IT" sz="1400" dirty="0"/>
+                    </a:p>
+                  </a:txBody>
+                  <a:tcPr marL="73903" marR="73903" marT="36951" marB="36951"/>
+                </a:tc>
+                <a:tc>
+                  <a:txBody>
+                    <a:bodyPr/>
+                    <a:lstStyle/>
+                    <a:p>
+                      <a:r>
+                        <a:rPr lang="it-IT" sz="1400" b="0" dirty="0"/>
+                        <a:t>-1</a:t>
+                      </a:r>
+                    </a:p>
+                  </a:txBody>
+                  <a:tcPr marL="73903" marR="73903" marT="36951" marB="36951"/>
+                </a:tc>
+                <a:extLst>
+                  <a:ext uri="{0D108BD9-81ED-4DB2-BD59-A6C34878D82A}">
+                    <a16:rowId xmlns:a16="http://schemas.microsoft.com/office/drawing/2014/main" val="3323455888"/>
+                  </a:ext>
+                </a:extLst>
+              </a:tr>
+              <a:tr h="299719">
+                <a:tc>
+                  <a:txBody>
+                    <a:bodyPr/>
+                    <a:lstStyle/>
+                    <a:p>
+                      <a:r>
+                        <a:rPr lang="it-IT" sz="1400"/>
+                        <a:t>MAX_PATIENCE</a:t>
+                      </a:r>
+                      <a:endParaRPr lang="it-IT" sz="1400" dirty="0"/>
+                    </a:p>
+                  </a:txBody>
+                  <a:tcPr marL="73903" marR="73903" marT="36951" marB="36951"/>
+                </a:tc>
+                <a:tc>
+                  <a:txBody>
+                    <a:bodyPr/>
+                    <a:lstStyle/>
+                    <a:p>
+                      <a:r>
+                        <a:rPr lang="it-IT" sz="1400" b="0" dirty="0"/>
+                        <a:t>18</a:t>
+                      </a:r>
+                    </a:p>
+                  </a:txBody>
+                  <a:tcPr marL="73903" marR="73903" marT="36951" marB="36951"/>
+                </a:tc>
+                <a:extLst>
+                  <a:ext uri="{0D108BD9-81ED-4DB2-BD59-A6C34878D82A}">
+                    <a16:rowId xmlns:a16="http://schemas.microsoft.com/office/drawing/2014/main" val="3060501633"/>
+                  </a:ext>
+                </a:extLst>
+              </a:tr>
+              <a:tr h="299719">
+                <a:tc>
+                  <a:txBody>
+                    <a:bodyPr/>
+                    <a:lstStyle/>
+                    <a:p>
+                      <a:r>
+                        <a:rPr lang="it-IT" sz="1400" dirty="0"/>
+                        <a:t>AUTO_AUTONOMY</a:t>
+                      </a:r>
+                    </a:p>
+                  </a:txBody>
+                  <a:tcPr marL="73903" marR="73903" marT="36951" marB="36951"/>
+                </a:tc>
+                <a:tc>
+                  <a:txBody>
+                    <a:bodyPr/>
+                    <a:lstStyle/>
+                    <a:p>
+                      <a:r>
+                        <a:rPr lang="it-IT" sz="1400" b="0" dirty="0"/>
+                        <a:t>100</a:t>
+                      </a:r>
+                    </a:p>
+                  </a:txBody>
+                  <a:tcPr marL="73903" marR="73903" marT="36951" marB="36951"/>
+                </a:tc>
+                <a:extLst>
+                  <a:ext uri="{0D108BD9-81ED-4DB2-BD59-A6C34878D82A}">
+                    <a16:rowId xmlns:a16="http://schemas.microsoft.com/office/drawing/2014/main" val="3807646652"/>
+                  </a:ext>
+                </a:extLst>
+              </a:tr>
+              <a:tr h="299719">
+                <a:tc>
+                  <a:txBody>
+                    <a:bodyPr/>
+                    <a:lstStyle/>
+                    <a:p>
+                      <a:r>
+                        <a:rPr lang="it-IT" sz="1400"/>
+                        <a:t>CHARGE_TIME</a:t>
+                      </a:r>
+                      <a:endParaRPr lang="it-IT" sz="1400" dirty="0"/>
+                    </a:p>
+                  </a:txBody>
+                  <a:tcPr marL="73903" marR="73903" marT="36951" marB="36951"/>
+                </a:tc>
+                <a:tc>
+                  <a:txBody>
+                    <a:bodyPr/>
+                    <a:lstStyle/>
+                    <a:p>
+                      <a:r>
+                        <a:rPr lang="it-IT" sz="1400" b="1" dirty="0"/>
+                        <a:t>20</a:t>
+                      </a:r>
+                    </a:p>
+                  </a:txBody>
+                  <a:tcPr marL="73903" marR="73903" marT="36951" marB="36951"/>
+                </a:tc>
+                <a:extLst>
+                  <a:ext uri="{0D108BD9-81ED-4DB2-BD59-A6C34878D82A}">
+                    <a16:rowId xmlns:a16="http://schemas.microsoft.com/office/drawing/2014/main" val="3480994760"/>
+                  </a:ext>
+                </a:extLst>
+              </a:tr>
+              <a:tr h="299719">
+                <a:tc>
+                  <a:txBody>
+                    <a:bodyPr/>
+                    <a:lstStyle/>
+                    <a:p>
+                      <a:r>
+                        <a:rPr lang="it-IT" sz="1400"/>
+                        <a:t>OPERATORS_NUMBER</a:t>
+                      </a:r>
+                      <a:endParaRPr lang="it-IT" sz="1400" dirty="0"/>
+                    </a:p>
+                  </a:txBody>
+                  <a:tcPr marL="73903" marR="73903" marT="36951" marB="36951"/>
+                </a:tc>
+                <a:tc>
+                  <a:txBody>
+                    <a:bodyPr/>
+                    <a:lstStyle/>
+                    <a:p>
+                      <a:r>
+                        <a:rPr lang="it-IT" sz="1400" b="0" dirty="0"/>
+                        <a:t>10</a:t>
+                      </a:r>
+                    </a:p>
+                  </a:txBody>
+                  <a:tcPr marL="73903" marR="73903" marT="36951" marB="36951"/>
+                </a:tc>
+                <a:extLst>
+                  <a:ext uri="{0D108BD9-81ED-4DB2-BD59-A6C34878D82A}">
+                    <a16:rowId xmlns:a16="http://schemas.microsoft.com/office/drawing/2014/main" val="241709987"/>
+                  </a:ext>
+                </a:extLst>
+              </a:tr>
+              <a:tr h="299719">
+                <a:tc>
+                  <a:txBody>
+                    <a:bodyPr/>
+                    <a:lstStyle/>
+                    <a:p>
+                      <a:r>
+                        <a:rPr lang="it-IT" sz="1400"/>
+                        <a:t>RUN_UNTIL</a:t>
+                      </a:r>
+                      <a:endParaRPr lang="it-IT" sz="1400" dirty="0"/>
+                    </a:p>
+                  </a:txBody>
+                  <a:tcPr marL="73903" marR="73903" marT="36951" marB="36951"/>
+                </a:tc>
+                <a:tc>
+                  <a:txBody>
+                    <a:bodyPr/>
+                    <a:lstStyle/>
+                    <a:p>
+                      <a:r>
+                        <a:rPr lang="it-IT" sz="1400" b="0" dirty="0"/>
+                        <a:t>600</a:t>
+                      </a:r>
+                    </a:p>
+                  </a:txBody>
+                  <a:tcPr marL="73903" marR="73903" marT="36951" marB="36951"/>
+                </a:tc>
+                <a:extLst>
+                  <a:ext uri="{0D108BD9-81ED-4DB2-BD59-A6C34878D82A}">
+                    <a16:rowId xmlns:a16="http://schemas.microsoft.com/office/drawing/2014/main" val="2671885314"/>
+                  </a:ext>
+                </a:extLst>
+              </a:tr>
+            </a:tbl>
+          </a:graphicData>
+        </a:graphic>
+      </p:graphicFrame>
+    </p:spTree>
+    <p:extLst>
+      <p:ext uri="{BB962C8B-B14F-4D97-AF65-F5344CB8AC3E}">
+        <p14:creationId xmlns:p14="http://schemas.microsoft.com/office/powerpoint/2010/main" val="70612741"/>
+      </p:ext>
+    </p:extLst>
+  </p:cSld>
+  <p:clrMapOvr>
+    <a:masterClrMapping/>
+  </p:clrMapOvr>
+</p:sld>
+</file>
+
+<file path=ppt/slides/slide16.xml><?xml version="1.0" encoding="utf-8"?>
+<p:sld xmlns:a="http://schemas.openxmlformats.org/drawingml/2006/main" xmlns:r="http://schemas.openxmlformats.org/officeDocument/2006/relationships" xmlns:p="http://schemas.openxmlformats.org/presentationml/2006/main">
+  <p:cSld>
+    <p:bg>
+      <p:bgPr>
+        <a:solidFill>
+          <a:schemeClr val="bg1"/>
+        </a:solidFill>
+        <a:effectLst/>
+      </p:bgPr>
+    </p:bg>
+    <p:spTree>
+      <p:nvGrpSpPr>
+        <p:cNvPr id="1" name=""/>
+        <p:cNvGrpSpPr/>
+        <p:nvPr/>
+      </p:nvGrpSpPr>
+      <p:grpSpPr>
+        <a:xfrm>
+          <a:off x="0" y="0"/>
+          <a:ext cx="0" cy="0"/>
+          <a:chOff x="0" y="0"/>
+          <a:chExt cx="0" cy="0"/>
+        </a:xfrm>
+      </p:grpSpPr>
+      <p:sp useBgFill="1">
+        <p:nvSpPr>
+          <p:cNvPr id="41" name="Rectangle 23">
+            <a:extLst>
+              <a:ext uri="{FF2B5EF4-FFF2-40B4-BE49-F238E27FC236}">
+                <a16:creationId xmlns:a16="http://schemas.microsoft.com/office/drawing/2014/main" id="{EEFC5A63-68D6-4DC9-98B1-C2BDCE2E212D}"/>
+              </a:ext>
+              <a:ext uri="{C183D7F6-B498-43B3-948B-1728B52AA6E4}">
+                <adec:decorative xmlns:adec="http://schemas.microsoft.com/office/drawing/2017/decorative" val="1"/>
+              </a:ext>
+            </a:extLst>
+          </p:cNvPr>
+          <p:cNvSpPr>
+            <a:spLocks noGrp="1" noRot="1" noChangeAspect="1" noMove="1" noResize="1" noEditPoints="1" noAdjustHandles="1" noChangeArrowheads="1" noChangeShapeType="1" noTextEdit="1"/>
+          </p:cNvSpPr>
+          <p:nvPr>
+            <p:extLst>
+              <p:ext uri="{386F3935-93C4-4BCD-93E2-E3B085C9AB24}">
+                <p16:designElem xmlns:p16="http://schemas.microsoft.com/office/powerpoint/2015/main" val="1"/>
+              </p:ext>
+            </p:extLst>
+          </p:nvPr>
+        </p:nvSpPr>
+        <p:spPr>
+          <a:xfrm>
+            <a:off x="0" y="0"/>
+            <a:ext cx="12188952" cy="6858000"/>
+          </a:xfrm>
+          <a:prstGeom prst="rect">
+            <a:avLst/>
+          </a:prstGeom>
+          <a:ln>
+            <a:noFill/>
+          </a:ln>
+        </p:spPr>
+        <p:style>
+          <a:lnRef idx="2">
+            <a:schemeClr val="accent1">
+              <a:shade val="50000"/>
+            </a:schemeClr>
+          </a:lnRef>
+          <a:fillRef idx="1">
+            <a:schemeClr val="accent1"/>
+          </a:fillRef>
+          <a:effectRef idx="0">
+            <a:schemeClr val="accent1"/>
+          </a:effectRef>
+          <a:fontRef idx="minor">
+            <a:schemeClr val="lt1"/>
+          </a:fontRef>
+        </p:style>
+        <p:txBody>
+          <a:bodyPr rtlCol="0" anchor="ctr"/>
+          <a:lstStyle/>
+          <a:p>
+            <a:pPr algn="ctr"/>
+            <a:endParaRPr lang="en-US"/>
+          </a:p>
+        </p:txBody>
+      </p:sp>
+      <p:sp>
+        <p:nvSpPr>
+          <p:cNvPr id="42" name="Freeform 6">
+            <a:extLst>
+              <a:ext uri="{FF2B5EF4-FFF2-40B4-BE49-F238E27FC236}">
+                <a16:creationId xmlns:a16="http://schemas.microsoft.com/office/drawing/2014/main" id="{98696089-5956-4C6A-B8CF-020E45F618DB}"/>
+              </a:ext>
+              <a:ext uri="{C183D7F6-B498-43B3-948B-1728B52AA6E4}">
+                <adec:decorative xmlns:adec="http://schemas.microsoft.com/office/drawing/2017/decorative" val="1"/>
+              </a:ext>
+            </a:extLst>
+          </p:cNvPr>
+          <p:cNvSpPr>
+            <a:spLocks noGrp="1" noRot="1" noChangeAspect="1" noMove="1" noResize="1" noEditPoints="1" noAdjustHandles="1" noChangeArrowheads="1" noChangeShapeType="1" noTextEdit="1"/>
+          </p:cNvSpPr>
+          <p:nvPr>
+            <p:extLst>
+              <p:ext uri="{386F3935-93C4-4BCD-93E2-E3B085C9AB24}">
+                <p16:designElem xmlns:p16="http://schemas.microsoft.com/office/powerpoint/2015/main" val="1"/>
+              </p:ext>
+            </p:extLst>
+          </p:nvPr>
+        </p:nvSpPr>
+        <p:spPr bwMode="auto">
+          <a:xfrm>
+            <a:off x="6794214" y="900814"/>
+            <a:ext cx="759618" cy="5710965"/>
+          </a:xfrm>
+          <a:custGeom>
+            <a:avLst/>
+            <a:gdLst>
+              <a:gd name="T0" fmla="*/ 414 w 414"/>
+              <a:gd name="T1" fmla="*/ 2447 h 2447"/>
+              <a:gd name="T2" fmla="*/ 0 w 414"/>
+              <a:gd name="T3" fmla="*/ 2247 h 2447"/>
+              <a:gd name="T4" fmla="*/ 0 w 414"/>
+              <a:gd name="T5" fmla="*/ 0 h 2447"/>
+              <a:gd name="T6" fmla="*/ 414 w 414"/>
+              <a:gd name="T7" fmla="*/ 200 h 2447"/>
+              <a:gd name="T8" fmla="*/ 414 w 414"/>
+              <a:gd name="T9" fmla="*/ 2447 h 2447"/>
+            </a:gdLst>
+            <a:ahLst/>
+            <a:cxnLst>
+              <a:cxn ang="0">
+                <a:pos x="T0" y="T1"/>
+              </a:cxn>
+              <a:cxn ang="0">
+                <a:pos x="T2" y="T3"/>
+              </a:cxn>
+              <a:cxn ang="0">
+                <a:pos x="T4" y="T5"/>
+              </a:cxn>
+              <a:cxn ang="0">
+                <a:pos x="T6" y="T7"/>
+              </a:cxn>
+              <a:cxn ang="0">
+                <a:pos x="T8" y="T9"/>
+              </a:cxn>
+            </a:cxnLst>
+            <a:rect l="0" t="0" r="r" b="b"/>
+            <a:pathLst>
+              <a:path w="414" h="2447">
+                <a:moveTo>
+                  <a:pt x="414" y="2447"/>
+                </a:moveTo>
+                <a:lnTo>
+                  <a:pt x="0" y="2247"/>
+                </a:lnTo>
+                <a:lnTo>
+                  <a:pt x="0" y="0"/>
+                </a:lnTo>
+                <a:lnTo>
+                  <a:pt x="414" y="200"/>
+                </a:lnTo>
+                <a:lnTo>
+                  <a:pt x="414" y="2447"/>
+                </a:lnTo>
+                <a:close/>
+              </a:path>
+            </a:pathLst>
+          </a:custGeom>
+          <a:solidFill>
+            <a:schemeClr val="accent1">
+              <a:lumMod val="75000"/>
+            </a:schemeClr>
+          </a:solidFill>
+          <a:ln>
+            <a:noFill/>
+          </a:ln>
+        </p:spPr>
+        <p:txBody>
+          <a:bodyPr vert="horz" wrap="square" lIns="91440" tIns="45720" rIns="91440" bIns="45720" numCol="1" anchor="t" anchorCtr="0" compatLnSpc="1">
+            <a:prstTxWarp prst="textNoShape">
+              <a:avLst/>
+            </a:prstTxWarp>
+          </a:bodyPr>
+          <a:lstStyle/>
+          <a:p>
+            <a:endParaRPr lang="en-US"/>
+          </a:p>
+        </p:txBody>
+      </p:sp>
+      <p:sp>
+        <p:nvSpPr>
+          <p:cNvPr id="43" name="Freeform 7">
+            <a:extLst>
+              <a:ext uri="{FF2B5EF4-FFF2-40B4-BE49-F238E27FC236}">
+                <a16:creationId xmlns:a16="http://schemas.microsoft.com/office/drawing/2014/main" id="{D2187C0E-E9DF-4786-B29C-0547C9F6F92B}"/>
+              </a:ext>
+              <a:ext uri="{C183D7F6-B498-43B3-948B-1728B52AA6E4}">
+                <adec:decorative xmlns:adec="http://schemas.microsoft.com/office/drawing/2017/decorative" val="1"/>
+              </a:ext>
+            </a:extLst>
+          </p:cNvPr>
+          <p:cNvSpPr>
+            <a:spLocks noGrp="1" noRot="1" noChangeAspect="1" noMove="1" noResize="1" noEditPoints="1" noAdjustHandles="1" noChangeArrowheads="1" noChangeShapeType="1" noTextEdit="1"/>
+          </p:cNvSpPr>
+          <p:nvPr>
+            <p:extLst>
+              <p:ext uri="{386F3935-93C4-4BCD-93E2-E3B085C9AB24}">
+                <p16:designElem xmlns:p16="http://schemas.microsoft.com/office/powerpoint/2015/main" val="1"/>
+              </p:ext>
+            </p:extLst>
+          </p:nvPr>
+        </p:nvSpPr>
+        <p:spPr bwMode="auto">
+          <a:xfrm>
+            <a:off x="6792875" y="633165"/>
+            <a:ext cx="482654" cy="5521414"/>
+          </a:xfrm>
+          <a:custGeom>
+            <a:avLst/>
+            <a:gdLst>
+              <a:gd name="T0" fmla="*/ 209 w 209"/>
+              <a:gd name="T1" fmla="*/ 2246 h 2358"/>
+              <a:gd name="T2" fmla="*/ 0 w 209"/>
+              <a:gd name="T3" fmla="*/ 2358 h 2358"/>
+              <a:gd name="T4" fmla="*/ 0 w 209"/>
+              <a:gd name="T5" fmla="*/ 111 h 2358"/>
+              <a:gd name="T6" fmla="*/ 209 w 209"/>
+              <a:gd name="T7" fmla="*/ 0 h 2358"/>
+              <a:gd name="T8" fmla="*/ 209 w 209"/>
+              <a:gd name="T9" fmla="*/ 2246 h 2358"/>
+            </a:gdLst>
+            <a:ahLst/>
+            <a:cxnLst>
+              <a:cxn ang="0">
+                <a:pos x="T0" y="T1"/>
+              </a:cxn>
+              <a:cxn ang="0">
+                <a:pos x="T2" y="T3"/>
+              </a:cxn>
+              <a:cxn ang="0">
+                <a:pos x="T4" y="T5"/>
+              </a:cxn>
+              <a:cxn ang="0">
+                <a:pos x="T6" y="T7"/>
+              </a:cxn>
+              <a:cxn ang="0">
+                <a:pos x="T8" y="T9"/>
+              </a:cxn>
+            </a:cxnLst>
+            <a:rect l="0" t="0" r="r" b="b"/>
+            <a:pathLst>
+              <a:path w="209" h="2358">
+                <a:moveTo>
+                  <a:pt x="209" y="2246"/>
+                </a:moveTo>
+                <a:lnTo>
+                  <a:pt x="0" y="2358"/>
+                </a:lnTo>
+                <a:lnTo>
+                  <a:pt x="0" y="111"/>
+                </a:lnTo>
+                <a:lnTo>
+                  <a:pt x="209" y="0"/>
+                </a:lnTo>
+                <a:lnTo>
+                  <a:pt x="209" y="2246"/>
+                </a:lnTo>
+                <a:close/>
+              </a:path>
+            </a:pathLst>
+          </a:custGeom>
+          <a:solidFill>
+            <a:schemeClr val="accent1">
+              <a:lumMod val="50000"/>
+            </a:schemeClr>
+          </a:solidFill>
+          <a:ln>
+            <a:noFill/>
+          </a:ln>
+        </p:spPr>
+        <p:txBody>
+          <a:bodyPr vert="horz" wrap="square" lIns="91440" tIns="45720" rIns="91440" bIns="45720" numCol="1" anchor="t" anchorCtr="0" compatLnSpc="1">
+            <a:prstTxWarp prst="textNoShape">
+              <a:avLst/>
+            </a:prstTxWarp>
+          </a:bodyPr>
+          <a:lstStyle/>
+          <a:p>
+            <a:endParaRPr lang="en-US"/>
+          </a:p>
+        </p:txBody>
+      </p:sp>
+      <p:sp>
+        <p:nvSpPr>
+          <p:cNvPr id="44" name="Rectangle 8">
+            <a:extLst>
+              <a:ext uri="{FF2B5EF4-FFF2-40B4-BE49-F238E27FC236}">
+                <a16:creationId xmlns:a16="http://schemas.microsoft.com/office/drawing/2014/main" id="{FFFD7CA3-4CDC-48B8-9010-DDC3DF392D21}"/>
+              </a:ext>
+              <a:ext uri="{C183D7F6-B498-43B3-948B-1728B52AA6E4}">
+                <adec:decorative xmlns:adec="http://schemas.microsoft.com/office/drawing/2017/decorative" val="1"/>
+              </a:ext>
+            </a:extLst>
+          </p:cNvPr>
+          <p:cNvSpPr>
+            <a:spLocks noGrp="1" noRot="1" noChangeAspect="1" noMove="1" noResize="1" noEditPoints="1" noAdjustHandles="1" noChangeArrowheads="1" noChangeShapeType="1" noTextEdit="1"/>
+          </p:cNvSpPr>
+          <p:nvPr>
+            <p:extLst>
+              <p:ext uri="{386F3935-93C4-4BCD-93E2-E3B085C9AB24}">
+                <p16:designElem xmlns:p16="http://schemas.microsoft.com/office/powerpoint/2015/main" val="1"/>
+              </p:ext>
+            </p:extLst>
+          </p:nvPr>
+        </p:nvSpPr>
+        <p:spPr bwMode="auto">
+          <a:xfrm>
+            <a:off x="-1" y="634080"/>
+            <a:ext cx="7275530" cy="5251646"/>
+          </a:xfrm>
+          <a:prstGeom prst="rect">
+            <a:avLst/>
+          </a:prstGeom>
+          <a:solidFill>
+            <a:schemeClr val="accent1"/>
+          </a:solidFill>
+          <a:ln>
+            <a:noFill/>
+          </a:ln>
+        </p:spPr>
+        <p:txBody>
+          <a:bodyPr vert="horz" wrap="square" lIns="91440" tIns="45720" rIns="91440" bIns="45720" numCol="1" anchor="t" anchorCtr="0" compatLnSpc="1">
+            <a:prstTxWarp prst="textNoShape">
+              <a:avLst/>
+            </a:prstTxWarp>
+          </a:bodyPr>
+          <a:lstStyle/>
+          <a:p>
+            <a:endParaRPr lang="en-US"/>
+          </a:p>
+        </p:txBody>
+      </p:sp>
+      <p:sp>
+        <p:nvSpPr>
+          <p:cNvPr id="2" name="Titolo 1">
+            <a:extLst>
+              <a:ext uri="{FF2B5EF4-FFF2-40B4-BE49-F238E27FC236}">
+                <a16:creationId xmlns:a16="http://schemas.microsoft.com/office/drawing/2014/main" id="{B8842688-6CAC-4D08-9E83-9433D07016C6}"/>
+              </a:ext>
+            </a:extLst>
+          </p:cNvPr>
+          <p:cNvSpPr>
+            <a:spLocks noGrp="1"/>
+          </p:cNvSpPr>
+          <p:nvPr>
+            <p:ph type="title"/>
+          </p:nvPr>
+        </p:nvSpPr>
+        <p:spPr>
+          <a:xfrm>
+            <a:off x="804201" y="951272"/>
+            <a:ext cx="6149595" cy="1053387"/>
+          </a:xfrm>
+        </p:spPr>
+        <p:txBody>
+          <a:bodyPr vert="horz" lIns="91440" tIns="45720" rIns="91440" bIns="45720" rtlCol="0" anchor="ctr">
+            <a:normAutofit/>
+          </a:bodyPr>
+          <a:lstStyle/>
+          <a:p>
+            <a:r>
+              <a:rPr lang="en-US" sz="3600" kern="1200">
+                <a:solidFill>
+                  <a:srgbClr val="FFFFFF"/>
+                </a:solidFill>
+                <a:latin typeface="+mj-lt"/>
+                <a:ea typeface="+mj-ea"/>
+                <a:cs typeface="+mj-cs"/>
+              </a:rPr>
+              <a:t>Final observations:</a:t>
+            </a:r>
+          </a:p>
+        </p:txBody>
+      </p:sp>
+      <p:sp>
+        <p:nvSpPr>
+          <p:cNvPr id="5" name="CasellaDiTesto 4">
+            <a:extLst>
+              <a:ext uri="{FF2B5EF4-FFF2-40B4-BE49-F238E27FC236}">
+                <a16:creationId xmlns:a16="http://schemas.microsoft.com/office/drawing/2014/main" id="{3B2CF1D2-734C-4044-80BF-AECB820C4838}"/>
+              </a:ext>
+            </a:extLst>
+          </p:cNvPr>
+          <p:cNvSpPr txBox="1"/>
+          <p:nvPr/>
+        </p:nvSpPr>
+        <p:spPr>
+          <a:xfrm>
+            <a:off x="811094" y="2055117"/>
+            <a:ext cx="6149595" cy="3478992"/>
+          </a:xfrm>
+          <a:prstGeom prst="rect">
+            <a:avLst/>
+          </a:prstGeom>
+        </p:spPr>
+        <p:txBody>
+          <a:bodyPr vert="horz" lIns="91440" tIns="45720" rIns="91440" bIns="45720" rtlCol="0" anchor="t">
+            <a:normAutofit/>
+          </a:bodyPr>
+          <a:lstStyle/>
+          <a:p>
+            <a:pPr indent="-228600">
+              <a:lnSpc>
+                <a:spcPct val="90000"/>
+              </a:lnSpc>
+              <a:spcAft>
+                <a:spcPts val="600"/>
+              </a:spcAft>
+              <a:buFont typeface="Arial" panose="020B0604020202020204" pitchFamily="34" charset="0"/>
+              <a:buChar char="•"/>
+            </a:pPr>
+            <a:r>
+              <a:rPr lang="en-US" sz="2400">
+                <a:solidFill>
+                  <a:srgbClr val="FEFFFF"/>
+                </a:solidFill>
+              </a:rPr>
+              <a:t>These were some of the possible parameter changes to get an idea of how the environment behaves in these cases. Obviously you can see what happens by varying the time of use of the cars, the time of arrival of the users, changing the patience and mixing the various parameters together.</a:t>
+            </a:r>
+          </a:p>
+        </p:txBody>
+      </p:sp>
+      <p:pic>
+        <p:nvPicPr>
+          <p:cNvPr id="9" name="Graphic 8" descr="Light Bulb and Gear">
+            <a:extLst>
+              <a:ext uri="{FF2B5EF4-FFF2-40B4-BE49-F238E27FC236}">
+                <a16:creationId xmlns:a16="http://schemas.microsoft.com/office/drawing/2014/main" id="{41951DCF-7445-49BE-BD87-DEFE7B3F2868}"/>
+              </a:ext>
+            </a:extLst>
+          </p:cNvPr>
+          <p:cNvPicPr>
+            <a:picLocks noChangeAspect="1"/>
+          </p:cNvPicPr>
+          <p:nvPr/>
+        </p:nvPicPr>
+        <p:blipFill>
+          <a:blip r:embed="rId2">
+            <a:extLst>
+              <a:ext uri="{28A0092B-C50C-407E-A947-70E740481C1C}">
+                <a14:useLocalDpi xmlns:a14="http://schemas.microsoft.com/office/drawing/2010/main" val="0"/>
+              </a:ext>
+              <a:ext uri="{96DAC541-7B7A-43D3-8B79-37D633B846F1}">
+                <asvg:svgBlip xmlns:asvg="http://schemas.microsoft.com/office/drawing/2016/SVG/main" r:embed="rId3"/>
+              </a:ext>
+            </a:extLst>
+          </a:blip>
+          <a:stretch>
+            <a:fillRect/>
+          </a:stretch>
+        </p:blipFill>
+        <p:spPr>
+          <a:xfrm>
+            <a:off x="7717865" y="1989183"/>
+            <a:ext cx="3938747" cy="3938747"/>
+          </a:xfrm>
+          <a:prstGeom prst="rect">
+            <a:avLst/>
+          </a:prstGeom>
+        </p:spPr>
+      </p:pic>
+      <p:sp>
+        <p:nvSpPr>
+          <p:cNvPr id="4" name="CasellaDiTesto 3">
+            <a:extLst>
+              <a:ext uri="{FF2B5EF4-FFF2-40B4-BE49-F238E27FC236}">
+                <a16:creationId xmlns:a16="http://schemas.microsoft.com/office/drawing/2014/main" id="{7DD0E029-5111-4F98-9D9F-CE157AA725C8}"/>
+              </a:ext>
+            </a:extLst>
+          </p:cNvPr>
+          <p:cNvSpPr txBox="1"/>
+          <p:nvPr/>
+        </p:nvSpPr>
+        <p:spPr>
+          <a:xfrm>
+            <a:off x="941033" y="1690688"/>
+            <a:ext cx="10315852" cy="3795712"/>
+          </a:xfrm>
+          <a:prstGeom prst="rect">
+            <a:avLst/>
+          </a:prstGeom>
+          <a:noFill/>
+        </p:spPr>
+        <p:txBody>
+          <a:bodyPr wrap="square" rtlCol="0">
+            <a:spAutoFit/>
+          </a:bodyPr>
+          <a:lstStyle/>
+          <a:p>
+            <a:endParaRPr lang="it-IT" dirty="0"/>
+          </a:p>
+        </p:txBody>
+      </p:sp>
+    </p:spTree>
+    <p:extLst>
+      <p:ext uri="{BB962C8B-B14F-4D97-AF65-F5344CB8AC3E}">
+        <p14:creationId xmlns:p14="http://schemas.microsoft.com/office/powerpoint/2010/main" val="2196871130"/>
+      </p:ext>
+    </p:extLst>
   </p:cSld>
   <p:clrMapOvr>
     <a:masterClrMapping/>
@@ -10083,8 +14471,8 @@
         </p:nvSpPr>
         <p:spPr>
           <a:xfrm>
-            <a:off x="1731146" y="4224948"/>
-            <a:ext cx="1880602" cy="369332"/>
+            <a:off x="1731145" y="4224948"/>
+            <a:ext cx="2112885" cy="369332"/>
           </a:xfrm>
           <a:prstGeom prst="rect">
             <a:avLst/>
@@ -10099,13 +14487,8 @@
           <a:p>
             <a:r>
               <a:rPr lang="it-IT" dirty="0"/>
-              <a:t>Makes </a:t>
-            </a:r>
-            <a:r>
-              <a:rPr lang="it-IT" dirty="0" err="1"/>
-              <a:t>thejourney</a:t>
-            </a:r>
-            <a:endParaRPr lang="it-IT" dirty="0"/>
+              <a:t>Do the travel</a:t>
+            </a:r>
           </a:p>
         </p:txBody>
       </p:sp>
@@ -10479,7 +14862,7 @@
             </a:r>
             <a:r>
               <a:rPr lang="en-US" dirty="0"/>
-              <a:t> as a Resource and therefore a discrete value.</a:t>
+              <a:t> as a Store Resource.</a:t>
             </a:r>
           </a:p>
         </p:txBody>
@@ -12181,6 +16564,1855 @@
 </p:sld>
 </file>
 
+<file path=ppt/slides/slide8.xml><?xml version="1.0" encoding="utf-8"?>
+<p:sld xmlns:a="http://schemas.openxmlformats.org/drawingml/2006/main" xmlns:r="http://schemas.openxmlformats.org/officeDocument/2006/relationships" xmlns:p="http://schemas.openxmlformats.org/presentationml/2006/main">
+  <p:cSld>
+    <p:bg>
+      <p:bgPr>
+        <a:solidFill>
+          <a:schemeClr val="bg1"/>
+        </a:solidFill>
+        <a:effectLst/>
+      </p:bgPr>
+    </p:bg>
+    <p:spTree>
+      <p:nvGrpSpPr>
+        <p:cNvPr id="1" name=""/>
+        <p:cNvGrpSpPr/>
+        <p:nvPr/>
+      </p:nvGrpSpPr>
+      <p:grpSpPr>
+        <a:xfrm>
+          <a:off x="0" y="0"/>
+          <a:ext cx="0" cy="0"/>
+          <a:chOff x="0" y="0"/>
+          <a:chExt cx="0" cy="0"/>
+        </a:xfrm>
+      </p:grpSpPr>
+      <p:sp useBgFill="1">
+        <p:nvSpPr>
+          <p:cNvPr id="17" name="Rectangle 16">
+            <a:extLst>
+              <a:ext uri="{FF2B5EF4-FFF2-40B4-BE49-F238E27FC236}">
+                <a16:creationId xmlns:a16="http://schemas.microsoft.com/office/drawing/2014/main" id="{76EFD3D9-44F0-4267-BCC1-1613E79D8274}"/>
+              </a:ext>
+              <a:ext uri="{C183D7F6-B498-43B3-948B-1728B52AA6E4}">
+                <adec:decorative xmlns:adec="http://schemas.microsoft.com/office/drawing/2017/decorative" val="1"/>
+              </a:ext>
+            </a:extLst>
+          </p:cNvPr>
+          <p:cNvSpPr>
+            <a:spLocks noGrp="1" noRot="1" noChangeAspect="1" noMove="1" noResize="1" noEditPoints="1" noAdjustHandles="1" noChangeArrowheads="1" noChangeShapeType="1" noTextEdit="1"/>
+          </p:cNvSpPr>
+          <p:nvPr>
+            <p:extLst>
+              <p:ext uri="{386F3935-93C4-4BCD-93E2-E3B085C9AB24}">
+                <p16:designElem xmlns:p16="http://schemas.microsoft.com/office/powerpoint/2015/main" val="1"/>
+              </p:ext>
+            </p:extLst>
+          </p:nvPr>
+        </p:nvSpPr>
+        <p:spPr>
+          <a:xfrm>
+            <a:off x="0" y="0"/>
+            <a:ext cx="12188952" cy="6858000"/>
+          </a:xfrm>
+          <a:prstGeom prst="rect">
+            <a:avLst/>
+          </a:prstGeom>
+          <a:ln>
+            <a:noFill/>
+          </a:ln>
+        </p:spPr>
+        <p:style>
+          <a:lnRef idx="2">
+            <a:schemeClr val="accent1">
+              <a:shade val="50000"/>
+            </a:schemeClr>
+          </a:lnRef>
+          <a:fillRef idx="1">
+            <a:schemeClr val="accent1"/>
+          </a:fillRef>
+          <a:effectRef idx="0">
+            <a:schemeClr val="accent1"/>
+          </a:effectRef>
+          <a:fontRef idx="minor">
+            <a:schemeClr val="lt1"/>
+          </a:fontRef>
+        </p:style>
+        <p:txBody>
+          <a:bodyPr rtlCol="0" anchor="ctr"/>
+          <a:lstStyle/>
+          <a:p>
+            <a:pPr algn="ctr"/>
+            <a:endParaRPr lang="en-US"/>
+          </a:p>
+        </p:txBody>
+      </p:sp>
+      <p:sp>
+        <p:nvSpPr>
+          <p:cNvPr id="19" name="Freeform 6">
+            <a:extLst>
+              <a:ext uri="{FF2B5EF4-FFF2-40B4-BE49-F238E27FC236}">
+                <a16:creationId xmlns:a16="http://schemas.microsoft.com/office/drawing/2014/main" id="{A779A851-95D6-41AF-937A-B0E4B7F6FA8D}"/>
+              </a:ext>
+              <a:ext uri="{C183D7F6-B498-43B3-948B-1728B52AA6E4}">
+                <adec:decorative xmlns:adec="http://schemas.microsoft.com/office/drawing/2017/decorative" val="1"/>
+              </a:ext>
+            </a:extLst>
+          </p:cNvPr>
+          <p:cNvSpPr>
+            <a:spLocks noGrp="1" noRot="1" noChangeAspect="1" noMove="1" noResize="1" noEditPoints="1" noAdjustHandles="1" noChangeArrowheads="1" noChangeShapeType="1" noTextEdit="1"/>
+          </p:cNvSpPr>
+          <p:nvPr>
+            <p:extLst>
+              <p:ext uri="{386F3935-93C4-4BCD-93E2-E3B085C9AB24}">
+                <p16:designElem xmlns:p16="http://schemas.microsoft.com/office/powerpoint/2015/main" val="1"/>
+              </p:ext>
+            </p:extLst>
+          </p:nvPr>
+        </p:nvSpPr>
+        <p:spPr bwMode="auto">
+          <a:xfrm>
+            <a:off x="4142164" y="900814"/>
+            <a:ext cx="759618" cy="5710965"/>
+          </a:xfrm>
+          <a:custGeom>
+            <a:avLst/>
+            <a:gdLst>
+              <a:gd name="T0" fmla="*/ 414 w 414"/>
+              <a:gd name="T1" fmla="*/ 2447 h 2447"/>
+              <a:gd name="T2" fmla="*/ 0 w 414"/>
+              <a:gd name="T3" fmla="*/ 2247 h 2447"/>
+              <a:gd name="T4" fmla="*/ 0 w 414"/>
+              <a:gd name="T5" fmla="*/ 0 h 2447"/>
+              <a:gd name="T6" fmla="*/ 414 w 414"/>
+              <a:gd name="T7" fmla="*/ 200 h 2447"/>
+              <a:gd name="T8" fmla="*/ 414 w 414"/>
+              <a:gd name="T9" fmla="*/ 2447 h 2447"/>
+            </a:gdLst>
+            <a:ahLst/>
+            <a:cxnLst>
+              <a:cxn ang="0">
+                <a:pos x="T0" y="T1"/>
+              </a:cxn>
+              <a:cxn ang="0">
+                <a:pos x="T2" y="T3"/>
+              </a:cxn>
+              <a:cxn ang="0">
+                <a:pos x="T4" y="T5"/>
+              </a:cxn>
+              <a:cxn ang="0">
+                <a:pos x="T6" y="T7"/>
+              </a:cxn>
+              <a:cxn ang="0">
+                <a:pos x="T8" y="T9"/>
+              </a:cxn>
+            </a:cxnLst>
+            <a:rect l="0" t="0" r="r" b="b"/>
+            <a:pathLst>
+              <a:path w="414" h="2447">
+                <a:moveTo>
+                  <a:pt x="414" y="2447"/>
+                </a:moveTo>
+                <a:lnTo>
+                  <a:pt x="0" y="2247"/>
+                </a:lnTo>
+                <a:lnTo>
+                  <a:pt x="0" y="0"/>
+                </a:lnTo>
+                <a:lnTo>
+                  <a:pt x="414" y="200"/>
+                </a:lnTo>
+                <a:lnTo>
+                  <a:pt x="414" y="2447"/>
+                </a:lnTo>
+                <a:close/>
+              </a:path>
+            </a:pathLst>
+          </a:custGeom>
+          <a:solidFill>
+            <a:schemeClr val="accent1">
+              <a:lumMod val="75000"/>
+            </a:schemeClr>
+          </a:solidFill>
+          <a:ln>
+            <a:noFill/>
+          </a:ln>
+        </p:spPr>
+        <p:txBody>
+          <a:bodyPr vert="horz" wrap="square" lIns="91440" tIns="45720" rIns="91440" bIns="45720" numCol="1" anchor="t" anchorCtr="0" compatLnSpc="1">
+            <a:prstTxWarp prst="textNoShape">
+              <a:avLst/>
+            </a:prstTxWarp>
+          </a:bodyPr>
+          <a:lstStyle/>
+          <a:p>
+            <a:endParaRPr lang="en-US"/>
+          </a:p>
+        </p:txBody>
+      </p:sp>
+      <p:sp>
+        <p:nvSpPr>
+          <p:cNvPr id="21" name="Freeform 7">
+            <a:extLst>
+              <a:ext uri="{FF2B5EF4-FFF2-40B4-BE49-F238E27FC236}">
+                <a16:creationId xmlns:a16="http://schemas.microsoft.com/office/drawing/2014/main" id="{953FB2E7-B6CB-429C-81EB-D9516D6D5C8D}"/>
+              </a:ext>
+              <a:ext uri="{C183D7F6-B498-43B3-948B-1728B52AA6E4}">
+                <adec:decorative xmlns:adec="http://schemas.microsoft.com/office/drawing/2017/decorative" val="1"/>
+              </a:ext>
+            </a:extLst>
+          </p:cNvPr>
+          <p:cNvSpPr>
+            <a:spLocks noGrp="1" noRot="1" noChangeAspect="1" noMove="1" noResize="1" noEditPoints="1" noAdjustHandles="1" noChangeArrowheads="1" noChangeShapeType="1" noTextEdit="1"/>
+          </p:cNvSpPr>
+          <p:nvPr>
+            <p:extLst>
+              <p:ext uri="{386F3935-93C4-4BCD-93E2-E3B085C9AB24}">
+                <p16:designElem xmlns:p16="http://schemas.microsoft.com/office/powerpoint/2015/main" val="1"/>
+              </p:ext>
+            </p:extLst>
+          </p:nvPr>
+        </p:nvSpPr>
+        <p:spPr bwMode="auto">
+          <a:xfrm>
+            <a:off x="4144437" y="633165"/>
+            <a:ext cx="482654" cy="5521414"/>
+          </a:xfrm>
+          <a:custGeom>
+            <a:avLst/>
+            <a:gdLst>
+              <a:gd name="T0" fmla="*/ 209 w 209"/>
+              <a:gd name="T1" fmla="*/ 2246 h 2358"/>
+              <a:gd name="T2" fmla="*/ 0 w 209"/>
+              <a:gd name="T3" fmla="*/ 2358 h 2358"/>
+              <a:gd name="T4" fmla="*/ 0 w 209"/>
+              <a:gd name="T5" fmla="*/ 111 h 2358"/>
+              <a:gd name="T6" fmla="*/ 209 w 209"/>
+              <a:gd name="T7" fmla="*/ 0 h 2358"/>
+              <a:gd name="T8" fmla="*/ 209 w 209"/>
+              <a:gd name="T9" fmla="*/ 2246 h 2358"/>
+            </a:gdLst>
+            <a:ahLst/>
+            <a:cxnLst>
+              <a:cxn ang="0">
+                <a:pos x="T0" y="T1"/>
+              </a:cxn>
+              <a:cxn ang="0">
+                <a:pos x="T2" y="T3"/>
+              </a:cxn>
+              <a:cxn ang="0">
+                <a:pos x="T4" y="T5"/>
+              </a:cxn>
+              <a:cxn ang="0">
+                <a:pos x="T6" y="T7"/>
+              </a:cxn>
+              <a:cxn ang="0">
+                <a:pos x="T8" y="T9"/>
+              </a:cxn>
+            </a:cxnLst>
+            <a:rect l="0" t="0" r="r" b="b"/>
+            <a:pathLst>
+              <a:path w="209" h="2358">
+                <a:moveTo>
+                  <a:pt x="209" y="2246"/>
+                </a:moveTo>
+                <a:lnTo>
+                  <a:pt x="0" y="2358"/>
+                </a:lnTo>
+                <a:lnTo>
+                  <a:pt x="0" y="111"/>
+                </a:lnTo>
+                <a:lnTo>
+                  <a:pt x="209" y="0"/>
+                </a:lnTo>
+                <a:lnTo>
+                  <a:pt x="209" y="2246"/>
+                </a:lnTo>
+                <a:close/>
+              </a:path>
+            </a:pathLst>
+          </a:custGeom>
+          <a:solidFill>
+            <a:schemeClr val="accent1">
+              <a:lumMod val="50000"/>
+            </a:schemeClr>
+          </a:solidFill>
+          <a:ln>
+            <a:noFill/>
+          </a:ln>
+        </p:spPr>
+        <p:txBody>
+          <a:bodyPr vert="horz" wrap="square" lIns="91440" tIns="45720" rIns="91440" bIns="45720" numCol="1" anchor="t" anchorCtr="0" compatLnSpc="1">
+            <a:prstTxWarp prst="textNoShape">
+              <a:avLst/>
+            </a:prstTxWarp>
+          </a:bodyPr>
+          <a:lstStyle/>
+          <a:p>
+            <a:endParaRPr lang="en-US"/>
+          </a:p>
+        </p:txBody>
+      </p:sp>
+      <p:sp>
+        <p:nvSpPr>
+          <p:cNvPr id="23" name="Freeform: Shape 22">
+            <a:extLst>
+              <a:ext uri="{FF2B5EF4-FFF2-40B4-BE49-F238E27FC236}">
+                <a16:creationId xmlns:a16="http://schemas.microsoft.com/office/drawing/2014/main" id="{2EC40DB1-B719-4A13-9A4D-0966B4B27866}"/>
+              </a:ext>
+              <a:ext uri="{C183D7F6-B498-43B3-948B-1728B52AA6E4}">
+                <adec:decorative xmlns:adec="http://schemas.microsoft.com/office/drawing/2017/decorative" val="1"/>
+              </a:ext>
+            </a:extLst>
+          </p:cNvPr>
+          <p:cNvSpPr>
+            <a:spLocks noGrp="1" noRot="1" noChangeAspect="1" noMove="1" noResize="1" noEditPoints="1" noAdjustHandles="1" noChangeArrowheads="1" noChangeShapeType="1" noTextEdit="1"/>
+          </p:cNvSpPr>
+          <p:nvPr>
+            <p:extLst>
+              <p:ext uri="{386F3935-93C4-4BCD-93E2-E3B085C9AB24}">
+                <p16:designElem xmlns:p16="http://schemas.microsoft.com/office/powerpoint/2015/main" val="1"/>
+              </p:ext>
+            </p:extLst>
+          </p:nvPr>
+        </p:nvSpPr>
+        <p:spPr>
+          <a:xfrm>
+            <a:off x="634621" y="636723"/>
+            <a:ext cx="4000062" cy="5257799"/>
+          </a:xfrm>
+          <a:custGeom>
+            <a:avLst/>
+            <a:gdLst>
+              <a:gd name="connsiteX0" fmla="*/ 0 w 4634682"/>
+              <a:gd name="connsiteY0" fmla="*/ 0 h 5257799"/>
+              <a:gd name="connsiteX1" fmla="*/ 4634682 w 4634682"/>
+              <a:gd name="connsiteY1" fmla="*/ 0 h 5257799"/>
+              <a:gd name="connsiteX2" fmla="*/ 4634682 w 4634682"/>
+              <a:gd name="connsiteY2" fmla="*/ 5257799 h 5257799"/>
+              <a:gd name="connsiteX3" fmla="*/ 0 w 4634682"/>
+              <a:gd name="connsiteY3" fmla="*/ 5257799 h 5257799"/>
+            </a:gdLst>
+            <a:ahLst/>
+            <a:cxnLst>
+              <a:cxn ang="0">
+                <a:pos x="connsiteX0" y="connsiteY0"/>
+              </a:cxn>
+              <a:cxn ang="0">
+                <a:pos x="connsiteX1" y="connsiteY1"/>
+              </a:cxn>
+              <a:cxn ang="0">
+                <a:pos x="connsiteX2" y="connsiteY2"/>
+              </a:cxn>
+              <a:cxn ang="0">
+                <a:pos x="connsiteX3" y="connsiteY3"/>
+              </a:cxn>
+            </a:cxnLst>
+            <a:rect l="l" t="t" r="r" b="b"/>
+            <a:pathLst>
+              <a:path w="4634682" h="5257799">
+                <a:moveTo>
+                  <a:pt x="0" y="0"/>
+                </a:moveTo>
+                <a:lnTo>
+                  <a:pt x="4634682" y="0"/>
+                </a:lnTo>
+                <a:lnTo>
+                  <a:pt x="4634682" y="5257799"/>
+                </a:lnTo>
+                <a:lnTo>
+                  <a:pt x="0" y="5257799"/>
+                </a:lnTo>
+                <a:close/>
+              </a:path>
+            </a:pathLst>
+          </a:custGeom>
+          <a:solidFill>
+            <a:schemeClr val="accent1">
+              <a:lumMod val="50000"/>
+            </a:schemeClr>
+          </a:solidFill>
+          <a:ln>
+            <a:noFill/>
+          </a:ln>
+        </p:spPr>
+        <p:style>
+          <a:lnRef idx="2">
+            <a:schemeClr val="accent1">
+              <a:shade val="50000"/>
+            </a:schemeClr>
+          </a:lnRef>
+          <a:fillRef idx="1">
+            <a:schemeClr val="accent1"/>
+          </a:fillRef>
+          <a:effectRef idx="0">
+            <a:schemeClr val="accent1"/>
+          </a:effectRef>
+          <a:fontRef idx="minor">
+            <a:schemeClr val="lt1"/>
+          </a:fontRef>
+        </p:style>
+        <p:txBody>
+          <a:bodyPr wrap="square" rtlCol="0" anchor="ctr">
+            <a:noAutofit/>
+          </a:bodyPr>
+          <a:lstStyle/>
+          <a:p>
+            <a:pPr algn="ctr"/>
+            <a:endParaRPr lang="en-US"/>
+          </a:p>
+        </p:txBody>
+      </p:sp>
+      <p:sp>
+        <p:nvSpPr>
+          <p:cNvPr id="2" name="Titolo 1">
+            <a:extLst>
+              <a:ext uri="{FF2B5EF4-FFF2-40B4-BE49-F238E27FC236}">
+                <a16:creationId xmlns:a16="http://schemas.microsoft.com/office/drawing/2014/main" id="{3A535B97-7B62-4D36-A012-80A2BB00CB48}"/>
+              </a:ext>
+            </a:extLst>
+          </p:cNvPr>
+          <p:cNvSpPr>
+            <a:spLocks noGrp="1"/>
+          </p:cNvSpPr>
+          <p:nvPr>
+            <p:ph type="title"/>
+          </p:nvPr>
+        </p:nvSpPr>
+        <p:spPr>
+          <a:xfrm>
+            <a:off x="934872" y="982272"/>
+            <a:ext cx="3388419" cy="4560970"/>
+          </a:xfrm>
+        </p:spPr>
+        <p:txBody>
+          <a:bodyPr vert="horz" lIns="91440" tIns="45720" rIns="91440" bIns="45720" rtlCol="0" anchor="ctr">
+            <a:normAutofit/>
+          </a:bodyPr>
+          <a:lstStyle/>
+          <a:p>
+            <a:r>
+              <a:rPr lang="en-US" sz="4000" kern="1200">
+                <a:solidFill>
+                  <a:srgbClr val="FFFFFF"/>
+                </a:solidFill>
+                <a:latin typeface="+mj-lt"/>
+                <a:ea typeface="+mj-ea"/>
+                <a:cs typeface="+mj-cs"/>
+              </a:rPr>
+              <a:t>Simulation results:</a:t>
+            </a:r>
+          </a:p>
+        </p:txBody>
+      </p:sp>
+      <p:sp>
+        <p:nvSpPr>
+          <p:cNvPr id="25" name="Rectangle 8">
+            <a:extLst>
+              <a:ext uri="{FF2B5EF4-FFF2-40B4-BE49-F238E27FC236}">
+                <a16:creationId xmlns:a16="http://schemas.microsoft.com/office/drawing/2014/main" id="{82211336-CFF3-412D-868A-6679C1004C45}"/>
+              </a:ext>
+              <a:ext uri="{C183D7F6-B498-43B3-948B-1728B52AA6E4}">
+                <adec:decorative xmlns:adec="http://schemas.microsoft.com/office/drawing/2017/decorative" val="1"/>
+              </a:ext>
+            </a:extLst>
+          </p:cNvPr>
+          <p:cNvSpPr>
+            <a:spLocks noGrp="1" noRot="1" noChangeAspect="1" noMove="1" noResize="1" noEditPoints="1" noAdjustHandles="1" noChangeArrowheads="1" noChangeShapeType="1" noTextEdit="1"/>
+          </p:cNvSpPr>
+          <p:nvPr>
+            <p:extLst>
+              <p:ext uri="{386F3935-93C4-4BCD-93E2-E3B085C9AB24}">
+                <p16:designElem xmlns:p16="http://schemas.microsoft.com/office/powerpoint/2015/main" val="1"/>
+              </p:ext>
+            </p:extLst>
+          </p:nvPr>
+        </p:nvSpPr>
+        <p:spPr bwMode="auto">
+          <a:xfrm>
+            <a:off x="4901782" y="1352302"/>
+            <a:ext cx="6655597" cy="5251646"/>
+          </a:xfrm>
+          <a:prstGeom prst="rect">
+            <a:avLst/>
+          </a:prstGeom>
+          <a:solidFill>
+            <a:schemeClr val="accent1"/>
+          </a:solidFill>
+          <a:ln>
+            <a:noFill/>
+          </a:ln>
+        </p:spPr>
+        <p:txBody>
+          <a:bodyPr vert="horz" wrap="square" lIns="91440" tIns="45720" rIns="91440" bIns="45720" numCol="1" anchor="t" anchorCtr="0" compatLnSpc="1">
+            <a:prstTxWarp prst="textNoShape">
+              <a:avLst/>
+            </a:prstTxWarp>
+          </a:bodyPr>
+          <a:lstStyle/>
+          <a:p>
+            <a:endParaRPr lang="en-US"/>
+          </a:p>
+        </p:txBody>
+      </p:sp>
+      <p:sp>
+        <p:nvSpPr>
+          <p:cNvPr id="7" name="CasellaDiTesto 6">
+            <a:extLst>
+              <a:ext uri="{FF2B5EF4-FFF2-40B4-BE49-F238E27FC236}">
+                <a16:creationId xmlns:a16="http://schemas.microsoft.com/office/drawing/2014/main" id="{7F45F578-DF3B-43B1-B67B-59A3A34DCA08}"/>
+              </a:ext>
+            </a:extLst>
+          </p:cNvPr>
+          <p:cNvSpPr txBox="1"/>
+          <p:nvPr/>
+        </p:nvSpPr>
+        <p:spPr>
+          <a:xfrm>
+            <a:off x="5221862" y="1719618"/>
+            <a:ext cx="5948831" cy="4334629"/>
+          </a:xfrm>
+          <a:prstGeom prst="rect">
+            <a:avLst/>
+          </a:prstGeom>
+        </p:spPr>
+        <p:txBody>
+          <a:bodyPr vert="horz" lIns="91440" tIns="45720" rIns="91440" bIns="45720" rtlCol="0" anchor="ctr">
+            <a:normAutofit/>
+          </a:bodyPr>
+          <a:lstStyle/>
+          <a:p>
+            <a:pPr marL="285750" indent="-228600">
+              <a:lnSpc>
+                <a:spcPct val="90000"/>
+              </a:lnSpc>
+              <a:spcAft>
+                <a:spcPts val="600"/>
+              </a:spcAft>
+              <a:buFont typeface="Arial" panose="020B0604020202020204" pitchFamily="34" charset="0"/>
+              <a:buChar char="•"/>
+            </a:pPr>
+            <a:r>
+              <a:rPr lang="en-US" sz="2400">
+                <a:solidFill>
+                  <a:srgbClr val="FEFFFF"/>
+                </a:solidFill>
+              </a:rPr>
+              <a:t>In the next slides we are going so see some simulation results evidencing the most important aspects. </a:t>
+            </a:r>
+          </a:p>
+          <a:p>
+            <a:pPr indent="-228600">
+              <a:lnSpc>
+                <a:spcPct val="90000"/>
+              </a:lnSpc>
+              <a:spcAft>
+                <a:spcPts val="600"/>
+              </a:spcAft>
+              <a:buFont typeface="Arial" panose="020B0604020202020204" pitchFamily="34" charset="0"/>
+              <a:buChar char="•"/>
+            </a:pPr>
+            <a:endParaRPr lang="en-US" sz="2400">
+              <a:solidFill>
+                <a:srgbClr val="FEFFFF"/>
+              </a:solidFill>
+            </a:endParaRPr>
+          </a:p>
+          <a:p>
+            <a:pPr marL="285750" indent="-228600">
+              <a:lnSpc>
+                <a:spcPct val="90000"/>
+              </a:lnSpc>
+              <a:spcAft>
+                <a:spcPts val="600"/>
+              </a:spcAft>
+              <a:buFont typeface="Arial" panose="020B0604020202020204" pitchFamily="34" charset="0"/>
+              <a:buChar char="•"/>
+            </a:pPr>
+            <a:r>
+              <a:rPr lang="en-US" sz="2400">
+                <a:solidFill>
+                  <a:srgbClr val="FEFFFF"/>
+                </a:solidFill>
+              </a:rPr>
+              <a:t>For the simulation the unit time step is equivalent to </a:t>
+            </a:r>
+            <a:r>
+              <a:rPr lang="en-US" sz="2400" b="1">
+                <a:solidFill>
+                  <a:srgbClr val="FEFFFF"/>
+                </a:solidFill>
+              </a:rPr>
+              <a:t>1 minutes</a:t>
+            </a:r>
+            <a:r>
+              <a:rPr lang="en-US" sz="2400">
+                <a:solidFill>
+                  <a:srgbClr val="FEFFFF"/>
+                </a:solidFill>
+              </a:rPr>
+              <a:t>. </a:t>
+            </a:r>
+          </a:p>
+          <a:p>
+            <a:pPr indent="-228600">
+              <a:lnSpc>
+                <a:spcPct val="90000"/>
+              </a:lnSpc>
+              <a:spcAft>
+                <a:spcPts val="600"/>
+              </a:spcAft>
+              <a:buFont typeface="Arial" panose="020B0604020202020204" pitchFamily="34" charset="0"/>
+              <a:buChar char="•"/>
+            </a:pPr>
+            <a:endParaRPr lang="en-US" sz="2400">
+              <a:solidFill>
+                <a:srgbClr val="FEFFFF"/>
+              </a:solidFill>
+            </a:endParaRPr>
+          </a:p>
+          <a:p>
+            <a:pPr marL="285750" indent="-228600">
+              <a:lnSpc>
+                <a:spcPct val="90000"/>
+              </a:lnSpc>
+              <a:spcAft>
+                <a:spcPts val="600"/>
+              </a:spcAft>
+              <a:buFont typeface="Arial" panose="020B0604020202020204" pitchFamily="34" charset="0"/>
+              <a:buChar char="•"/>
+            </a:pPr>
+            <a:r>
+              <a:rPr lang="en-US" sz="2400">
+                <a:solidFill>
+                  <a:srgbClr val="FEFFFF"/>
+                </a:solidFill>
+              </a:rPr>
+              <a:t>We will change enviroment variable inizialization to see different behaviors.</a:t>
+            </a:r>
+          </a:p>
+        </p:txBody>
+      </p:sp>
+    </p:spTree>
+    <p:extLst>
+      <p:ext uri="{BB962C8B-B14F-4D97-AF65-F5344CB8AC3E}">
+        <p14:creationId xmlns:p14="http://schemas.microsoft.com/office/powerpoint/2010/main" val="1736045788"/>
+      </p:ext>
+    </p:extLst>
+  </p:cSld>
+  <p:clrMapOvr>
+    <a:masterClrMapping/>
+  </p:clrMapOvr>
+</p:sld>
+</file>
+
+<file path=ppt/slides/slide9.xml><?xml version="1.0" encoding="utf-8"?>
+<p:sld xmlns:a="http://schemas.openxmlformats.org/drawingml/2006/main" xmlns:r="http://schemas.openxmlformats.org/officeDocument/2006/relationships" xmlns:p="http://schemas.openxmlformats.org/presentationml/2006/main">
+  <p:cSld>
+    <p:bg>
+      <p:bgPr>
+        <a:solidFill>
+          <a:schemeClr val="bg1"/>
+        </a:solidFill>
+        <a:effectLst/>
+      </p:bgPr>
+    </p:bg>
+    <p:spTree>
+      <p:nvGrpSpPr>
+        <p:cNvPr id="1" name=""/>
+        <p:cNvGrpSpPr/>
+        <p:nvPr/>
+      </p:nvGrpSpPr>
+      <p:grpSpPr>
+        <a:xfrm>
+          <a:off x="0" y="0"/>
+          <a:ext cx="0" cy="0"/>
+          <a:chOff x="0" y="0"/>
+          <a:chExt cx="0" cy="0"/>
+        </a:xfrm>
+      </p:grpSpPr>
+      <p:sp useBgFill="1">
+        <p:nvSpPr>
+          <p:cNvPr id="10" name="Rectangle 9">
+            <a:extLst>
+              <a:ext uri="{FF2B5EF4-FFF2-40B4-BE49-F238E27FC236}">
+                <a16:creationId xmlns:a16="http://schemas.microsoft.com/office/drawing/2014/main" id="{DD38EE57-B708-47C9-A4A4-E25F09FAB029}"/>
+              </a:ext>
+              <a:ext uri="{C183D7F6-B498-43B3-948B-1728B52AA6E4}">
+                <adec:decorative xmlns:adec="http://schemas.microsoft.com/office/drawing/2017/decorative" val="1"/>
+              </a:ext>
+            </a:extLst>
+          </p:cNvPr>
+          <p:cNvSpPr>
+            <a:spLocks noGrp="1" noRot="1" noChangeAspect="1" noMove="1" noResize="1" noEditPoints="1" noAdjustHandles="1" noChangeArrowheads="1" noChangeShapeType="1" noTextEdit="1"/>
+          </p:cNvSpPr>
+          <p:nvPr>
+            <p:extLst>
+              <p:ext uri="{386F3935-93C4-4BCD-93E2-E3B085C9AB24}">
+                <p16:designElem xmlns:p16="http://schemas.microsoft.com/office/powerpoint/2015/main" val="1"/>
+              </p:ext>
+            </p:extLst>
+          </p:nvPr>
+        </p:nvSpPr>
+        <p:spPr>
+          <a:xfrm>
+            <a:off x="0" y="0"/>
+            <a:ext cx="12188952" cy="6858000"/>
+          </a:xfrm>
+          <a:prstGeom prst="rect">
+            <a:avLst/>
+          </a:prstGeom>
+          <a:ln>
+            <a:noFill/>
+          </a:ln>
+        </p:spPr>
+        <p:style>
+          <a:lnRef idx="2">
+            <a:schemeClr val="accent1">
+              <a:shade val="50000"/>
+            </a:schemeClr>
+          </a:lnRef>
+          <a:fillRef idx="1">
+            <a:schemeClr val="accent1"/>
+          </a:fillRef>
+          <a:effectRef idx="0">
+            <a:schemeClr val="accent1"/>
+          </a:effectRef>
+          <a:fontRef idx="minor">
+            <a:schemeClr val="lt1"/>
+          </a:fontRef>
+        </p:style>
+        <p:txBody>
+          <a:bodyPr rtlCol="0" anchor="ctr"/>
+          <a:lstStyle/>
+          <a:p>
+            <a:pPr algn="ctr"/>
+            <a:endParaRPr lang="en-US"/>
+          </a:p>
+        </p:txBody>
+      </p:sp>
+      <p:grpSp>
+        <p:nvGrpSpPr>
+          <p:cNvPr id="12" name="Group 11">
+            <a:extLst>
+              <a:ext uri="{FF2B5EF4-FFF2-40B4-BE49-F238E27FC236}">
+                <a16:creationId xmlns:a16="http://schemas.microsoft.com/office/drawing/2014/main" id="{57A28182-58A5-4DBB-8F64-BD944BCA8154}"/>
+              </a:ext>
+              <a:ext uri="{C183D7F6-B498-43B3-948B-1728B52AA6E4}">
+                <adec:decorative xmlns:adec="http://schemas.microsoft.com/office/drawing/2017/decorative" val="1"/>
+              </a:ext>
+            </a:extLst>
+          </p:cNvPr>
+          <p:cNvGrpSpPr>
+            <a:grpSpLocks noGrp="1" noUngrp="1" noRot="1" noChangeAspect="1" noMove="1" noResize="1"/>
+          </p:cNvGrpSpPr>
+          <p:nvPr>
+            <p:extLst>
+              <p:ext uri="{386F3935-93C4-4BCD-93E2-E3B085C9AB24}">
+                <p16:designElem xmlns:p16="http://schemas.microsoft.com/office/powerpoint/2015/main" val="1"/>
+              </p:ext>
+            </p:extLst>
+          </p:nvPr>
+        </p:nvGrpSpPr>
+        <p:grpSpPr>
+          <a:xfrm>
+            <a:off x="409710" y="635715"/>
+            <a:ext cx="11142208" cy="2482136"/>
+            <a:chOff x="409710" y="635715"/>
+            <a:chExt cx="11142208" cy="2482136"/>
+          </a:xfrm>
+        </p:grpSpPr>
+        <p:sp>
+          <p:nvSpPr>
+            <p:cNvPr id="13" name="Freeform 44">
+              <a:extLst>
+                <a:ext uri="{FF2B5EF4-FFF2-40B4-BE49-F238E27FC236}">
+                  <a16:creationId xmlns:a16="http://schemas.microsoft.com/office/drawing/2014/main" id="{E4A9080E-7BA6-45FC-8677-8B9D5F4DAFE0}"/>
+                </a:ext>
+                <a:ext uri="{C183D7F6-B498-43B3-948B-1728B52AA6E4}">
+                  <adec:decorative xmlns:adec="http://schemas.microsoft.com/office/drawing/2017/decorative" val="1"/>
+                </a:ext>
+              </a:extLst>
+            </p:cNvPr>
+            <p:cNvSpPr>
+              <a:spLocks/>
+            </p:cNvSpPr>
+            <p:nvPr>
+              <p:extLst>
+                <p:ext uri="{386F3935-93C4-4BCD-93E2-E3B085C9AB24}">
+                  <p16:designElem xmlns:p16="http://schemas.microsoft.com/office/powerpoint/2015/main" val="1"/>
+                </p:ext>
+              </p:extLst>
+            </p:nvPr>
+          </p:nvSpPr>
+          <p:spPr bwMode="auto">
+            <a:xfrm>
+              <a:off x="11223203" y="635716"/>
+              <a:ext cx="328612" cy="1742360"/>
+            </a:xfrm>
+            <a:custGeom>
+              <a:avLst/>
+              <a:gdLst>
+                <a:gd name="T0" fmla="*/ 207 w 207"/>
+                <a:gd name="T1" fmla="*/ 987 h 1114"/>
+                <a:gd name="T2" fmla="*/ 0 w 207"/>
+                <a:gd name="T3" fmla="*/ 1114 h 1114"/>
+                <a:gd name="T4" fmla="*/ 0 w 207"/>
+                <a:gd name="T5" fmla="*/ 127 h 1114"/>
+                <a:gd name="T6" fmla="*/ 207 w 207"/>
+                <a:gd name="T7" fmla="*/ 0 h 1114"/>
+                <a:gd name="T8" fmla="*/ 207 w 207"/>
+                <a:gd name="T9" fmla="*/ 987 h 1114"/>
+              </a:gdLst>
+              <a:ahLst/>
+              <a:cxnLst>
+                <a:cxn ang="0">
+                  <a:pos x="T0" y="T1"/>
+                </a:cxn>
+                <a:cxn ang="0">
+                  <a:pos x="T2" y="T3"/>
+                </a:cxn>
+                <a:cxn ang="0">
+                  <a:pos x="T4" y="T5"/>
+                </a:cxn>
+                <a:cxn ang="0">
+                  <a:pos x="T6" y="T7"/>
+                </a:cxn>
+                <a:cxn ang="0">
+                  <a:pos x="T8" y="T9"/>
+                </a:cxn>
+              </a:cxnLst>
+              <a:rect l="0" t="0" r="r" b="b"/>
+              <a:pathLst>
+                <a:path w="207" h="1114">
+                  <a:moveTo>
+                    <a:pt x="207" y="987"/>
+                  </a:moveTo>
+                  <a:lnTo>
+                    <a:pt x="0" y="1114"/>
+                  </a:lnTo>
+                  <a:lnTo>
+                    <a:pt x="0" y="127"/>
+                  </a:lnTo>
+                  <a:lnTo>
+                    <a:pt x="207" y="0"/>
+                  </a:lnTo>
+                  <a:lnTo>
+                    <a:pt x="207" y="987"/>
+                  </a:lnTo>
+                  <a:close/>
+                </a:path>
+              </a:pathLst>
+            </a:custGeom>
+            <a:solidFill>
+              <a:schemeClr val="accent1">
+                <a:lumMod val="50000"/>
+              </a:schemeClr>
+            </a:solidFill>
+            <a:ln>
+              <a:noFill/>
+            </a:ln>
+          </p:spPr>
+          <p:txBody>
+            <a:bodyPr vert="horz" wrap="square" lIns="91440" tIns="45720" rIns="91440" bIns="45720" numCol="1" anchor="t" anchorCtr="0" compatLnSpc="1">
+              <a:prstTxWarp prst="textNoShape">
+                <a:avLst/>
+              </a:prstTxWarp>
+            </a:bodyPr>
+            <a:lstStyle/>
+            <a:p>
+              <a:endParaRPr lang="en-US"/>
+            </a:p>
+          </p:txBody>
+        </p:sp>
+        <p:sp>
+          <p:nvSpPr>
+            <p:cNvPr id="14" name="Freeform 45">
+              <a:extLst>
+                <a:ext uri="{FF2B5EF4-FFF2-40B4-BE49-F238E27FC236}">
+                  <a16:creationId xmlns:a16="http://schemas.microsoft.com/office/drawing/2014/main" id="{2163D516-75D4-4DE0-AC27-63719125AE52}"/>
+                </a:ext>
+                <a:ext uri="{C183D7F6-B498-43B3-948B-1728B52AA6E4}">
+                  <adec:decorative xmlns:adec="http://schemas.microsoft.com/office/drawing/2017/decorative" val="1"/>
+                </a:ext>
+              </a:extLst>
+            </p:cNvPr>
+            <p:cNvSpPr>
+              <a:spLocks/>
+            </p:cNvSpPr>
+            <p:nvPr>
+              <p:extLst>
+                <p:ext uri="{386F3935-93C4-4BCD-93E2-E3B085C9AB24}">
+                  <p16:designElem xmlns:p16="http://schemas.microsoft.com/office/powerpoint/2015/main" val="1"/>
+                </p:ext>
+              </p:extLst>
+            </p:nvPr>
+          </p:nvSpPr>
+          <p:spPr bwMode="auto">
+            <a:xfrm>
+              <a:off x="409710" y="1022350"/>
+              <a:ext cx="709612" cy="2095501"/>
+            </a:xfrm>
+            <a:custGeom>
+              <a:avLst/>
+              <a:gdLst>
+                <a:gd name="T0" fmla="*/ 447 w 447"/>
+                <a:gd name="T1" fmla="*/ 1363 h 1363"/>
+                <a:gd name="T2" fmla="*/ 0 w 447"/>
+                <a:gd name="T3" fmla="*/ 987 h 1363"/>
+                <a:gd name="T4" fmla="*/ 0 w 447"/>
+                <a:gd name="T5" fmla="*/ 0 h 1363"/>
+                <a:gd name="T6" fmla="*/ 447 w 447"/>
+                <a:gd name="T7" fmla="*/ 376 h 1363"/>
+                <a:gd name="T8" fmla="*/ 447 w 447"/>
+                <a:gd name="T9" fmla="*/ 1363 h 1363"/>
+              </a:gdLst>
+              <a:ahLst/>
+              <a:cxnLst>
+                <a:cxn ang="0">
+                  <a:pos x="T0" y="T1"/>
+                </a:cxn>
+                <a:cxn ang="0">
+                  <a:pos x="T2" y="T3"/>
+                </a:cxn>
+                <a:cxn ang="0">
+                  <a:pos x="T4" y="T5"/>
+                </a:cxn>
+                <a:cxn ang="0">
+                  <a:pos x="T6" y="T7"/>
+                </a:cxn>
+                <a:cxn ang="0">
+                  <a:pos x="T8" y="T9"/>
+                </a:cxn>
+              </a:cxnLst>
+              <a:rect l="0" t="0" r="r" b="b"/>
+              <a:pathLst>
+                <a:path w="447" h="1363">
+                  <a:moveTo>
+                    <a:pt x="447" y="1363"/>
+                  </a:moveTo>
+                  <a:lnTo>
+                    <a:pt x="0" y="987"/>
+                  </a:lnTo>
+                  <a:lnTo>
+                    <a:pt x="0" y="0"/>
+                  </a:lnTo>
+                  <a:lnTo>
+                    <a:pt x="447" y="376"/>
+                  </a:lnTo>
+                  <a:lnTo>
+                    <a:pt x="447" y="1363"/>
+                  </a:lnTo>
+                  <a:close/>
+                </a:path>
+              </a:pathLst>
+            </a:custGeom>
+            <a:solidFill>
+              <a:schemeClr val="accent1">
+                <a:lumMod val="50000"/>
+              </a:schemeClr>
+            </a:solidFill>
+            <a:ln>
+              <a:noFill/>
+            </a:ln>
+          </p:spPr>
+          <p:txBody>
+            <a:bodyPr vert="horz" wrap="square" lIns="91440" tIns="45720" rIns="91440" bIns="45720" numCol="1" anchor="t" anchorCtr="0" compatLnSpc="1">
+              <a:prstTxWarp prst="textNoShape">
+                <a:avLst/>
+              </a:prstTxWarp>
+            </a:bodyPr>
+            <a:lstStyle/>
+            <a:p>
+              <a:endParaRPr lang="en-US"/>
+            </a:p>
+          </p:txBody>
+        </p:sp>
+        <p:sp>
+          <p:nvSpPr>
+            <p:cNvPr id="15" name="Freeform 46">
+              <a:extLst>
+                <a:ext uri="{FF2B5EF4-FFF2-40B4-BE49-F238E27FC236}">
+                  <a16:creationId xmlns:a16="http://schemas.microsoft.com/office/drawing/2014/main" id="{E74A26A5-C23A-46D4-B0FF-155FB3834621}"/>
+                </a:ext>
+                <a:ext uri="{C183D7F6-B498-43B3-948B-1728B52AA6E4}">
+                  <adec:decorative xmlns:adec="http://schemas.microsoft.com/office/drawing/2017/decorative" val="1"/>
+                </a:ext>
+              </a:extLst>
+            </p:cNvPr>
+            <p:cNvSpPr>
+              <a:spLocks/>
+            </p:cNvSpPr>
+            <p:nvPr>
+              <p:extLst>
+                <p:ext uri="{386F3935-93C4-4BCD-93E2-E3B085C9AB24}">
+                  <p16:designElem xmlns:p16="http://schemas.microsoft.com/office/powerpoint/2015/main" val="1"/>
+                </p:ext>
+              </p:extLst>
+            </p:nvPr>
+          </p:nvSpPr>
+          <p:spPr bwMode="auto">
+            <a:xfrm>
+              <a:off x="409710" y="837744"/>
+              <a:ext cx="403225" cy="1705431"/>
+            </a:xfrm>
+            <a:custGeom>
+              <a:avLst/>
+              <a:gdLst>
+                <a:gd name="T0" fmla="*/ 254 w 254"/>
+                <a:gd name="T1" fmla="*/ 987 h 1109"/>
+                <a:gd name="T2" fmla="*/ 0 w 254"/>
+                <a:gd name="T3" fmla="*/ 1109 h 1109"/>
+                <a:gd name="T4" fmla="*/ 0 w 254"/>
+                <a:gd name="T5" fmla="*/ 119 h 1109"/>
+                <a:gd name="T6" fmla="*/ 254 w 254"/>
+                <a:gd name="T7" fmla="*/ 0 h 1109"/>
+                <a:gd name="T8" fmla="*/ 254 w 254"/>
+                <a:gd name="T9" fmla="*/ 987 h 1109"/>
+              </a:gdLst>
+              <a:ahLst/>
+              <a:cxnLst>
+                <a:cxn ang="0">
+                  <a:pos x="T0" y="T1"/>
+                </a:cxn>
+                <a:cxn ang="0">
+                  <a:pos x="T2" y="T3"/>
+                </a:cxn>
+                <a:cxn ang="0">
+                  <a:pos x="T4" y="T5"/>
+                </a:cxn>
+                <a:cxn ang="0">
+                  <a:pos x="T6" y="T7"/>
+                </a:cxn>
+                <a:cxn ang="0">
+                  <a:pos x="T8" y="T9"/>
+                </a:cxn>
+              </a:cxnLst>
+              <a:rect l="0" t="0" r="r" b="b"/>
+              <a:pathLst>
+                <a:path w="254" h="1109">
+                  <a:moveTo>
+                    <a:pt x="254" y="987"/>
+                  </a:moveTo>
+                  <a:lnTo>
+                    <a:pt x="0" y="1109"/>
+                  </a:lnTo>
+                  <a:lnTo>
+                    <a:pt x="0" y="119"/>
+                  </a:lnTo>
+                  <a:lnTo>
+                    <a:pt x="254" y="0"/>
+                  </a:lnTo>
+                  <a:lnTo>
+                    <a:pt x="254" y="987"/>
+                  </a:lnTo>
+                  <a:close/>
+                </a:path>
+              </a:pathLst>
+            </a:custGeom>
+            <a:solidFill>
+              <a:schemeClr val="accent1">
+                <a:lumMod val="75000"/>
+              </a:schemeClr>
+            </a:solidFill>
+            <a:ln>
+              <a:noFill/>
+            </a:ln>
+          </p:spPr>
+          <p:txBody>
+            <a:bodyPr vert="horz" wrap="square" lIns="91440" tIns="45720" rIns="91440" bIns="45720" numCol="1" anchor="t" anchorCtr="0" compatLnSpc="1">
+              <a:prstTxWarp prst="textNoShape">
+                <a:avLst/>
+              </a:prstTxWarp>
+            </a:bodyPr>
+            <a:lstStyle/>
+            <a:p>
+              <a:endParaRPr lang="en-US"/>
+            </a:p>
+          </p:txBody>
+        </p:sp>
+        <p:sp>
+          <p:nvSpPr>
+            <p:cNvPr id="16" name="Freeform 47">
+              <a:extLst>
+                <a:ext uri="{FF2B5EF4-FFF2-40B4-BE49-F238E27FC236}">
+                  <a16:creationId xmlns:a16="http://schemas.microsoft.com/office/drawing/2014/main" id="{08E0243F-1062-43C6-AD04-130DFF66840E}"/>
+                </a:ext>
+                <a:ext uri="{C183D7F6-B498-43B3-948B-1728B52AA6E4}">
+                  <adec:decorative xmlns:adec="http://schemas.microsoft.com/office/drawing/2017/decorative" val="1"/>
+                </a:ext>
+              </a:extLst>
+            </p:cNvPr>
+            <p:cNvSpPr>
+              <a:spLocks/>
+            </p:cNvSpPr>
+            <p:nvPr>
+              <p:extLst>
+                <p:ext uri="{386F3935-93C4-4BCD-93E2-E3B085C9AB24}">
+                  <p16:designElem xmlns:p16="http://schemas.microsoft.com/office/powerpoint/2015/main" val="1"/>
+                </p:ext>
+              </p:extLst>
+            </p:nvPr>
+          </p:nvSpPr>
+          <p:spPr bwMode="auto">
+            <a:xfrm>
+              <a:off x="644660" y="640894"/>
+              <a:ext cx="168275" cy="1713195"/>
+            </a:xfrm>
+            <a:custGeom>
+              <a:avLst/>
+              <a:gdLst>
+                <a:gd name="T0" fmla="*/ 106 w 106"/>
+                <a:gd name="T1" fmla="*/ 1114 h 1114"/>
+                <a:gd name="T2" fmla="*/ 0 w 106"/>
+                <a:gd name="T3" fmla="*/ 1005 h 1114"/>
+                <a:gd name="T4" fmla="*/ 0 w 106"/>
+                <a:gd name="T5" fmla="*/ 0 h 1114"/>
+                <a:gd name="T6" fmla="*/ 106 w 106"/>
+                <a:gd name="T7" fmla="*/ 110 h 1114"/>
+                <a:gd name="T8" fmla="*/ 106 w 106"/>
+                <a:gd name="T9" fmla="*/ 1114 h 1114"/>
+              </a:gdLst>
+              <a:ahLst/>
+              <a:cxnLst>
+                <a:cxn ang="0">
+                  <a:pos x="T0" y="T1"/>
+                </a:cxn>
+                <a:cxn ang="0">
+                  <a:pos x="T2" y="T3"/>
+                </a:cxn>
+                <a:cxn ang="0">
+                  <a:pos x="T4" y="T5"/>
+                </a:cxn>
+                <a:cxn ang="0">
+                  <a:pos x="T6" y="T7"/>
+                </a:cxn>
+                <a:cxn ang="0">
+                  <a:pos x="T8" y="T9"/>
+                </a:cxn>
+              </a:cxnLst>
+              <a:rect l="0" t="0" r="r" b="b"/>
+              <a:pathLst>
+                <a:path w="106" h="1114">
+                  <a:moveTo>
+                    <a:pt x="106" y="1114"/>
+                  </a:moveTo>
+                  <a:lnTo>
+                    <a:pt x="0" y="1005"/>
+                  </a:lnTo>
+                  <a:lnTo>
+                    <a:pt x="0" y="0"/>
+                  </a:lnTo>
+                  <a:lnTo>
+                    <a:pt x="106" y="110"/>
+                  </a:lnTo>
+                  <a:lnTo>
+                    <a:pt x="106" y="1114"/>
+                  </a:lnTo>
+                  <a:close/>
+                </a:path>
+              </a:pathLst>
+            </a:custGeom>
+            <a:solidFill>
+              <a:schemeClr val="accent1">
+                <a:lumMod val="50000"/>
+              </a:schemeClr>
+            </a:solidFill>
+            <a:ln>
+              <a:noFill/>
+            </a:ln>
+          </p:spPr>
+          <p:txBody>
+            <a:bodyPr vert="horz" wrap="square" lIns="91440" tIns="45720" rIns="91440" bIns="45720" numCol="1" anchor="t" anchorCtr="0" compatLnSpc="1">
+              <a:prstTxWarp prst="textNoShape">
+                <a:avLst/>
+              </a:prstTxWarp>
+            </a:bodyPr>
+            <a:lstStyle/>
+            <a:p>
+              <a:endParaRPr lang="en-US"/>
+            </a:p>
+          </p:txBody>
+        </p:sp>
+        <p:sp>
+          <p:nvSpPr>
+            <p:cNvPr id="17" name="Rectangle 16">
+              <a:extLst>
+                <a:ext uri="{FF2B5EF4-FFF2-40B4-BE49-F238E27FC236}">
+                  <a16:creationId xmlns:a16="http://schemas.microsoft.com/office/drawing/2014/main" id="{94C5517B-1B0F-47AA-93A5-36718996986F}"/>
+                </a:ext>
+                <a:ext uri="{C183D7F6-B498-43B3-948B-1728B52AA6E4}">
+                  <adec:decorative xmlns:adec="http://schemas.microsoft.com/office/drawing/2017/decorative" val="1"/>
+                </a:ext>
+              </a:extLst>
+            </p:cNvPr>
+            <p:cNvSpPr>
+              <a:spLocks noChangeArrowheads="1"/>
+            </p:cNvSpPr>
+            <p:nvPr>
+              <p:extLst>
+                <p:ext uri="{386F3935-93C4-4BCD-93E2-E3B085C9AB24}">
+                  <p16:designElem xmlns:p16="http://schemas.microsoft.com/office/powerpoint/2015/main" val="1"/>
+                </p:ext>
+              </p:extLst>
+            </p:nvPr>
+          </p:nvSpPr>
+          <p:spPr bwMode="auto">
+            <a:xfrm>
+              <a:off x="644055" y="635715"/>
+              <a:ext cx="10907863" cy="1541457"/>
+            </a:xfrm>
+            <a:prstGeom prst="rect">
+              <a:avLst/>
+            </a:prstGeom>
+            <a:solidFill>
+              <a:schemeClr val="accent1"/>
+            </a:solidFill>
+            <a:ln>
+              <a:noFill/>
+            </a:ln>
+          </p:spPr>
+          <p:txBody>
+            <a:bodyPr vert="horz" wrap="square" lIns="91440" tIns="45720" rIns="91440" bIns="45720" numCol="1" anchor="t" anchorCtr="0" compatLnSpc="1">
+              <a:prstTxWarp prst="textNoShape">
+                <a:avLst/>
+              </a:prstTxWarp>
+            </a:bodyPr>
+            <a:lstStyle/>
+            <a:p>
+              <a:endParaRPr lang="en-US"/>
+            </a:p>
+          </p:txBody>
+        </p:sp>
+      </p:grpSp>
+      <p:sp>
+        <p:nvSpPr>
+          <p:cNvPr id="2" name="Titolo 1">
+            <a:extLst>
+              <a:ext uri="{FF2B5EF4-FFF2-40B4-BE49-F238E27FC236}">
+                <a16:creationId xmlns:a16="http://schemas.microsoft.com/office/drawing/2014/main" id="{3F86C670-C7A2-4B6A-AB1C-BC803F7E07EA}"/>
+              </a:ext>
+            </a:extLst>
+          </p:cNvPr>
+          <p:cNvSpPr>
+            <a:spLocks noGrp="1"/>
+          </p:cNvSpPr>
+          <p:nvPr>
+            <p:ph type="title"/>
+          </p:nvPr>
+        </p:nvSpPr>
+        <p:spPr>
+          <a:xfrm>
+            <a:off x="1047280" y="759805"/>
+            <a:ext cx="10306520" cy="1325563"/>
+          </a:xfrm>
+        </p:spPr>
+        <p:txBody>
+          <a:bodyPr vert="horz" lIns="91440" tIns="45720" rIns="91440" bIns="45720" rtlCol="0" anchor="ctr">
+            <a:normAutofit/>
+          </a:bodyPr>
+          <a:lstStyle/>
+          <a:p>
+            <a:r>
+              <a:rPr lang="en-US" sz="4000" kern="1200" dirty="0">
+                <a:solidFill>
+                  <a:srgbClr val="FFFFFF"/>
+                </a:solidFill>
+                <a:latin typeface="+mj-lt"/>
+                <a:ea typeface="+mj-ea"/>
+                <a:cs typeface="+mj-cs"/>
+              </a:rPr>
+              <a:t>Simulation Parameters:</a:t>
+            </a:r>
+          </a:p>
+        </p:txBody>
+      </p:sp>
+      <p:sp>
+        <p:nvSpPr>
+          <p:cNvPr id="5" name="CasellaDiTesto 4">
+            <a:extLst>
+              <a:ext uri="{FF2B5EF4-FFF2-40B4-BE49-F238E27FC236}">
+                <a16:creationId xmlns:a16="http://schemas.microsoft.com/office/drawing/2014/main" id="{5D88F64E-89C5-4060-823F-A8BC5C21A128}"/>
+              </a:ext>
+            </a:extLst>
+          </p:cNvPr>
+          <p:cNvSpPr txBox="1"/>
+          <p:nvPr/>
+        </p:nvSpPr>
+        <p:spPr>
+          <a:xfrm>
+            <a:off x="1411857" y="2736006"/>
+            <a:ext cx="4622001" cy="3563159"/>
+          </a:xfrm>
+          <a:prstGeom prst="rect">
+            <a:avLst/>
+          </a:prstGeom>
+        </p:spPr>
+        <p:txBody>
+          <a:bodyPr vert="horz" lIns="91440" tIns="45720" rIns="91440" bIns="45720" rtlCol="0">
+            <a:normAutofit fontScale="92500"/>
+          </a:bodyPr>
+          <a:lstStyle/>
+          <a:p>
+            <a:pPr marL="285750" indent="-228600">
+              <a:lnSpc>
+                <a:spcPct val="150000"/>
+              </a:lnSpc>
+              <a:buFont typeface="Arial" panose="020B0604020202020204" pitchFamily="34" charset="0"/>
+              <a:buChar char="•"/>
+            </a:pPr>
+            <a:r>
+              <a:rPr lang="en-US" sz="1500" dirty="0"/>
+              <a:t>Range of time of use of a car</a:t>
+            </a:r>
+          </a:p>
+          <a:p>
+            <a:pPr marL="285750" indent="-228600">
+              <a:lnSpc>
+                <a:spcPct val="150000"/>
+              </a:lnSpc>
+              <a:buFont typeface="Arial" panose="020B0604020202020204" pitchFamily="34" charset="0"/>
+              <a:buChar char="•"/>
+            </a:pPr>
+            <a:r>
+              <a:rPr lang="en-US" sz="1500" dirty="0"/>
+              <a:t>Arrival time range of new users</a:t>
+            </a:r>
+          </a:p>
+          <a:p>
+            <a:pPr marL="285750" indent="-228600">
+              <a:lnSpc>
+                <a:spcPct val="150000"/>
+              </a:lnSpc>
+              <a:buFont typeface="Arial" panose="020B0604020202020204" pitchFamily="34" charset="0"/>
+              <a:buChar char="•"/>
+            </a:pPr>
+            <a:r>
+              <a:rPr lang="en-US" sz="1500" dirty="0"/>
+              <a:t>Number of cars</a:t>
+            </a:r>
+          </a:p>
+          <a:p>
+            <a:pPr marL="285750" indent="-228600">
+              <a:lnSpc>
+                <a:spcPct val="150000"/>
+              </a:lnSpc>
+              <a:buFont typeface="Arial" panose="020B0604020202020204" pitchFamily="34" charset="0"/>
+              <a:buChar char="•"/>
+            </a:pPr>
+            <a:r>
+              <a:rPr lang="en-US" sz="1500" dirty="0"/>
+              <a:t>Max number of users, if -1 it generates infinite users</a:t>
+            </a:r>
+          </a:p>
+          <a:p>
+            <a:pPr marL="285750" indent="-228600">
+              <a:lnSpc>
+                <a:spcPct val="150000"/>
+              </a:lnSpc>
+              <a:buFont typeface="Arial" panose="020B0604020202020204" pitchFamily="34" charset="0"/>
+              <a:buChar char="•"/>
+            </a:pPr>
+            <a:r>
+              <a:rPr lang="en-US" sz="1500" dirty="0"/>
+              <a:t>Min. customer patience, -1 if we would take off patience</a:t>
+            </a:r>
+          </a:p>
+          <a:p>
+            <a:pPr marL="285750" indent="-228600">
+              <a:lnSpc>
+                <a:spcPct val="150000"/>
+              </a:lnSpc>
+              <a:buFont typeface="Arial" panose="020B0604020202020204" pitchFamily="34" charset="0"/>
+              <a:buChar char="•"/>
+            </a:pPr>
+            <a:r>
+              <a:rPr lang="en-US" sz="1500" dirty="0"/>
+              <a:t>Max. customer patience</a:t>
+            </a:r>
+          </a:p>
+          <a:p>
+            <a:pPr marL="285750" indent="-228600">
+              <a:lnSpc>
+                <a:spcPct val="150000"/>
+              </a:lnSpc>
+              <a:buFont typeface="Arial" panose="020B0604020202020204" pitchFamily="34" charset="0"/>
+              <a:buChar char="•"/>
+            </a:pPr>
+            <a:r>
+              <a:rPr lang="en-US" sz="1500" dirty="0"/>
+              <a:t>Autonomy of a car in minutes</a:t>
+            </a:r>
+          </a:p>
+          <a:p>
+            <a:pPr marL="285750" indent="-228600">
+              <a:lnSpc>
+                <a:spcPct val="150000"/>
+              </a:lnSpc>
+              <a:buFont typeface="Arial" panose="020B0604020202020204" pitchFamily="34" charset="0"/>
+              <a:buChar char="•"/>
+            </a:pPr>
+            <a:r>
+              <a:rPr lang="en-US" sz="1500" dirty="0"/>
+              <a:t>Time to recharge the car</a:t>
+            </a:r>
+          </a:p>
+          <a:p>
+            <a:pPr marL="285750" indent="-228600">
+              <a:lnSpc>
+                <a:spcPct val="150000"/>
+              </a:lnSpc>
+              <a:buFont typeface="Arial" panose="020B0604020202020204" pitchFamily="34" charset="0"/>
+              <a:buChar char="•"/>
+            </a:pPr>
+            <a:r>
+              <a:rPr lang="en-US" sz="1500" dirty="0"/>
+              <a:t>Number of Operators who charge the car</a:t>
+            </a:r>
+          </a:p>
+          <a:p>
+            <a:pPr marL="285750" indent="-228600">
+              <a:lnSpc>
+                <a:spcPct val="150000"/>
+              </a:lnSpc>
+              <a:buFont typeface="Arial" panose="020B0604020202020204" pitchFamily="34" charset="0"/>
+              <a:buChar char="•"/>
+            </a:pPr>
+            <a:r>
+              <a:rPr lang="en-US" sz="1500" dirty="0"/>
+              <a:t>Run until this time 0 to let the users end coming</a:t>
+            </a:r>
+          </a:p>
+        </p:txBody>
+      </p:sp>
+      <p:graphicFrame>
+        <p:nvGraphicFramePr>
+          <p:cNvPr id="4" name="Tabella 5">
+            <a:extLst>
+              <a:ext uri="{FF2B5EF4-FFF2-40B4-BE49-F238E27FC236}">
+                <a16:creationId xmlns:a16="http://schemas.microsoft.com/office/drawing/2014/main" id="{E5C3C30C-2524-4FFF-85F1-207680FA81A1}"/>
+              </a:ext>
+            </a:extLst>
+          </p:cNvPr>
+          <p:cNvGraphicFramePr>
+            <a:graphicFrameLocks noGrp="1"/>
+          </p:cNvGraphicFramePr>
+          <p:nvPr>
+            <p:extLst>
+              <p:ext uri="{D42A27DB-BD31-4B8C-83A1-F6EECF244321}">
+                <p14:modId xmlns:p14="http://schemas.microsoft.com/office/powerpoint/2010/main" val="880394312"/>
+              </p:ext>
+            </p:extLst>
+          </p:nvPr>
+        </p:nvGraphicFramePr>
+        <p:xfrm>
+          <a:off x="6326394" y="2492376"/>
+          <a:ext cx="4347402" cy="3563373"/>
+        </p:xfrm>
+        <a:graphic>
+          <a:graphicData uri="http://schemas.openxmlformats.org/drawingml/2006/table">
+            <a:tbl>
+              <a:tblPr firstRow="1" bandRow="1">
+                <a:tableStyleId>{5C22544A-7EE6-4342-B048-85BDC9FD1C3A}</a:tableStyleId>
+              </a:tblPr>
+              <a:tblGrid>
+                <a:gridCol w="3065335">
+                  <a:extLst>
+                    <a:ext uri="{9D8B030D-6E8A-4147-A177-3AD203B41FA5}">
+                      <a16:colId xmlns:a16="http://schemas.microsoft.com/office/drawing/2014/main" val="3591313908"/>
+                    </a:ext>
+                  </a:extLst>
+                </a:gridCol>
+                <a:gridCol w="1282067">
+                  <a:extLst>
+                    <a:ext uri="{9D8B030D-6E8A-4147-A177-3AD203B41FA5}">
+                      <a16:colId xmlns:a16="http://schemas.microsoft.com/office/drawing/2014/main" val="4099186437"/>
+                    </a:ext>
+                  </a:extLst>
+                </a:gridCol>
+              </a:tblGrid>
+              <a:tr h="323943">
+                <a:tc>
+                  <a:txBody>
+                    <a:bodyPr/>
+                    <a:lstStyle/>
+                    <a:p>
+                      <a:r>
+                        <a:rPr lang="it-IT" sz="1400"/>
+                        <a:t>VARIABLE NAME</a:t>
+                      </a:r>
+                    </a:p>
+                  </a:txBody>
+                  <a:tcPr marL="77393" marR="77393" marT="38696" marB="38696"/>
+                </a:tc>
+                <a:tc>
+                  <a:txBody>
+                    <a:bodyPr/>
+                    <a:lstStyle/>
+                    <a:p>
+                      <a:r>
+                        <a:rPr lang="it-IT" sz="1400"/>
+                        <a:t>VALUE</a:t>
+                      </a:r>
+                    </a:p>
+                  </a:txBody>
+                  <a:tcPr marL="77393" marR="77393" marT="38696" marB="38696"/>
+                </a:tc>
+                <a:extLst>
+                  <a:ext uri="{0D108BD9-81ED-4DB2-BD59-A6C34878D82A}">
+                    <a16:rowId xmlns:a16="http://schemas.microsoft.com/office/drawing/2014/main" val="1531261294"/>
+                  </a:ext>
+                </a:extLst>
+              </a:tr>
+              <a:tr h="323943">
+                <a:tc>
+                  <a:txBody>
+                    <a:bodyPr/>
+                    <a:lstStyle/>
+                    <a:p>
+                      <a:r>
+                        <a:rPr lang="it-IT" sz="1400"/>
+                        <a:t>CAR_USAGE_TIME</a:t>
+                      </a:r>
+                    </a:p>
+                  </a:txBody>
+                  <a:tcPr marL="77393" marR="77393" marT="38696" marB="38696"/>
+                </a:tc>
+                <a:tc>
+                  <a:txBody>
+                    <a:bodyPr/>
+                    <a:lstStyle/>
+                    <a:p>
+                      <a:r>
+                        <a:rPr lang="it-IT" sz="1400"/>
+                        <a:t>(28,35)</a:t>
+                      </a:r>
+                    </a:p>
+                  </a:txBody>
+                  <a:tcPr marL="77393" marR="77393" marT="38696" marB="38696"/>
+                </a:tc>
+                <a:extLst>
+                  <a:ext uri="{0D108BD9-81ED-4DB2-BD59-A6C34878D82A}">
+                    <a16:rowId xmlns:a16="http://schemas.microsoft.com/office/drawing/2014/main" val="612445165"/>
+                  </a:ext>
+                </a:extLst>
+              </a:tr>
+              <a:tr h="323943">
+                <a:tc>
+                  <a:txBody>
+                    <a:bodyPr/>
+                    <a:lstStyle/>
+                    <a:p>
+                      <a:r>
+                        <a:rPr lang="it-IT" sz="1400"/>
+                        <a:t>USER_SPAWN_TIME</a:t>
+                      </a:r>
+                    </a:p>
+                  </a:txBody>
+                  <a:tcPr marL="77393" marR="77393" marT="38696" marB="38696"/>
+                </a:tc>
+                <a:tc>
+                  <a:txBody>
+                    <a:bodyPr/>
+                    <a:lstStyle/>
+                    <a:p>
+                      <a:r>
+                        <a:rPr lang="it-IT" sz="1400"/>
+                        <a:t>(1,2)</a:t>
+                      </a:r>
+                    </a:p>
+                  </a:txBody>
+                  <a:tcPr marL="77393" marR="77393" marT="38696" marB="38696"/>
+                </a:tc>
+                <a:extLst>
+                  <a:ext uri="{0D108BD9-81ED-4DB2-BD59-A6C34878D82A}">
+                    <a16:rowId xmlns:a16="http://schemas.microsoft.com/office/drawing/2014/main" val="2753196774"/>
+                  </a:ext>
+                </a:extLst>
+              </a:tr>
+              <a:tr h="323943">
+                <a:tc>
+                  <a:txBody>
+                    <a:bodyPr/>
+                    <a:lstStyle/>
+                    <a:p>
+                      <a:r>
+                        <a:rPr lang="it-IT" sz="1400"/>
+                        <a:t>CARS_NUMBER</a:t>
+                      </a:r>
+                    </a:p>
+                  </a:txBody>
+                  <a:tcPr marL="77393" marR="77393" marT="38696" marB="38696"/>
+                </a:tc>
+                <a:tc>
+                  <a:txBody>
+                    <a:bodyPr/>
+                    <a:lstStyle/>
+                    <a:p>
+                      <a:r>
+                        <a:rPr lang="it-IT" sz="1400"/>
+                        <a:t>20</a:t>
+                      </a:r>
+                    </a:p>
+                  </a:txBody>
+                  <a:tcPr marL="77393" marR="77393" marT="38696" marB="38696"/>
+                </a:tc>
+                <a:extLst>
+                  <a:ext uri="{0D108BD9-81ED-4DB2-BD59-A6C34878D82A}">
+                    <a16:rowId xmlns:a16="http://schemas.microsoft.com/office/drawing/2014/main" val="613190031"/>
+                  </a:ext>
+                </a:extLst>
+              </a:tr>
+              <a:tr h="323943">
+                <a:tc>
+                  <a:txBody>
+                    <a:bodyPr/>
+                    <a:lstStyle/>
+                    <a:p>
+                      <a:r>
+                        <a:rPr lang="it-IT" sz="1400"/>
+                        <a:t>MAX_NUMB_USERS</a:t>
+                      </a:r>
+                    </a:p>
+                  </a:txBody>
+                  <a:tcPr marL="77393" marR="77393" marT="38696" marB="38696"/>
+                </a:tc>
+                <a:tc>
+                  <a:txBody>
+                    <a:bodyPr/>
+                    <a:lstStyle/>
+                    <a:p>
+                      <a:r>
+                        <a:rPr lang="it-IT" sz="1400"/>
+                        <a:t>50</a:t>
+                      </a:r>
+                    </a:p>
+                  </a:txBody>
+                  <a:tcPr marL="77393" marR="77393" marT="38696" marB="38696"/>
+                </a:tc>
+                <a:extLst>
+                  <a:ext uri="{0D108BD9-81ED-4DB2-BD59-A6C34878D82A}">
+                    <a16:rowId xmlns:a16="http://schemas.microsoft.com/office/drawing/2014/main" val="3796194626"/>
+                  </a:ext>
+                </a:extLst>
+              </a:tr>
+              <a:tr h="323943">
+                <a:tc>
+                  <a:txBody>
+                    <a:bodyPr/>
+                    <a:lstStyle/>
+                    <a:p>
+                      <a:r>
+                        <a:rPr lang="it-IT" sz="1400"/>
+                        <a:t>MIN_PATIENCE</a:t>
+                      </a:r>
+                    </a:p>
+                  </a:txBody>
+                  <a:tcPr marL="77393" marR="77393" marT="38696" marB="38696"/>
+                </a:tc>
+                <a:tc>
+                  <a:txBody>
+                    <a:bodyPr/>
+                    <a:lstStyle/>
+                    <a:p>
+                      <a:r>
+                        <a:rPr lang="it-IT" sz="1400"/>
+                        <a:t>-1</a:t>
+                      </a:r>
+                    </a:p>
+                  </a:txBody>
+                  <a:tcPr marL="77393" marR="77393" marT="38696" marB="38696"/>
+                </a:tc>
+                <a:extLst>
+                  <a:ext uri="{0D108BD9-81ED-4DB2-BD59-A6C34878D82A}">
+                    <a16:rowId xmlns:a16="http://schemas.microsoft.com/office/drawing/2014/main" val="3323455888"/>
+                  </a:ext>
+                </a:extLst>
+              </a:tr>
+              <a:tr h="323943">
+                <a:tc>
+                  <a:txBody>
+                    <a:bodyPr/>
+                    <a:lstStyle/>
+                    <a:p>
+                      <a:r>
+                        <a:rPr lang="it-IT" sz="1400"/>
+                        <a:t>MAX_PATIENCE</a:t>
+                      </a:r>
+                    </a:p>
+                  </a:txBody>
+                  <a:tcPr marL="77393" marR="77393" marT="38696" marB="38696"/>
+                </a:tc>
+                <a:tc>
+                  <a:txBody>
+                    <a:bodyPr/>
+                    <a:lstStyle/>
+                    <a:p>
+                      <a:r>
+                        <a:rPr lang="it-IT" sz="1400"/>
+                        <a:t>18</a:t>
+                      </a:r>
+                    </a:p>
+                  </a:txBody>
+                  <a:tcPr marL="77393" marR="77393" marT="38696" marB="38696"/>
+                </a:tc>
+                <a:extLst>
+                  <a:ext uri="{0D108BD9-81ED-4DB2-BD59-A6C34878D82A}">
+                    <a16:rowId xmlns:a16="http://schemas.microsoft.com/office/drawing/2014/main" val="3060501633"/>
+                  </a:ext>
+                </a:extLst>
+              </a:tr>
+              <a:tr h="323943">
+                <a:tc>
+                  <a:txBody>
+                    <a:bodyPr/>
+                    <a:lstStyle/>
+                    <a:p>
+                      <a:r>
+                        <a:rPr lang="it-IT" sz="1400"/>
+                        <a:t>AUTO_AUTONOMY</a:t>
+                      </a:r>
+                    </a:p>
+                  </a:txBody>
+                  <a:tcPr marL="77393" marR="77393" marT="38696" marB="38696"/>
+                </a:tc>
+                <a:tc>
+                  <a:txBody>
+                    <a:bodyPr/>
+                    <a:lstStyle/>
+                    <a:p>
+                      <a:r>
+                        <a:rPr lang="it-IT" sz="1400"/>
+                        <a:t>200</a:t>
+                      </a:r>
+                    </a:p>
+                  </a:txBody>
+                  <a:tcPr marL="77393" marR="77393" marT="38696" marB="38696"/>
+                </a:tc>
+                <a:extLst>
+                  <a:ext uri="{0D108BD9-81ED-4DB2-BD59-A6C34878D82A}">
+                    <a16:rowId xmlns:a16="http://schemas.microsoft.com/office/drawing/2014/main" val="3807646652"/>
+                  </a:ext>
+                </a:extLst>
+              </a:tr>
+              <a:tr h="323943">
+                <a:tc>
+                  <a:txBody>
+                    <a:bodyPr/>
+                    <a:lstStyle/>
+                    <a:p>
+                      <a:r>
+                        <a:rPr lang="it-IT" sz="1400"/>
+                        <a:t>CHARGE_TIME</a:t>
+                      </a:r>
+                    </a:p>
+                  </a:txBody>
+                  <a:tcPr marL="77393" marR="77393" marT="38696" marB="38696"/>
+                </a:tc>
+                <a:tc>
+                  <a:txBody>
+                    <a:bodyPr/>
+                    <a:lstStyle/>
+                    <a:p>
+                      <a:r>
+                        <a:rPr lang="it-IT" sz="1400"/>
+                        <a:t>60</a:t>
+                      </a:r>
+                    </a:p>
+                  </a:txBody>
+                  <a:tcPr marL="77393" marR="77393" marT="38696" marB="38696"/>
+                </a:tc>
+                <a:extLst>
+                  <a:ext uri="{0D108BD9-81ED-4DB2-BD59-A6C34878D82A}">
+                    <a16:rowId xmlns:a16="http://schemas.microsoft.com/office/drawing/2014/main" val="3480994760"/>
+                  </a:ext>
+                </a:extLst>
+              </a:tr>
+              <a:tr h="323943">
+                <a:tc>
+                  <a:txBody>
+                    <a:bodyPr/>
+                    <a:lstStyle/>
+                    <a:p>
+                      <a:r>
+                        <a:rPr lang="it-IT" sz="1400"/>
+                        <a:t>OPERATORS_NUMBER</a:t>
+                      </a:r>
+                    </a:p>
+                  </a:txBody>
+                  <a:tcPr marL="77393" marR="77393" marT="38696" marB="38696"/>
+                </a:tc>
+                <a:tc>
+                  <a:txBody>
+                    <a:bodyPr/>
+                    <a:lstStyle/>
+                    <a:p>
+                      <a:r>
+                        <a:rPr lang="it-IT" sz="1400"/>
+                        <a:t>20</a:t>
+                      </a:r>
+                    </a:p>
+                  </a:txBody>
+                  <a:tcPr marL="77393" marR="77393" marT="38696" marB="38696"/>
+                </a:tc>
+                <a:extLst>
+                  <a:ext uri="{0D108BD9-81ED-4DB2-BD59-A6C34878D82A}">
+                    <a16:rowId xmlns:a16="http://schemas.microsoft.com/office/drawing/2014/main" val="241709987"/>
+                  </a:ext>
+                </a:extLst>
+              </a:tr>
+              <a:tr h="323943">
+                <a:tc>
+                  <a:txBody>
+                    <a:bodyPr/>
+                    <a:lstStyle/>
+                    <a:p>
+                      <a:r>
+                        <a:rPr lang="it-IT" sz="1400"/>
+                        <a:t>RUN_UNTIL</a:t>
+                      </a:r>
+                    </a:p>
+                  </a:txBody>
+                  <a:tcPr marL="77393" marR="77393" marT="38696" marB="38696"/>
+                </a:tc>
+                <a:tc>
+                  <a:txBody>
+                    <a:bodyPr/>
+                    <a:lstStyle/>
+                    <a:p>
+                      <a:r>
+                        <a:rPr lang="it-IT" sz="1400"/>
+                        <a:t>-1</a:t>
+                      </a:r>
+                    </a:p>
+                  </a:txBody>
+                  <a:tcPr marL="77393" marR="77393" marT="38696" marB="38696"/>
+                </a:tc>
+                <a:extLst>
+                  <a:ext uri="{0D108BD9-81ED-4DB2-BD59-A6C34878D82A}">
+                    <a16:rowId xmlns:a16="http://schemas.microsoft.com/office/drawing/2014/main" val="2671885314"/>
+                  </a:ext>
+                </a:extLst>
+              </a:tr>
+            </a:tbl>
+          </a:graphicData>
+        </a:graphic>
+      </p:graphicFrame>
+    </p:spTree>
+    <p:extLst>
+      <p:ext uri="{BB962C8B-B14F-4D97-AF65-F5344CB8AC3E}">
+        <p14:creationId xmlns:p14="http://schemas.microsoft.com/office/powerpoint/2010/main" val="541237216"/>
+      </p:ext>
+    </p:extLst>
+  </p:cSld>
+  <p:clrMapOvr>
+    <a:masterClrMapping/>
+  </p:clrMapOvr>
+</p:sld>
+</file>
+
 <file path=ppt/theme/theme1.xml><?xml version="1.0" encoding="utf-8"?>
 <a:theme xmlns:a="http://schemas.openxmlformats.org/drawingml/2006/main" name="Tema di Office">
   <a:themeElements>

--- a/Presentazione.pptx
+++ b/Presentazione.pptx
@@ -276,7 +276,7 @@
             <a:fld id="{AD74387E-97CE-4431-A938-776691C01B99}" type="datetime1">
               <a:rPr lang="it-IT" smtClean="0"/>
               <a:pPr lvl="0"/>
-              <a:t>19/05/2021</a:t>
+              <a:t>08/06/2021</a:t>
             </a:fld>
             <a:endParaRPr lang="it-IT"/>
           </a:p>
@@ -484,7 +484,7 @@
             <a:fld id="{805C0DC6-7813-4A67-8373-4ABFAC47C388}" type="datetime1">
               <a:rPr lang="it-IT" smtClean="0"/>
               <a:pPr lvl="0"/>
-              <a:t>19/05/2021</a:t>
+              <a:t>08/06/2021</a:t>
             </a:fld>
             <a:endParaRPr lang="it-IT"/>
           </a:p>
@@ -696,7 +696,7 @@
             <a:fld id="{0C777315-50A1-45E8-A4C4-6C11401F702A}" type="datetime1">
               <a:rPr lang="it-IT" smtClean="0"/>
               <a:pPr lvl="0"/>
-              <a:t>19/05/2021</a:t>
+              <a:t>08/06/2021</a:t>
             </a:fld>
             <a:endParaRPr lang="it-IT"/>
           </a:p>
@@ -898,7 +898,7 @@
             <a:fld id="{BE285C84-5284-44DD-BE75-528454D0120C}" type="datetime1">
               <a:rPr lang="it-IT" smtClean="0"/>
               <a:pPr lvl="0"/>
-              <a:t>19/05/2021</a:t>
+              <a:t>08/06/2021</a:t>
             </a:fld>
             <a:endParaRPr lang="it-IT"/>
           </a:p>
@@ -1178,7 +1178,7 @@
             <a:fld id="{1AC71CE6-FB6C-4B87-A966-F687647F12F7}" type="datetime1">
               <a:rPr lang="it-IT" smtClean="0"/>
               <a:pPr lvl="0"/>
-              <a:t>19/05/2021</a:t>
+              <a:t>08/06/2021</a:t>
             </a:fld>
             <a:endParaRPr lang="it-IT"/>
           </a:p>
@@ -1452,7 +1452,7 @@
             <a:fld id="{A8243CBF-885E-4FB7-9EFC-0C730A58BC85}" type="datetime1">
               <a:rPr lang="it-IT" smtClean="0"/>
               <a:pPr lvl="0"/>
-              <a:t>19/05/2021</a:t>
+              <a:t>08/06/2021</a:t>
             </a:fld>
             <a:endParaRPr lang="it-IT"/>
           </a:p>
@@ -1868,7 +1868,7 @@
             <a:fld id="{E51398B2-046A-4A6C-934D-20200A5E1FD8}" type="datetime1">
               <a:rPr lang="it-IT" smtClean="0"/>
               <a:pPr lvl="0"/>
-              <a:t>19/05/2021</a:t>
+              <a:t>08/06/2021</a:t>
             </a:fld>
             <a:endParaRPr lang="it-IT"/>
           </a:p>
@@ -2013,7 +2013,7 @@
             <a:fld id="{FBF20CF6-0698-4508-911A-6C13748187F3}" type="datetime1">
               <a:rPr lang="it-IT" smtClean="0"/>
               <a:pPr lvl="0"/>
-              <a:t>19/05/2021</a:t>
+              <a:t>08/06/2021</a:t>
             </a:fld>
             <a:endParaRPr lang="it-IT"/>
           </a:p>
@@ -2130,7 +2130,7 @@
             <a:fld id="{0C777315-50A1-45E8-A4C4-6C11401F702A}" type="datetime1">
               <a:rPr lang="it-IT" smtClean="0"/>
               <a:pPr lvl="0"/>
-              <a:t>19/05/2021</a:t>
+              <a:t>08/06/2021</a:t>
             </a:fld>
             <a:endParaRPr lang="it-IT"/>
           </a:p>
@@ -2445,7 +2445,7 @@
             <a:fld id="{A4F8D565-E2C0-44CB-88FF-3502FB0B2CC5}" type="datetime1">
               <a:rPr lang="it-IT" smtClean="0"/>
               <a:pPr lvl="0"/>
-              <a:t>19/05/2021</a:t>
+              <a:t>08/06/2021</a:t>
             </a:fld>
             <a:endParaRPr lang="it-IT"/>
           </a:p>
@@ -2737,7 +2737,7 @@
             <a:fld id="{0C777315-50A1-45E8-A4C4-6C11401F702A}" type="datetime1">
               <a:rPr lang="it-IT" smtClean="0"/>
               <a:pPr lvl="0"/>
-              <a:t>19/05/2021</a:t>
+              <a:t>08/06/2021</a:t>
             </a:fld>
             <a:endParaRPr lang="it-IT"/>
           </a:p>
@@ -2982,7 +2982,7 @@
             <a:fld id="{0C777315-50A1-45E8-A4C4-6C11401F702A}" type="datetime1">
               <a:rPr lang="it-IT" smtClean="0"/>
               <a:pPr lvl="0"/>
-              <a:t>19/05/2021</a:t>
+              <a:t>08/06/2021</a:t>
             </a:fld>
             <a:endParaRPr lang="it-IT"/>
           </a:p>
@@ -3765,7 +3765,7 @@
           <p:nvPr>
             <p:extLst>
               <p:ext uri="{D42A27DB-BD31-4B8C-83A1-F6EECF244321}">
-                <p14:modId xmlns:p14="http://schemas.microsoft.com/office/powerpoint/2010/main" val="1908500829"/>
+                <p14:modId xmlns:p14="http://schemas.microsoft.com/office/powerpoint/2010/main" val="3979877402"/>
               </p:ext>
             </p:extLst>
           </p:nvPr>
@@ -3992,7 +3992,7 @@
                     <a:p>
                       <a:r>
                         <a:rPr lang="it-IT" sz="1400" dirty="0"/>
-                        <a:t>None</a:t>
+                        <a:t>-1</a:t>
                       </a:r>
                     </a:p>
                   </a:txBody>
@@ -4026,7 +4026,7 @@
                     <a:p>
                       <a:r>
                         <a:rPr lang="it-IT" sz="1400" dirty="0"/>
-                        <a:t>None</a:t>
+                        <a:t>18</a:t>
                       </a:r>
                     </a:p>
                   </a:txBody>
@@ -16546,7 +16546,7 @@
                   <a:schemeClr val="bg1"/>
                 </a:solidFill>
               </a:rPr>
-              <a:t>An operator is process that is spawned after a certain time to carry out maintenance on the cars or to recharge them. Each operator can work on more cars, sequentially.</a:t>
+              <a:t>An operator is process that carry out maintenance on the cars or to recharge them. Each operator can work on more cars, sequentially.</a:t>
             </a:r>
           </a:p>
         </p:txBody>
@@ -18002,7 +18002,7 @@
           <p:nvPr>
             <p:extLst>
               <p:ext uri="{D42A27DB-BD31-4B8C-83A1-F6EECF244321}">
-                <p14:modId xmlns:p14="http://schemas.microsoft.com/office/powerpoint/2010/main" val="880394312"/>
+                <p14:modId xmlns:p14="http://schemas.microsoft.com/office/powerpoint/2010/main" val="2454056125"/>
               </p:ext>
             </p:extLst>
           </p:nvPr>
@@ -18304,7 +18304,7 @@
                     <a:lstStyle/>
                     <a:p>
                       <a:r>
-                        <a:rPr lang="it-IT" sz="1400"/>
+                        <a:rPr lang="it-IT" sz="1400" dirty="0"/>
                         <a:t>CHARGE_TIME</a:t>
                       </a:r>
                     </a:p>
@@ -18317,7 +18317,7 @@
                     <a:lstStyle/>
                     <a:p>
                       <a:r>
-                        <a:rPr lang="it-IT" sz="1400"/>
+                        <a:rPr lang="it-IT" sz="1400" dirty="0"/>
                         <a:t>60</a:t>
                       </a:r>
                     </a:p>
@@ -18337,7 +18337,7 @@
                     <a:lstStyle/>
                     <a:p>
                       <a:r>
-                        <a:rPr lang="it-IT" sz="1400"/>
+                        <a:rPr lang="it-IT" sz="1400" dirty="0"/>
                         <a:t>OPERATORS_NUMBER</a:t>
                       </a:r>
                     </a:p>
@@ -18350,7 +18350,7 @@
                     <a:lstStyle/>
                     <a:p>
                       <a:r>
-                        <a:rPr lang="it-IT" sz="1400"/>
+                        <a:rPr lang="it-IT" sz="1400" dirty="0"/>
                         <a:t>20</a:t>
                       </a:r>
                     </a:p>
@@ -18383,7 +18383,7 @@
                     <a:lstStyle/>
                     <a:p>
                       <a:r>
-                        <a:rPr lang="it-IT" sz="1400"/>
+                        <a:rPr lang="it-IT" sz="1400" dirty="0"/>
                         <a:t>-1</a:t>
                       </a:r>
                     </a:p>
